--- a/presentation/Loudoun County Growth Study.pptx
+++ b/presentation/Loudoun County Growth Study.pptx
@@ -5,25 +5,30 @@
     <p:sldMasterId id="2147483739" r:id="rId1"/>
   </p:sldMasterIdLst>
   <p:notesMasterIdLst>
-    <p:notesMasterId r:id="rId18"/>
+    <p:notesMasterId r:id="rId23"/>
   </p:notesMasterIdLst>
   <p:sldIdLst>
     <p:sldId id="256" r:id="rId2"/>
     <p:sldId id="257" r:id="rId3"/>
     <p:sldId id="258" r:id="rId4"/>
-    <p:sldId id="259" r:id="rId5"/>
-    <p:sldId id="261" r:id="rId6"/>
-    <p:sldId id="260" r:id="rId7"/>
-    <p:sldId id="262" r:id="rId8"/>
-    <p:sldId id="263" r:id="rId9"/>
-    <p:sldId id="264" r:id="rId10"/>
-    <p:sldId id="265" r:id="rId11"/>
-    <p:sldId id="266" r:id="rId12"/>
-    <p:sldId id="267" r:id="rId13"/>
-    <p:sldId id="268" r:id="rId14"/>
-    <p:sldId id="269" r:id="rId15"/>
-    <p:sldId id="270" r:id="rId16"/>
-    <p:sldId id="271" r:id="rId17"/>
+    <p:sldId id="261" r:id="rId5"/>
+    <p:sldId id="260" r:id="rId6"/>
+    <p:sldId id="262" r:id="rId7"/>
+    <p:sldId id="263" r:id="rId8"/>
+    <p:sldId id="264" r:id="rId9"/>
+    <p:sldId id="265" r:id="rId10"/>
+    <p:sldId id="266" r:id="rId11"/>
+    <p:sldId id="267" r:id="rId12"/>
+    <p:sldId id="268" r:id="rId13"/>
+    <p:sldId id="269" r:id="rId14"/>
+    <p:sldId id="270" r:id="rId15"/>
+    <p:sldId id="271" r:id="rId16"/>
+    <p:sldId id="272" r:id="rId17"/>
+    <p:sldId id="273" r:id="rId18"/>
+    <p:sldId id="274" r:id="rId19"/>
+    <p:sldId id="259" r:id="rId20"/>
+    <p:sldId id="275" r:id="rId21"/>
+    <p:sldId id="276" r:id="rId22"/>
   </p:sldIdLst>
   <p:sldSz cx="12192000" cy="6858000"/>
   <p:notesSz cx="6858000" cy="9144000"/>
@@ -122,13 +127,18 @@
       </a:defRPr>
     </a:lvl9pPr>
   </p:defaultTextStyle>
+  <p:extLst>
+    <p:ext uri="{EFAFB233-063F-42B5-8137-9DF3F51BA10A}">
+      <p15:sldGuideLst xmlns:p15="http://schemas.microsoft.com/office/powerpoint/2012/main"/>
+    </p:ext>
+  </p:extLst>
 </p:presentation>
 </file>
 
 <file path=ppt/revisionInfo.xml><?xml version="1.0" encoding="utf-8"?>
 <p1510:revInfo xmlns:a="http://schemas.openxmlformats.org/drawingml/2006/main" xmlns:r="http://schemas.openxmlformats.org/officeDocument/2006/relationships" xmlns:p1510="http://schemas.microsoft.com/office/powerpoint/2015/10/main">
   <p1510:revLst>
-    <p1510:client id="{64F8F7E6-B0A7-4A67-BE43-D2AC88E1A641}" v="34" dt="2024-12-02T06:04:21.179"/>
+    <p1510:client id="{64F8F7E6-B0A7-4A67-BE43-D2AC88E1A641}" v="75" dt="2024-12-02T17:02:18.068"/>
   </p1510:revLst>
 </p1510:revInfo>
 </file>
@@ -138,19 +148,65 @@
   <pc:docChgLst>
     <pc:chgData name="Andrew Kemp" userId="06d23b41cf651141" providerId="LiveId" clId="{64F8F7E6-B0A7-4A67-BE43-D2AC88E1A641}"/>
     <pc:docChg chg="undo custSel addSld delSld modSld sldOrd">
-      <pc:chgData name="Andrew Kemp" userId="06d23b41cf651141" providerId="LiveId" clId="{64F8F7E6-B0A7-4A67-BE43-D2AC88E1A641}" dt="2024-12-02T06:05:40.787" v="323" actId="680"/>
+      <pc:chgData name="Andrew Kemp" userId="06d23b41cf651141" providerId="LiveId" clId="{64F8F7E6-B0A7-4A67-BE43-D2AC88E1A641}" dt="2024-12-02T18:34:23.293" v="825" actId="20577"/>
       <pc:docMkLst>
         <pc:docMk/>
       </pc:docMkLst>
+      <pc:sldChg chg="modSp mod">
+        <pc:chgData name="Andrew Kemp" userId="06d23b41cf651141" providerId="LiveId" clId="{64F8F7E6-B0A7-4A67-BE43-D2AC88E1A641}" dt="2024-12-02T17:02:47.095" v="687" actId="113"/>
+        <pc:sldMkLst>
+          <pc:docMk/>
+          <pc:sldMk cId="676866412" sldId="257"/>
+        </pc:sldMkLst>
+        <pc:spChg chg="mod">
+          <ac:chgData name="Andrew Kemp" userId="06d23b41cf651141" providerId="LiveId" clId="{64F8F7E6-B0A7-4A67-BE43-D2AC88E1A641}" dt="2024-12-02T17:02:47.095" v="687" actId="113"/>
+          <ac:spMkLst>
+            <pc:docMk/>
+            <pc:sldMk cId="676866412" sldId="257"/>
+            <ac:spMk id="3" creationId="{5ED045A7-985A-18CF-8A62-31774B43D3C4}"/>
+          </ac:spMkLst>
+        </pc:spChg>
+      </pc:sldChg>
       <pc:sldChg chg="ord">
-        <pc:chgData name="Andrew Kemp" userId="06d23b41cf651141" providerId="LiveId" clId="{64F8F7E6-B0A7-4A67-BE43-D2AC88E1A641}" dt="2024-12-02T05:33:15.849" v="4"/>
+        <pc:chgData name="Andrew Kemp" userId="06d23b41cf651141" providerId="LiveId" clId="{64F8F7E6-B0A7-4A67-BE43-D2AC88E1A641}" dt="2024-12-02T16:14:27.624" v="494"/>
+        <pc:sldMkLst>
+          <pc:docMk/>
+          <pc:sldMk cId="4223552985" sldId="259"/>
+        </pc:sldMkLst>
+      </pc:sldChg>
+      <pc:sldChg chg="addSp delSp modSp mod ord">
+        <pc:chgData name="Andrew Kemp" userId="06d23b41cf651141" providerId="LiveId" clId="{64F8F7E6-B0A7-4A67-BE43-D2AC88E1A641}" dt="2024-12-02T18:33:14.436" v="774" actId="20577"/>
         <pc:sldMkLst>
           <pc:docMk/>
           <pc:sldMk cId="2704509593" sldId="260"/>
         </pc:sldMkLst>
+        <pc:spChg chg="mod">
+          <ac:chgData name="Andrew Kemp" userId="06d23b41cf651141" providerId="LiveId" clId="{64F8F7E6-B0A7-4A67-BE43-D2AC88E1A641}" dt="2024-12-02T18:33:14.436" v="774" actId="20577"/>
+          <ac:spMkLst>
+            <pc:docMk/>
+            <pc:sldMk cId="2704509593" sldId="260"/>
+            <ac:spMk id="2" creationId="{1ADCE0A2-9D1B-6924-50D5-9B7CA9871C85}"/>
+          </ac:spMkLst>
+        </pc:spChg>
+        <pc:spChg chg="add del mod">
+          <ac:chgData name="Andrew Kemp" userId="06d23b41cf651141" providerId="LiveId" clId="{64F8F7E6-B0A7-4A67-BE43-D2AC88E1A641}" dt="2024-12-02T17:07:28.595" v="701" actId="113"/>
+          <ac:spMkLst>
+            <pc:docMk/>
+            <pc:sldMk cId="2704509593" sldId="260"/>
+            <ac:spMk id="3" creationId="{0023B7CA-7DFA-CA21-3804-C95BF6E3C746}"/>
+          </ac:spMkLst>
+        </pc:spChg>
+        <pc:spChg chg="add mod">
+          <ac:chgData name="Andrew Kemp" userId="06d23b41cf651141" providerId="LiveId" clId="{64F8F7E6-B0A7-4A67-BE43-D2AC88E1A641}" dt="2024-12-02T16:20:53.152" v="523"/>
+          <ac:spMkLst>
+            <pc:docMk/>
+            <pc:sldMk cId="2704509593" sldId="260"/>
+            <ac:spMk id="4" creationId="{6D9A7F07-E64E-B621-DA15-A6059FEFD989}"/>
+          </ac:spMkLst>
+        </pc:spChg>
       </pc:sldChg>
       <pc:sldChg chg="addSp delSp modSp mod setBg">
-        <pc:chgData name="Andrew Kemp" userId="06d23b41cf651141" providerId="LiveId" clId="{64F8F7E6-B0A7-4A67-BE43-D2AC88E1A641}" dt="2024-12-02T05:36:25.733" v="29" actId="20577"/>
+        <pc:chgData name="Andrew Kemp" userId="06d23b41cf651141" providerId="LiveId" clId="{64F8F7E6-B0A7-4A67-BE43-D2AC88E1A641}" dt="2024-12-02T17:04:37.269" v="696" actId="14100"/>
         <pc:sldMkLst>
           <pc:docMk/>
           <pc:sldMk cId="2372119004" sldId="261"/>
@@ -164,11 +220,19 @@
           </ac:spMkLst>
         </pc:spChg>
         <pc:spChg chg="add del mod ord">
-          <ac:chgData name="Andrew Kemp" userId="06d23b41cf651141" providerId="LiveId" clId="{64F8F7E6-B0A7-4A67-BE43-D2AC88E1A641}" dt="2024-12-02T05:36:06.379" v="28"/>
+          <ac:chgData name="Andrew Kemp" userId="06d23b41cf651141" providerId="LiveId" clId="{64F8F7E6-B0A7-4A67-BE43-D2AC88E1A641}" dt="2024-12-02T17:04:37.269" v="696" actId="14100"/>
           <ac:spMkLst>
             <pc:docMk/>
             <pc:sldMk cId="2372119004" sldId="261"/>
             <ac:spMk id="3" creationId="{EAB6E3EA-AA87-8751-07D3-8CF343D77AEF}"/>
+          </ac:spMkLst>
+        </pc:spChg>
+        <pc:spChg chg="add">
+          <ac:chgData name="Andrew Kemp" userId="06d23b41cf651141" providerId="LiveId" clId="{64F8F7E6-B0A7-4A67-BE43-D2AC88E1A641}" dt="2024-12-02T16:16:58.355" v="500"/>
+          <ac:spMkLst>
+            <pc:docMk/>
+            <pc:sldMk cId="2372119004" sldId="261"/>
+            <ac:spMk id="4" creationId="{8CAB66B8-1545-ECFC-547C-8495D0456647}"/>
           </ac:spMkLst>
         </pc:spChg>
         <pc:spChg chg="add mod">
@@ -177,6 +241,14 @@
             <pc:docMk/>
             <pc:sldMk cId="2372119004" sldId="261"/>
             <ac:spMk id="4" creationId="{E0FDFFCD-5C0B-6DF0-5175-29C03B8D5C58}"/>
+          </ac:spMkLst>
+        </pc:spChg>
+        <pc:spChg chg="add mod">
+          <ac:chgData name="Andrew Kemp" userId="06d23b41cf651141" providerId="LiveId" clId="{64F8F7E6-B0A7-4A67-BE43-D2AC88E1A641}" dt="2024-12-02T16:17:05.408" v="503"/>
+          <ac:spMkLst>
+            <pc:docMk/>
+            <pc:sldMk cId="2372119004" sldId="261"/>
+            <ac:spMk id="5" creationId="{905BE6C7-A73A-4DA5-61D7-8B7862090993}"/>
           </ac:spMkLst>
         </pc:spChg>
         <pc:spChg chg="add del">
@@ -261,7 +333,7 @@
         </pc:picChg>
       </pc:sldChg>
       <pc:sldChg chg="addSp delSp modSp mod setBg">
-        <pc:chgData name="Andrew Kemp" userId="06d23b41cf651141" providerId="LiveId" clId="{64F8F7E6-B0A7-4A67-BE43-D2AC88E1A641}" dt="2024-12-02T05:38:54.819" v="52" actId="113"/>
+        <pc:chgData name="Andrew Kemp" userId="06d23b41cf651141" providerId="LiveId" clId="{64F8F7E6-B0A7-4A67-BE43-D2AC88E1A641}" dt="2024-12-02T17:08:22.490" v="704" actId="113"/>
         <pc:sldMkLst>
           <pc:docMk/>
           <pc:sldMk cId="2557860313" sldId="262"/>
@@ -275,7 +347,7 @@
           </ac:spMkLst>
         </pc:spChg>
         <pc:spChg chg="mod ord">
-          <ac:chgData name="Andrew Kemp" userId="06d23b41cf651141" providerId="LiveId" clId="{64F8F7E6-B0A7-4A67-BE43-D2AC88E1A641}" dt="2024-12-02T05:38:36.848" v="49" actId="1076"/>
+          <ac:chgData name="Andrew Kemp" userId="06d23b41cf651141" providerId="LiveId" clId="{64F8F7E6-B0A7-4A67-BE43-D2AC88E1A641}" dt="2024-12-02T17:08:22.490" v="704" actId="113"/>
           <ac:spMkLst>
             <pc:docMk/>
             <pc:sldMk cId="2557860313" sldId="262"/>
@@ -332,7 +404,7 @@
         </pc:picChg>
       </pc:sldChg>
       <pc:sldChg chg="addSp modSp mod">
-        <pc:chgData name="Andrew Kemp" userId="06d23b41cf651141" providerId="LiveId" clId="{64F8F7E6-B0A7-4A67-BE43-D2AC88E1A641}" dt="2024-12-02T05:40:44.782" v="71" actId="14100"/>
+        <pc:chgData name="Andrew Kemp" userId="06d23b41cf651141" providerId="LiveId" clId="{64F8F7E6-B0A7-4A67-BE43-D2AC88E1A641}" dt="2024-12-02T17:10:57.142" v="709" actId="113"/>
         <pc:sldMkLst>
           <pc:docMk/>
           <pc:sldMk cId="2374101826" sldId="263"/>
@@ -346,7 +418,7 @@
           </ac:spMkLst>
         </pc:spChg>
         <pc:spChg chg="mod">
-          <ac:chgData name="Andrew Kemp" userId="06d23b41cf651141" providerId="LiveId" clId="{64F8F7E6-B0A7-4A67-BE43-D2AC88E1A641}" dt="2024-12-02T05:40:40.952" v="70" actId="1076"/>
+          <ac:chgData name="Andrew Kemp" userId="06d23b41cf651141" providerId="LiveId" clId="{64F8F7E6-B0A7-4A67-BE43-D2AC88E1A641}" dt="2024-12-02T17:10:57.142" v="709" actId="113"/>
           <ac:spMkLst>
             <pc:docMk/>
             <pc:sldMk cId="2374101826" sldId="263"/>
@@ -363,7 +435,7 @@
         </pc:picChg>
       </pc:sldChg>
       <pc:sldChg chg="addSp delSp modSp mod">
-        <pc:chgData name="Andrew Kemp" userId="06d23b41cf651141" providerId="LiveId" clId="{64F8F7E6-B0A7-4A67-BE43-D2AC88E1A641}" dt="2024-12-02T05:45:35.814" v="98" actId="113"/>
+        <pc:chgData name="Andrew Kemp" userId="06d23b41cf651141" providerId="LiveId" clId="{64F8F7E6-B0A7-4A67-BE43-D2AC88E1A641}" dt="2024-12-02T17:13:58.638" v="721" actId="113"/>
         <pc:sldMkLst>
           <pc:docMk/>
           <pc:sldMk cId="868956211" sldId="264"/>
@@ -377,7 +449,7 @@
           </ac:spMkLst>
         </pc:spChg>
         <pc:spChg chg="add del mod">
-          <ac:chgData name="Andrew Kemp" userId="06d23b41cf651141" providerId="LiveId" clId="{64F8F7E6-B0A7-4A67-BE43-D2AC88E1A641}" dt="2024-12-02T05:45:16.896" v="95" actId="20577"/>
+          <ac:chgData name="Andrew Kemp" userId="06d23b41cf651141" providerId="LiveId" clId="{64F8F7E6-B0A7-4A67-BE43-D2AC88E1A641}" dt="2024-12-02T17:13:58.638" v="721" actId="113"/>
           <ac:spMkLst>
             <pc:docMk/>
             <pc:sldMk cId="868956211" sldId="264"/>
@@ -402,13 +474,13 @@
         </pc:picChg>
       </pc:sldChg>
       <pc:sldChg chg="addSp delSp modSp mod setBg">
-        <pc:chgData name="Andrew Kemp" userId="06d23b41cf651141" providerId="LiveId" clId="{64F8F7E6-B0A7-4A67-BE43-D2AC88E1A641}" dt="2024-12-02T05:49:49.927" v="133" actId="20577"/>
+        <pc:chgData name="Andrew Kemp" userId="06d23b41cf651141" providerId="LiveId" clId="{64F8F7E6-B0A7-4A67-BE43-D2AC88E1A641}" dt="2024-12-02T18:33:40.901" v="786" actId="20577"/>
         <pc:sldMkLst>
           <pc:docMk/>
           <pc:sldMk cId="2174093630" sldId="265"/>
         </pc:sldMkLst>
         <pc:spChg chg="mod">
-          <ac:chgData name="Andrew Kemp" userId="06d23b41cf651141" providerId="LiveId" clId="{64F8F7E6-B0A7-4A67-BE43-D2AC88E1A641}" dt="2024-12-02T05:49:49.927" v="133" actId="20577"/>
+          <ac:chgData name="Andrew Kemp" userId="06d23b41cf651141" providerId="LiveId" clId="{64F8F7E6-B0A7-4A67-BE43-D2AC88E1A641}" dt="2024-12-02T18:33:40.901" v="786" actId="20577"/>
           <ac:spMkLst>
             <pc:docMk/>
             <pc:sldMk cId="2174093630" sldId="265"/>
@@ -416,7 +488,7 @@
           </ac:spMkLst>
         </pc:spChg>
         <pc:spChg chg="add del mod ord">
-          <ac:chgData name="Andrew Kemp" userId="06d23b41cf651141" providerId="LiveId" clId="{64F8F7E6-B0A7-4A67-BE43-D2AC88E1A641}" dt="2024-12-02T05:48:54.866" v="125" actId="1076"/>
+          <ac:chgData name="Andrew Kemp" userId="06d23b41cf651141" providerId="LiveId" clId="{64F8F7E6-B0A7-4A67-BE43-D2AC88E1A641}" dt="2024-12-02T17:13:48.203" v="719" actId="113"/>
           <ac:spMkLst>
             <pc:docMk/>
             <pc:sldMk cId="2174093630" sldId="265"/>
@@ -505,13 +577,13 @@
         </pc:picChg>
       </pc:sldChg>
       <pc:sldChg chg="addSp modSp new mod">
-        <pc:chgData name="Andrew Kemp" userId="06d23b41cf651141" providerId="LiveId" clId="{64F8F7E6-B0A7-4A67-BE43-D2AC88E1A641}" dt="2024-12-02T05:53:40.251" v="161" actId="14100"/>
+        <pc:chgData name="Andrew Kemp" userId="06d23b41cf651141" providerId="LiveId" clId="{64F8F7E6-B0A7-4A67-BE43-D2AC88E1A641}" dt="2024-12-02T18:34:00.935" v="811" actId="20577"/>
         <pc:sldMkLst>
           <pc:docMk/>
           <pc:sldMk cId="239434237" sldId="266"/>
         </pc:sldMkLst>
         <pc:spChg chg="mod">
-          <ac:chgData name="Andrew Kemp" userId="06d23b41cf651141" providerId="LiveId" clId="{64F8F7E6-B0A7-4A67-BE43-D2AC88E1A641}" dt="2024-12-02T05:52:14.888" v="141" actId="113"/>
+          <ac:chgData name="Andrew Kemp" userId="06d23b41cf651141" providerId="LiveId" clId="{64F8F7E6-B0A7-4A67-BE43-D2AC88E1A641}" dt="2024-12-02T18:34:00.935" v="811" actId="20577"/>
           <ac:spMkLst>
             <pc:docMk/>
             <pc:sldMk cId="239434237" sldId="266"/>
@@ -519,7 +591,7 @@
           </ac:spMkLst>
         </pc:spChg>
         <pc:spChg chg="mod">
-          <ac:chgData name="Andrew Kemp" userId="06d23b41cf651141" providerId="LiveId" clId="{64F8F7E6-B0A7-4A67-BE43-D2AC88E1A641}" dt="2024-12-02T05:53:19.457" v="156" actId="27636"/>
+          <ac:chgData name="Andrew Kemp" userId="06d23b41cf651141" providerId="LiveId" clId="{64F8F7E6-B0A7-4A67-BE43-D2AC88E1A641}" dt="2024-12-02T17:16:12.365" v="723" actId="113"/>
           <ac:spMkLst>
             <pc:docMk/>
             <pc:sldMk cId="239434237" sldId="266"/>
@@ -536,7 +608,7 @@
         </pc:picChg>
       </pc:sldChg>
       <pc:sldChg chg="addSp delSp modSp new mod setBg">
-        <pc:chgData name="Andrew Kemp" userId="06d23b41cf651141" providerId="LiveId" clId="{64F8F7E6-B0A7-4A67-BE43-D2AC88E1A641}" dt="2024-12-02T05:57:28.158" v="227" actId="14100"/>
+        <pc:chgData name="Andrew Kemp" userId="06d23b41cf651141" providerId="LiveId" clId="{64F8F7E6-B0A7-4A67-BE43-D2AC88E1A641}" dt="2024-12-02T17:16:53.777" v="724" actId="113"/>
         <pc:sldMkLst>
           <pc:docMk/>
           <pc:sldMk cId="1614694770" sldId="267"/>
@@ -558,7 +630,7 @@
           </ac:spMkLst>
         </pc:spChg>
         <pc:spChg chg="add mod">
-          <ac:chgData name="Andrew Kemp" userId="06d23b41cf651141" providerId="LiveId" clId="{64F8F7E6-B0A7-4A67-BE43-D2AC88E1A641}" dt="2024-12-02T05:57:28.158" v="227" actId="14100"/>
+          <ac:chgData name="Andrew Kemp" userId="06d23b41cf651141" providerId="LiveId" clId="{64F8F7E6-B0A7-4A67-BE43-D2AC88E1A641}" dt="2024-12-02T17:16:53.777" v="724" actId="113"/>
           <ac:spMkLst>
             <pc:docMk/>
             <pc:sldMk cId="1614694770" sldId="267"/>
@@ -622,7 +694,7 @@
         </pc:spChg>
       </pc:sldChg>
       <pc:sldChg chg="addSp delSp modSp new mod setBg">
-        <pc:chgData name="Andrew Kemp" userId="06d23b41cf651141" providerId="LiveId" clId="{64F8F7E6-B0A7-4A67-BE43-D2AC88E1A641}" dt="2024-12-02T06:00:12.815" v="262" actId="14100"/>
+        <pc:chgData name="Andrew Kemp" userId="06d23b41cf651141" providerId="LiveId" clId="{64F8F7E6-B0A7-4A67-BE43-D2AC88E1A641}" dt="2024-12-02T17:17:55.887" v="727" actId="113"/>
         <pc:sldMkLst>
           <pc:docMk/>
           <pc:sldMk cId="3880292356" sldId="268"/>
@@ -636,7 +708,7 @@
           </ac:spMkLst>
         </pc:spChg>
         <pc:spChg chg="add del mod ord">
-          <ac:chgData name="Andrew Kemp" userId="06d23b41cf651141" providerId="LiveId" clId="{64F8F7E6-B0A7-4A67-BE43-D2AC88E1A641}" dt="2024-12-02T06:00:12.815" v="262" actId="14100"/>
+          <ac:chgData name="Andrew Kemp" userId="06d23b41cf651141" providerId="LiveId" clId="{64F8F7E6-B0A7-4A67-BE43-D2AC88E1A641}" dt="2024-12-02T17:17:55.887" v="727" actId="113"/>
           <ac:spMkLst>
             <pc:docMk/>
             <pc:sldMk cId="3880292356" sldId="268"/>
@@ -708,7 +780,7 @@
           </ac:spMkLst>
         </pc:spChg>
         <pc:picChg chg="add mod">
-          <ac:chgData name="Andrew Kemp" userId="06d23b41cf651141" providerId="LiveId" clId="{64F8F7E6-B0A7-4A67-BE43-D2AC88E1A641}" dt="2024-12-02T06:00:06.830" v="260" actId="1076"/>
+          <ac:chgData name="Andrew Kemp" userId="06d23b41cf651141" providerId="LiveId" clId="{64F8F7E6-B0A7-4A67-BE43-D2AC88E1A641}" dt="2024-12-02T16:32:19.277" v="604" actId="1076"/>
           <ac:picMkLst>
             <pc:docMk/>
             <pc:sldMk cId="3880292356" sldId="268"/>
@@ -717,7 +789,7 @@
         </pc:picChg>
       </pc:sldChg>
       <pc:sldChg chg="addSp modSp new mod">
-        <pc:chgData name="Andrew Kemp" userId="06d23b41cf651141" providerId="LiveId" clId="{64F8F7E6-B0A7-4A67-BE43-D2AC88E1A641}" dt="2024-12-02T06:02:22.358" v="282" actId="14100"/>
+        <pc:chgData name="Andrew Kemp" userId="06d23b41cf651141" providerId="LiveId" clId="{64F8F7E6-B0A7-4A67-BE43-D2AC88E1A641}" dt="2024-12-02T17:18:47.121" v="730" actId="113"/>
         <pc:sldMkLst>
           <pc:docMk/>
           <pc:sldMk cId="2040435687" sldId="269"/>
@@ -731,7 +803,7 @@
           </ac:spMkLst>
         </pc:spChg>
         <pc:spChg chg="mod">
-          <ac:chgData name="Andrew Kemp" userId="06d23b41cf651141" providerId="LiveId" clId="{64F8F7E6-B0A7-4A67-BE43-D2AC88E1A641}" dt="2024-12-02T06:02:22.358" v="282" actId="14100"/>
+          <ac:chgData name="Andrew Kemp" userId="06d23b41cf651141" providerId="LiveId" clId="{64F8F7E6-B0A7-4A67-BE43-D2AC88E1A641}" dt="2024-12-02T17:18:47.121" v="730" actId="113"/>
           <ac:spMkLst>
             <pc:docMk/>
             <pc:sldMk cId="2040435687" sldId="269"/>
@@ -748,13 +820,13 @@
         </pc:picChg>
       </pc:sldChg>
       <pc:sldChg chg="addSp delSp modSp new mod setBg">
-        <pc:chgData name="Andrew Kemp" userId="06d23b41cf651141" providerId="LiveId" clId="{64F8F7E6-B0A7-4A67-BE43-D2AC88E1A641}" dt="2024-12-02T06:05:36.880" v="322" actId="113"/>
+        <pc:chgData name="Andrew Kemp" userId="06d23b41cf651141" providerId="LiveId" clId="{64F8F7E6-B0A7-4A67-BE43-D2AC88E1A641}" dt="2024-12-02T18:34:23.293" v="825" actId="20577"/>
         <pc:sldMkLst>
           <pc:docMk/>
           <pc:sldMk cId="1410783233" sldId="270"/>
         </pc:sldMkLst>
         <pc:spChg chg="mod">
-          <ac:chgData name="Andrew Kemp" userId="06d23b41cf651141" providerId="LiveId" clId="{64F8F7E6-B0A7-4A67-BE43-D2AC88E1A641}" dt="2024-12-02T06:05:36.880" v="322" actId="113"/>
+          <ac:chgData name="Andrew Kemp" userId="06d23b41cf651141" providerId="LiveId" clId="{64F8F7E6-B0A7-4A67-BE43-D2AC88E1A641}" dt="2024-12-02T18:34:23.293" v="825" actId="20577"/>
           <ac:spMkLst>
             <pc:docMk/>
             <pc:sldMk cId="1410783233" sldId="270"/>
@@ -762,7 +834,7 @@
           </ac:spMkLst>
         </pc:spChg>
         <pc:spChg chg="add del mod">
-          <ac:chgData name="Andrew Kemp" userId="06d23b41cf651141" providerId="LiveId" clId="{64F8F7E6-B0A7-4A67-BE43-D2AC88E1A641}" dt="2024-12-02T06:05:15.940" v="319" actId="27636"/>
+          <ac:chgData name="Andrew Kemp" userId="06d23b41cf651141" providerId="LiveId" clId="{64F8F7E6-B0A7-4A67-BE43-D2AC88E1A641}" dt="2024-12-02T17:21:03.426" v="740" actId="113"/>
           <ac:spMkLst>
             <pc:docMk/>
             <pc:sldMk cId="1410783233" sldId="270"/>
@@ -818,12 +890,207 @@
           </ac:picMkLst>
         </pc:picChg>
       </pc:sldChg>
-      <pc:sldChg chg="new">
-        <pc:chgData name="Andrew Kemp" userId="06d23b41cf651141" providerId="LiveId" clId="{64F8F7E6-B0A7-4A67-BE43-D2AC88E1A641}" dt="2024-12-02T06:05:40.787" v="323" actId="680"/>
+      <pc:sldChg chg="addSp delSp modSp new mod">
+        <pc:chgData name="Andrew Kemp" userId="06d23b41cf651141" providerId="LiveId" clId="{64F8F7E6-B0A7-4A67-BE43-D2AC88E1A641}" dt="2024-12-02T17:21:54.816" v="745" actId="1076"/>
         <pc:sldMkLst>
           <pc:docMk/>
           <pc:sldMk cId="18813993" sldId="271"/>
         </pc:sldMkLst>
+        <pc:spChg chg="mod">
+          <ac:chgData name="Andrew Kemp" userId="06d23b41cf651141" providerId="LiveId" clId="{64F8F7E6-B0A7-4A67-BE43-D2AC88E1A641}" dt="2024-12-02T15:52:14.387" v="370" actId="113"/>
+          <ac:spMkLst>
+            <pc:docMk/>
+            <pc:sldMk cId="18813993" sldId="271"/>
+            <ac:spMk id="2" creationId="{52279F27-ACE4-4B4F-E90C-8399A5C82862}"/>
+          </ac:spMkLst>
+        </pc:spChg>
+        <pc:spChg chg="add del mod">
+          <ac:chgData name="Andrew Kemp" userId="06d23b41cf651141" providerId="LiveId" clId="{64F8F7E6-B0A7-4A67-BE43-D2AC88E1A641}" dt="2024-12-02T17:21:51.656" v="743" actId="113"/>
+          <ac:spMkLst>
+            <pc:docMk/>
+            <pc:sldMk cId="18813993" sldId="271"/>
+            <ac:spMk id="3" creationId="{7CD048B9-64EF-AA6D-3A86-D83F0A6E3FED}"/>
+          </ac:spMkLst>
+        </pc:spChg>
+        <pc:spChg chg="add mod">
+          <ac:chgData name="Andrew Kemp" userId="06d23b41cf651141" providerId="LiveId" clId="{64F8F7E6-B0A7-4A67-BE43-D2AC88E1A641}" dt="2024-12-02T15:48:50.583" v="327"/>
+          <ac:spMkLst>
+            <pc:docMk/>
+            <pc:sldMk cId="18813993" sldId="271"/>
+            <ac:spMk id="4" creationId="{4E5D9FFF-28EE-7952-7162-9A3AE191D9B4}"/>
+          </ac:spMkLst>
+        </pc:spChg>
+        <pc:picChg chg="add mod">
+          <ac:chgData name="Andrew Kemp" userId="06d23b41cf651141" providerId="LiveId" clId="{64F8F7E6-B0A7-4A67-BE43-D2AC88E1A641}" dt="2024-12-02T17:21:54.816" v="745" actId="1076"/>
+          <ac:picMkLst>
+            <pc:docMk/>
+            <pc:sldMk cId="18813993" sldId="271"/>
+            <ac:picMk id="6" creationId="{BB3B0440-7440-3A96-9439-BD9BCA974732}"/>
+          </ac:picMkLst>
+        </pc:picChg>
+      </pc:sldChg>
+      <pc:sldChg chg="addSp delSp modSp new mod">
+        <pc:chgData name="Andrew Kemp" userId="06d23b41cf651141" providerId="LiveId" clId="{64F8F7E6-B0A7-4A67-BE43-D2AC88E1A641}" dt="2024-12-02T17:22:41.942" v="749" actId="113"/>
+        <pc:sldMkLst>
+          <pc:docMk/>
+          <pc:sldMk cId="2387906110" sldId="272"/>
+        </pc:sldMkLst>
+        <pc:spChg chg="mod">
+          <ac:chgData name="Andrew Kemp" userId="06d23b41cf651141" providerId="LiveId" clId="{64F8F7E6-B0A7-4A67-BE43-D2AC88E1A641}" dt="2024-12-02T15:52:10.360" v="369" actId="113"/>
+          <ac:spMkLst>
+            <pc:docMk/>
+            <pc:sldMk cId="2387906110" sldId="272"/>
+            <ac:spMk id="2" creationId="{7F4AE81F-AA18-44C6-B2ED-3F0C0CB12A25}"/>
+          </ac:spMkLst>
+        </pc:spChg>
+        <pc:spChg chg="add del mod">
+          <ac:chgData name="Andrew Kemp" userId="06d23b41cf651141" providerId="LiveId" clId="{64F8F7E6-B0A7-4A67-BE43-D2AC88E1A641}" dt="2024-12-02T17:22:41.942" v="749" actId="113"/>
+          <ac:spMkLst>
+            <pc:docMk/>
+            <pc:sldMk cId="2387906110" sldId="272"/>
+            <ac:spMk id="3" creationId="{81549798-400A-5F90-0C15-A295964811CF}"/>
+          </ac:spMkLst>
+        </pc:spChg>
+        <pc:spChg chg="add mod">
+          <ac:chgData name="Andrew Kemp" userId="06d23b41cf651141" providerId="LiveId" clId="{64F8F7E6-B0A7-4A67-BE43-D2AC88E1A641}" dt="2024-12-02T15:51:18.878" v="353"/>
+          <ac:spMkLst>
+            <pc:docMk/>
+            <pc:sldMk cId="2387906110" sldId="272"/>
+            <ac:spMk id="5" creationId="{1B2225AB-34F1-0293-4095-47DDFB3E0CDF}"/>
+          </ac:spMkLst>
+        </pc:spChg>
+        <pc:picChg chg="add del mod ord">
+          <ac:chgData name="Andrew Kemp" userId="06d23b41cf651141" providerId="LiveId" clId="{64F8F7E6-B0A7-4A67-BE43-D2AC88E1A641}" dt="2024-12-02T15:51:15.531" v="351" actId="34307"/>
+          <ac:picMkLst>
+            <pc:docMk/>
+            <pc:sldMk cId="2387906110" sldId="272"/>
+            <ac:picMk id="4" creationId="{8CA0FB0A-AB12-09A9-5AA6-CF4A818A30DF}"/>
+          </ac:picMkLst>
+        </pc:picChg>
+        <pc:picChg chg="add mod">
+          <ac:chgData name="Andrew Kemp" userId="06d23b41cf651141" providerId="LiveId" clId="{64F8F7E6-B0A7-4A67-BE43-D2AC88E1A641}" dt="2024-12-02T15:52:02.825" v="368" actId="14100"/>
+          <ac:picMkLst>
+            <pc:docMk/>
+            <pc:sldMk cId="2387906110" sldId="272"/>
+            <ac:picMk id="7" creationId="{AB60B0EF-7CE2-6CD5-8ED2-9BB415DFA251}"/>
+          </ac:picMkLst>
+        </pc:picChg>
+      </pc:sldChg>
+      <pc:sldChg chg="addSp delSp modSp new mod">
+        <pc:chgData name="Andrew Kemp" userId="06d23b41cf651141" providerId="LiveId" clId="{64F8F7E6-B0A7-4A67-BE43-D2AC88E1A641}" dt="2024-12-02T17:23:28.059" v="752" actId="113"/>
+        <pc:sldMkLst>
+          <pc:docMk/>
+          <pc:sldMk cId="914447653" sldId="273"/>
+        </pc:sldMkLst>
+        <pc:spChg chg="mod">
+          <ac:chgData name="Andrew Kemp" userId="06d23b41cf651141" providerId="LiveId" clId="{64F8F7E6-B0A7-4A67-BE43-D2AC88E1A641}" dt="2024-12-02T15:54:22.474" v="390" actId="113"/>
+          <ac:spMkLst>
+            <pc:docMk/>
+            <pc:sldMk cId="914447653" sldId="273"/>
+            <ac:spMk id="2" creationId="{5072A4C9-5877-948E-A3C5-171703C24D63}"/>
+          </ac:spMkLst>
+        </pc:spChg>
+        <pc:spChg chg="add del mod">
+          <ac:chgData name="Andrew Kemp" userId="06d23b41cf651141" providerId="LiveId" clId="{64F8F7E6-B0A7-4A67-BE43-D2AC88E1A641}" dt="2024-12-02T17:23:28.059" v="752" actId="113"/>
+          <ac:spMkLst>
+            <pc:docMk/>
+            <pc:sldMk cId="914447653" sldId="273"/>
+            <ac:spMk id="3" creationId="{F91D25A1-C6F7-E3DF-812B-4310718F53A0}"/>
+          </ac:spMkLst>
+        </pc:spChg>
+        <pc:spChg chg="add mod">
+          <ac:chgData name="Andrew Kemp" userId="06d23b41cf651141" providerId="LiveId" clId="{64F8F7E6-B0A7-4A67-BE43-D2AC88E1A641}" dt="2024-12-02T15:53:23.242" v="373"/>
+          <ac:spMkLst>
+            <pc:docMk/>
+            <pc:sldMk cId="914447653" sldId="273"/>
+            <ac:spMk id="4" creationId="{B23AA0AF-FACD-39CF-009C-FA97DBB25A72}"/>
+          </ac:spMkLst>
+        </pc:spChg>
+        <pc:picChg chg="add mod">
+          <ac:chgData name="Andrew Kemp" userId="06d23b41cf651141" providerId="LiveId" clId="{64F8F7E6-B0A7-4A67-BE43-D2AC88E1A641}" dt="2024-12-02T15:54:06.181" v="387" actId="1076"/>
+          <ac:picMkLst>
+            <pc:docMk/>
+            <pc:sldMk cId="914447653" sldId="273"/>
+            <ac:picMk id="6" creationId="{878A7999-5F7F-264D-242F-90054D6AB14F}"/>
+          </ac:picMkLst>
+        </pc:picChg>
+      </pc:sldChg>
+      <pc:sldChg chg="modSp new mod">
+        <pc:chgData name="Andrew Kemp" userId="06d23b41cf651141" providerId="LiveId" clId="{64F8F7E6-B0A7-4A67-BE43-D2AC88E1A641}" dt="2024-12-02T17:25:34.297" v="757" actId="113"/>
+        <pc:sldMkLst>
+          <pc:docMk/>
+          <pc:sldMk cId="1235037019" sldId="274"/>
+        </pc:sldMkLst>
+        <pc:spChg chg="mod">
+          <ac:chgData name="Andrew Kemp" userId="06d23b41cf651141" providerId="LiveId" clId="{64F8F7E6-B0A7-4A67-BE43-D2AC88E1A641}" dt="2024-12-02T15:56:44.745" v="423" actId="113"/>
+          <ac:spMkLst>
+            <pc:docMk/>
+            <pc:sldMk cId="1235037019" sldId="274"/>
+            <ac:spMk id="2" creationId="{FF3D4643-D321-F8C6-02CC-D5107ACB614E}"/>
+          </ac:spMkLst>
+        </pc:spChg>
+        <pc:spChg chg="mod">
+          <ac:chgData name="Andrew Kemp" userId="06d23b41cf651141" providerId="LiveId" clId="{64F8F7E6-B0A7-4A67-BE43-D2AC88E1A641}" dt="2024-12-02T17:25:34.297" v="757" actId="113"/>
+          <ac:spMkLst>
+            <pc:docMk/>
+            <pc:sldMk cId="1235037019" sldId="274"/>
+            <ac:spMk id="3" creationId="{F644053D-4141-53AF-A4B7-53FC6FA50BC8}"/>
+          </ac:spMkLst>
+        </pc:spChg>
+      </pc:sldChg>
+      <pc:sldChg chg="modSp new mod">
+        <pc:chgData name="Andrew Kemp" userId="06d23b41cf651141" providerId="LiveId" clId="{64F8F7E6-B0A7-4A67-BE43-D2AC88E1A641}" dt="2024-12-02T17:26:39.548" v="761" actId="113"/>
+        <pc:sldMkLst>
+          <pc:docMk/>
+          <pc:sldMk cId="2655226802" sldId="275"/>
+        </pc:sldMkLst>
+        <pc:spChg chg="mod">
+          <ac:chgData name="Andrew Kemp" userId="06d23b41cf651141" providerId="LiveId" clId="{64F8F7E6-B0A7-4A67-BE43-D2AC88E1A641}" dt="2024-12-02T15:58:06.128" v="447" actId="113"/>
+          <ac:spMkLst>
+            <pc:docMk/>
+            <pc:sldMk cId="2655226802" sldId="275"/>
+            <ac:spMk id="2" creationId="{D087C07A-3AC6-2AC5-009B-40F9453A9395}"/>
+          </ac:spMkLst>
+        </pc:spChg>
+        <pc:spChg chg="mod">
+          <ac:chgData name="Andrew Kemp" userId="06d23b41cf651141" providerId="LiveId" clId="{64F8F7E6-B0A7-4A67-BE43-D2AC88E1A641}" dt="2024-12-02T17:26:39.548" v="761" actId="113"/>
+          <ac:spMkLst>
+            <pc:docMk/>
+            <pc:sldMk cId="2655226802" sldId="275"/>
+            <ac:spMk id="3" creationId="{E4B16831-8A2F-0E61-2AE3-DAC4C7A69B1A}"/>
+          </ac:spMkLst>
+        </pc:spChg>
+      </pc:sldChg>
+      <pc:sldChg chg="addSp delSp modSp new mod">
+        <pc:chgData name="Andrew Kemp" userId="06d23b41cf651141" providerId="LiveId" clId="{64F8F7E6-B0A7-4A67-BE43-D2AC88E1A641}" dt="2024-12-02T16:14:13.789" v="492" actId="20577"/>
+        <pc:sldMkLst>
+          <pc:docMk/>
+          <pc:sldMk cId="1319564735" sldId="276"/>
+        </pc:sldMkLst>
+        <pc:spChg chg="mod">
+          <ac:chgData name="Andrew Kemp" userId="06d23b41cf651141" providerId="LiveId" clId="{64F8F7E6-B0A7-4A67-BE43-D2AC88E1A641}" dt="2024-12-02T16:13:22.969" v="471" actId="113"/>
+          <ac:spMkLst>
+            <pc:docMk/>
+            <pc:sldMk cId="1319564735" sldId="276"/>
+            <ac:spMk id="2" creationId="{68343746-3B28-7232-5B6E-D880C8F860C7}"/>
+          </ac:spMkLst>
+        </pc:spChg>
+        <pc:spChg chg="add del mod">
+          <ac:chgData name="Andrew Kemp" userId="06d23b41cf651141" providerId="LiveId" clId="{64F8F7E6-B0A7-4A67-BE43-D2AC88E1A641}" dt="2024-12-02T16:14:13.789" v="492" actId="20577"/>
+          <ac:spMkLst>
+            <pc:docMk/>
+            <pc:sldMk cId="1319564735" sldId="276"/>
+            <ac:spMk id="3" creationId="{1E7EA290-481B-5C71-947A-D1DF6008CECA}"/>
+          </ac:spMkLst>
+        </pc:spChg>
+        <pc:spChg chg="add mod">
+          <ac:chgData name="Andrew Kemp" userId="06d23b41cf651141" providerId="LiveId" clId="{64F8F7E6-B0A7-4A67-BE43-D2AC88E1A641}" dt="2024-12-02T15:58:37.111" v="450"/>
+          <ac:spMkLst>
+            <pc:docMk/>
+            <pc:sldMk cId="1319564735" sldId="276"/>
+            <ac:spMk id="4" creationId="{DC279707-302F-C506-41F7-1C444D6EDABE}"/>
+          </ac:spMkLst>
+        </pc:spChg>
       </pc:sldChg>
     </pc:docChg>
   </pc:docChgLst>
@@ -1328,7 +1595,7 @@
           <a:p>
             <a:fld id="{3AB11C39-B6E5-45EC-BACA-3432A9334DA1}" type="slidenum">
               <a:rPr lang="en-US" smtClean="0"/>
-              <a:t>9</a:t>
+              <a:t>8</a:t>
             </a:fld>
             <a:endParaRPr lang="en-US"/>
           </a:p>
@@ -1412,7 +1679,7 @@
           <a:p>
             <a:fld id="{3AB11C39-B6E5-45EC-BACA-3432A9334DA1}" type="slidenum">
               <a:rPr lang="en-US" smtClean="0"/>
-              <a:t>10</a:t>
+              <a:t>9</a:t>
             </a:fld>
             <a:endParaRPr lang="en-US"/>
           </a:p>
@@ -1496,7 +1763,7 @@
           <a:p>
             <a:fld id="{3AB11C39-B6E5-45EC-BACA-3432A9334DA1}" type="slidenum">
               <a:rPr lang="en-US" smtClean="0"/>
-              <a:t>14</a:t>
+              <a:t>13</a:t>
             </a:fld>
             <a:endParaRPr lang="en-US"/>
           </a:p>
@@ -1671,7 +1938,7 @@
           <a:p>
             <a:fld id="{02AC24A9-CCB6-4F8D-B8DB-C2F3692CFA5A}" type="datetimeFigureOut">
               <a:rPr lang="en-US" smtClean="0"/>
-              <a:t>12/1/2024</a:t>
+              <a:t>12/2/2024</a:t>
             </a:fld>
             <a:endParaRPr lang="en-US" dirty="0"/>
           </a:p>
@@ -2041,7 +2308,7 @@
           <a:p>
             <a:fld id="{02AC24A9-CCB6-4F8D-B8DB-C2F3692CFA5A}" type="datetimeFigureOut">
               <a:rPr lang="en-US" smtClean="0"/>
-              <a:t>12/1/2024</a:t>
+              <a:t>12/2/2024</a:t>
             </a:fld>
             <a:endParaRPr lang="en-US"/>
           </a:p>
@@ -2250,7 +2517,7 @@
           <a:p>
             <a:fld id="{02AC24A9-CCB6-4F8D-B8DB-C2F3692CFA5A}" type="datetimeFigureOut">
               <a:rPr lang="en-US" smtClean="0"/>
-              <a:t>12/1/2024</a:t>
+              <a:t>12/2/2024</a:t>
             </a:fld>
             <a:endParaRPr lang="en-US"/>
           </a:p>
@@ -2720,7 +2987,7 @@
           <a:p>
             <a:fld id="{02AC24A9-CCB6-4F8D-B8DB-C2F3692CFA5A}" type="datetimeFigureOut">
               <a:rPr lang="en-US" smtClean="0"/>
-              <a:t>12/1/2024</a:t>
+              <a:t>12/2/2024</a:t>
             </a:fld>
             <a:endParaRPr lang="en-US"/>
           </a:p>
@@ -3174,7 +3441,7 @@
           <a:p>
             <a:fld id="{02AC24A9-CCB6-4F8D-B8DB-C2F3692CFA5A}" type="datetimeFigureOut">
               <a:rPr lang="en-US" smtClean="0"/>
-              <a:t>12/1/2024</a:t>
+              <a:t>12/2/2024</a:t>
             </a:fld>
             <a:endParaRPr lang="en-US"/>
           </a:p>
@@ -3706,7 +3973,7 @@
           <a:p>
             <a:fld id="{02AC24A9-CCB6-4F8D-B8DB-C2F3692CFA5A}" type="datetimeFigureOut">
               <a:rPr lang="en-US" smtClean="0"/>
-              <a:t>12/1/2024</a:t>
+              <a:t>12/2/2024</a:t>
             </a:fld>
             <a:endParaRPr lang="en-US"/>
           </a:p>
@@ -4405,7 +4672,7 @@
           <a:p>
             <a:fld id="{02AC24A9-CCB6-4F8D-B8DB-C2F3692CFA5A}" type="datetimeFigureOut">
               <a:rPr lang="en-US" smtClean="0"/>
-              <a:t>12/1/2024</a:t>
+              <a:t>12/2/2024</a:t>
             </a:fld>
             <a:endParaRPr lang="en-US"/>
           </a:p>
@@ -4734,7 +5001,7 @@
           <a:p>
             <a:fld id="{02AC24A9-CCB6-4F8D-B8DB-C2F3692CFA5A}" type="datetimeFigureOut">
               <a:rPr lang="en-US" smtClean="0"/>
-              <a:t>12/1/2024</a:t>
+              <a:t>12/2/2024</a:t>
             </a:fld>
             <a:endParaRPr lang="en-US"/>
           </a:p>
@@ -4847,7 +5114,7 @@
           <a:p>
             <a:fld id="{02AC24A9-CCB6-4F8D-B8DB-C2F3692CFA5A}" type="datetimeFigureOut">
               <a:rPr lang="en-US" smtClean="0"/>
-              <a:t>12/1/2024</a:t>
+              <a:t>12/2/2024</a:t>
             </a:fld>
             <a:endParaRPr lang="en-US"/>
           </a:p>
@@ -5342,7 +5609,7 @@
           <a:p>
             <a:fld id="{02AC24A9-CCB6-4F8D-B8DB-C2F3692CFA5A}" type="datetimeFigureOut">
               <a:rPr lang="en-US" smtClean="0"/>
-              <a:t>12/1/2024</a:t>
+              <a:t>12/2/2024</a:t>
             </a:fld>
             <a:endParaRPr lang="en-US" dirty="0"/>
           </a:p>
@@ -5819,7 +6086,7 @@
           <a:p>
             <a:fld id="{02AC24A9-CCB6-4F8D-B8DB-C2F3692CFA5A}" type="datetimeFigureOut">
               <a:rPr lang="en-US" smtClean="0"/>
-              <a:t>12/1/2024</a:t>
+              <a:t>12/2/2024</a:t>
             </a:fld>
             <a:endParaRPr lang="en-US"/>
           </a:p>
@@ -6062,7 +6329,7 @@
           <a:p>
             <a:fld id="{02AC24A9-CCB6-4F8D-B8DB-C2F3692CFA5A}" type="datetimeFigureOut">
               <a:rPr lang="en-US" smtClean="0"/>
-              <a:t>12/1/2024</a:t>
+              <a:t>12/2/2024</a:t>
             </a:fld>
             <a:endParaRPr lang="en-US"/>
           </a:p>
@@ -6850,6 +7117,157 @@
 <file path=ppt/slides/slide10.xml><?xml version="1.0" encoding="utf-8"?>
 <p:sld xmlns:a="http://schemas.openxmlformats.org/drawingml/2006/main" xmlns:r="http://schemas.openxmlformats.org/officeDocument/2006/relationships" xmlns:p="http://schemas.openxmlformats.org/presentationml/2006/main">
   <p:cSld>
+    <p:spTree>
+      <p:nvGrpSpPr>
+        <p:cNvPr id="1" name=""/>
+        <p:cNvGrpSpPr/>
+        <p:nvPr/>
+      </p:nvGrpSpPr>
+      <p:grpSpPr>
+        <a:xfrm>
+          <a:off x="0" y="0"/>
+          <a:ext cx="0" cy="0"/>
+          <a:chOff x="0" y="0"/>
+          <a:chExt cx="0" cy="0"/>
+        </a:xfrm>
+      </p:grpSpPr>
+      <p:sp>
+        <p:nvSpPr>
+          <p:cNvPr id="2" name="Title 1">
+            <a:extLst>
+              <a:ext uri="{FF2B5EF4-FFF2-40B4-BE49-F238E27FC236}">
+                <a16:creationId xmlns:a16="http://schemas.microsoft.com/office/drawing/2014/main" id="{3C432042-19B9-7DD7-3705-89DFC4A248F2}"/>
+              </a:ext>
+            </a:extLst>
+          </p:cNvPr>
+          <p:cNvSpPr>
+            <a:spLocks noGrp="1"/>
+          </p:cNvSpPr>
+          <p:nvPr>
+            <p:ph type="title"/>
+          </p:nvPr>
+        </p:nvSpPr>
+        <p:spPr/>
+        <p:txBody>
+          <a:bodyPr>
+            <a:normAutofit fontScale="90000"/>
+          </a:bodyPr>
+          <a:lstStyle/>
+          <a:p>
+            <a:r>
+              <a:rPr lang="en-US" b="1" dirty="0"/>
+              <a:t>Median Household Income in Loudoun County (2010-2023)</a:t>
+            </a:r>
+          </a:p>
+        </p:txBody>
+      </p:sp>
+      <p:sp>
+        <p:nvSpPr>
+          <p:cNvPr id="3" name="Content Placeholder 2">
+            <a:extLst>
+              <a:ext uri="{FF2B5EF4-FFF2-40B4-BE49-F238E27FC236}">
+                <a16:creationId xmlns:a16="http://schemas.microsoft.com/office/drawing/2014/main" id="{1E2009AB-E345-7B3A-0B2F-BC1578842D89}"/>
+              </a:ext>
+            </a:extLst>
+          </p:cNvPr>
+          <p:cNvSpPr>
+            <a:spLocks noGrp="1"/>
+          </p:cNvSpPr>
+          <p:nvPr>
+            <p:ph idx="1"/>
+          </p:nvPr>
+        </p:nvSpPr>
+        <p:spPr>
+          <a:xfrm>
+            <a:off x="7743824" y="2305050"/>
+            <a:ext cx="4295776" cy="4004310"/>
+          </a:xfrm>
+        </p:spPr>
+        <p:txBody>
+          <a:bodyPr>
+            <a:normAutofit/>
+          </a:bodyPr>
+          <a:lstStyle/>
+          <a:p>
+            <a:r>
+              <a:rPr lang="en-US" sz="2000" b="1" dirty="0"/>
+              <a:t>Income Growth</a:t>
+            </a:r>
+            <a:r>
+              <a:rPr lang="en-US" sz="2000" dirty="0"/>
+              <a:t>: Median income rose from $119,540 (2010) to $174,148 (2023).</a:t>
+            </a:r>
+          </a:p>
+          <a:p>
+            <a:r>
+              <a:rPr lang="en-US" sz="2000" dirty="0"/>
+              <a:t>Economic Strength: Growth reflects strong development and high living standards.</a:t>
+            </a:r>
+          </a:p>
+          <a:p>
+            <a:r>
+              <a:rPr lang="en-US" sz="2000" b="1" dirty="0"/>
+              <a:t>Affluence</a:t>
+            </a:r>
+            <a:r>
+              <a:rPr lang="en-US" sz="2000" dirty="0"/>
+              <a:t>: Income levels are well above national averages, marking Loudoun as a prosperous region.</a:t>
+            </a:r>
+          </a:p>
+        </p:txBody>
+      </p:sp>
+      <p:pic>
+        <p:nvPicPr>
+          <p:cNvPr id="5" name="Picture 4" descr="A graph with a line&#10;&#10;Description automatically generated">
+            <a:extLst>
+              <a:ext uri="{FF2B5EF4-FFF2-40B4-BE49-F238E27FC236}">
+                <a16:creationId xmlns:a16="http://schemas.microsoft.com/office/drawing/2014/main" id="{0A2F8E59-5E2E-6B13-44F1-BB1D46BC6509}"/>
+              </a:ext>
+            </a:extLst>
+          </p:cNvPr>
+          <p:cNvPicPr>
+            <a:picLocks noChangeAspect="1"/>
+          </p:cNvPicPr>
+          <p:nvPr/>
+        </p:nvPicPr>
+        <p:blipFill>
+          <a:blip r:embed="rId2">
+            <a:extLst>
+              <a:ext uri="{28A0092B-C50C-407E-A947-70E740481C1C}">
+                <a14:useLocalDpi xmlns:a14="http://schemas.microsoft.com/office/drawing/2010/main" val="0"/>
+              </a:ext>
+            </a:extLst>
+          </a:blip>
+          <a:stretch>
+            <a:fillRect/>
+          </a:stretch>
+        </p:blipFill>
+        <p:spPr>
+          <a:xfrm>
+            <a:off x="352449" y="2305050"/>
+            <a:ext cx="7317054" cy="3581400"/>
+          </a:xfrm>
+          <a:prstGeom prst="rect">
+            <a:avLst/>
+          </a:prstGeom>
+        </p:spPr>
+      </p:pic>
+    </p:spTree>
+    <p:extLst>
+      <p:ext uri="{BB962C8B-B14F-4D97-AF65-F5344CB8AC3E}">
+        <p14:creationId xmlns:p14="http://schemas.microsoft.com/office/powerpoint/2010/main" val="239434237"/>
+      </p:ext>
+    </p:extLst>
+  </p:cSld>
+  <p:clrMapOvr>
+    <a:masterClrMapping/>
+  </p:clrMapOvr>
+</p:sld>
+</file>
+
+<file path=ppt/slides/slide11.xml><?xml version="1.0" encoding="utf-8"?>
+<p:sld xmlns:a="http://schemas.openxmlformats.org/drawingml/2006/main" xmlns:r="http://schemas.openxmlformats.org/officeDocument/2006/relationships" xmlns:p="http://schemas.openxmlformats.org/presentationml/2006/main">
+  <p:cSld>
     <p:bg>
       <p:bgPr>
         <a:solidFill>
@@ -6874,7 +7292,7 @@
       </p:grpSpPr>
       <p:sp useBgFill="1">
         <p:nvSpPr>
-          <p:cNvPr id="18" name="Rectangle 17">
+          <p:cNvPr id="12" name="Rectangle 11">
             <a:extLst>
               <a:ext uri="{FF2B5EF4-FFF2-40B4-BE49-F238E27FC236}">
                 <a16:creationId xmlns:a16="http://schemas.microsoft.com/office/drawing/2014/main" id="{84ECDE7A-6944-466D-8FFE-149A29BA6BAE}"/>
@@ -6934,7 +7352,7 @@
       </p:sp>
       <p:sp useBgFill="1">
         <p:nvSpPr>
-          <p:cNvPr id="19" name="Rectangle 18">
+          <p:cNvPr id="14" name="Rectangle 13">
             <a:extLst>
               <a:ext uri="{FF2B5EF4-FFF2-40B4-BE49-F238E27FC236}">
                 <a16:creationId xmlns:a16="http://schemas.microsoft.com/office/drawing/2014/main" id="{B3420082-9415-44EC-802E-C77D71D59C57}"/>
@@ -7036,7 +7454,7 @@
       </p:sp>
       <p:sp useBgFill="1">
         <p:nvSpPr>
-          <p:cNvPr id="20" name="Rectangle 19">
+          <p:cNvPr id="16" name="Rectangle 15">
             <a:extLst>
               <a:ext uri="{FF2B5EF4-FFF2-40B4-BE49-F238E27FC236}">
                 <a16:creationId xmlns:a16="http://schemas.microsoft.com/office/drawing/2014/main" id="{55A52C45-1FCB-4636-A80F-2849B8226C01}"/>
@@ -7129,7 +7547,7 @@
           <p:cNvPr id="2" name="Title 1">
             <a:extLst>
               <a:ext uri="{FF2B5EF4-FFF2-40B4-BE49-F238E27FC236}">
-                <a16:creationId xmlns:a16="http://schemas.microsoft.com/office/drawing/2014/main" id="{838CF443-A610-ED3A-2D60-1CB6F02C341D}"/>
+                <a16:creationId xmlns:a16="http://schemas.microsoft.com/office/drawing/2014/main" id="{98AB1E44-4FFF-2EA1-9F95-856859693F98}"/>
               </a:ext>
             </a:extLst>
           </p:cNvPr>
@@ -7153,15 +7571,15 @@
           <a:lstStyle/>
           <a:p>
             <a:r>
-              <a:rPr lang="en-US" sz="3600" b="1" dirty="0"/>
-              <a:t>Cost of Labor in Loudoun County Over Time</a:t>
-            </a:r>
-          </a:p>
-        </p:txBody>
-      </p:sp>
-      <p:sp>
-        <p:nvSpPr>
-          <p:cNvPr id="17" name="Rectangle 16">
+              <a:rPr lang="en-US" sz="3700" b="1"/>
+              <a:t>Median Household Income by County (2010-2023)</a:t>
+            </a:r>
+          </a:p>
+        </p:txBody>
+      </p:sp>
+      <p:sp>
+        <p:nvSpPr>
+          <p:cNvPr id="18" name="Rectangle 17">
             <a:extLst>
               <a:ext uri="{FF2B5EF4-FFF2-40B4-BE49-F238E27FC236}">
                 <a16:creationId xmlns:a16="http://schemas.microsoft.com/office/drawing/2014/main" id="{768EB4DD-3704-43AD-92B3-C4E0C6EA92CB}"/>
@@ -7251,59 +7669,12 @@
           </a:p>
         </p:txBody>
       </p:sp>
-      <p:sp>
-        <p:nvSpPr>
-          <p:cNvPr id="3" name="Content Placeholder 2">
-            <a:extLst>
-              <a:ext uri="{FF2B5EF4-FFF2-40B4-BE49-F238E27FC236}">
-                <a16:creationId xmlns:a16="http://schemas.microsoft.com/office/drawing/2014/main" id="{1643984C-9630-8F8F-811B-04CC74A0F221}"/>
-              </a:ext>
-            </a:extLst>
-          </p:cNvPr>
-          <p:cNvSpPr>
-            <a:spLocks noGrp="1"/>
-          </p:cNvSpPr>
-          <p:nvPr>
-            <p:ph idx="1"/>
-          </p:nvPr>
-        </p:nvSpPr>
-        <p:spPr>
-          <a:xfrm>
-            <a:off x="8340803" y="2334183"/>
-            <a:ext cx="3576406" cy="3510097"/>
-          </a:xfrm>
-        </p:spPr>
-        <p:txBody>
-          <a:bodyPr anchor="ctr">
-            <a:normAutofit fontScale="92500" lnSpcReduction="20000"/>
-          </a:bodyPr>
-          <a:lstStyle/>
-          <a:p>
-            <a:r>
-              <a:rPr lang="en-US" sz="1800" dirty="0"/>
-              <a:t>Total annual wages peaked in 2021 at $2.3 billion but experienced a sharp decline in 2022 before recovering in 2023.</a:t>
-            </a:r>
-          </a:p>
-          <a:p>
-            <a:r>
-              <a:rPr lang="en-US" sz="1800" dirty="0"/>
-              <a:t>Average annual pay steadily increased from $85,000 in 2020 to over $90,000 in 2023.</a:t>
-            </a:r>
-          </a:p>
-          <a:p>
-            <a:r>
-              <a:rPr lang="en-US" sz="1800" dirty="0"/>
-              <a:t>The divergence between total wages and average pay suggests workforce reductions or shifts in employment distribution.</a:t>
-            </a:r>
-          </a:p>
-        </p:txBody>
-      </p:sp>
       <p:pic>
         <p:nvPicPr>
-          <p:cNvPr id="8" name="Picture 7" descr="A graph with green and blue lines&#10;&#10;Description automatically generated">
-            <a:extLst>
-              <a:ext uri="{FF2B5EF4-FFF2-40B4-BE49-F238E27FC236}">
-                <a16:creationId xmlns:a16="http://schemas.microsoft.com/office/drawing/2014/main" id="{B64FB8BD-961F-BA9B-9E43-FB61AD1B30F4}"/>
+          <p:cNvPr id="5" name="Content Placeholder 4" descr="A chart of income numbers&#10;&#10;Description automatically generated with medium confidence">
+            <a:extLst>
+              <a:ext uri="{FF2B5EF4-FFF2-40B4-BE49-F238E27FC236}">
+                <a16:creationId xmlns:a16="http://schemas.microsoft.com/office/drawing/2014/main" id="{1032C5CD-B266-8464-9487-A045501370F0}"/>
               </a:ext>
             </a:extLst>
           </p:cNvPr>
@@ -7313,31 +7684,81 @@
           <p:nvPr/>
         </p:nvPicPr>
         <p:blipFill>
-          <a:blip r:embed="rId3">
+          <a:blip r:embed="rId2">
             <a:extLst>
               <a:ext uri="{28A0092B-C50C-407E-A947-70E740481C1C}">
                 <a14:useLocalDpi xmlns:a14="http://schemas.microsoft.com/office/drawing/2010/main" val="0"/>
               </a:ext>
             </a:extLst>
           </a:blip>
-          <a:stretch>
-            <a:fillRect/>
-          </a:stretch>
+          <a:srcRect l="2389" r="-3" b="-3"/>
+          <a:stretch/>
         </p:blipFill>
         <p:spPr>
           <a:xfrm>
-            <a:off x="124644" y="2261448"/>
-            <a:ext cx="8216160" cy="3948852"/>
+            <a:off x="498834" y="2225275"/>
+            <a:ext cx="7140216" cy="4388994"/>
           </a:xfrm>
           <a:prstGeom prst="rect">
             <a:avLst/>
           </a:prstGeom>
         </p:spPr>
       </p:pic>
+      <p:sp>
+        <p:nvSpPr>
+          <p:cNvPr id="9" name="Content Placeholder 8">
+            <a:extLst>
+              <a:ext uri="{FF2B5EF4-FFF2-40B4-BE49-F238E27FC236}">
+                <a16:creationId xmlns:a16="http://schemas.microsoft.com/office/drawing/2014/main" id="{147AB427-08EB-9494-9631-AE1D0ADBF136}"/>
+              </a:ext>
+            </a:extLst>
+          </p:cNvPr>
+          <p:cNvSpPr>
+            <a:spLocks noGrp="1"/>
+          </p:cNvSpPr>
+          <p:nvPr>
+            <p:ph idx="1"/>
+          </p:nvPr>
+        </p:nvSpPr>
+        <p:spPr>
+          <a:xfrm>
+            <a:off x="7721347" y="2282157"/>
+            <a:ext cx="4220718" cy="4204100"/>
+          </a:xfrm>
+        </p:spPr>
+        <p:txBody>
+          <a:bodyPr anchor="ctr">
+            <a:noAutofit/>
+          </a:bodyPr>
+          <a:lstStyle/>
+          <a:p>
+            <a:r>
+              <a:rPr lang="en-US" sz="2000" b="1" dirty="0"/>
+              <a:t>Loudoun County leads in median income growth</a:t>
+            </a:r>
+            <a:r>
+              <a:rPr lang="en-US" sz="2000" dirty="0"/>
+              <a:t>, rising from $119,540 (2010) to $174,148 (2023), reflecting economic strength.</a:t>
+            </a:r>
+          </a:p>
+          <a:p>
+            <a:r>
+              <a:rPr lang="en-US" sz="2000" dirty="0"/>
+              <a:t>Santa Clara, CA, and Fairfax, VA, follow, showcasing competitive standards in tech and government hubs.</a:t>
+            </a:r>
+          </a:p>
+          <a:p>
+            <a:r>
+              <a:rPr lang="en-US" sz="2000" dirty="0"/>
+              <a:t>Davidson, TN, and Dallas, TX, show growth but trail Loudoun, reflecting diverse economic bases</a:t>
+            </a:r>
+          </a:p>
+        </p:txBody>
+      </p:sp>
     </p:spTree>
     <p:extLst>
       <p:ext uri="{BB962C8B-B14F-4D97-AF65-F5344CB8AC3E}">
-        <p14:creationId xmlns:p14="http://schemas.microsoft.com/office/powerpoint/2010/main" val="2174093630"/>
+        <p14:creationId xmlns:p14="http://schemas.microsoft.com/office/powerpoint/2010/main" val="1614694770"/>
       </p:ext>
     </p:extLst>
   </p:cSld>
@@ -7347,7 +7768,7 @@
 </p:sld>
 </file>
 
-<file path=ppt/slides/slide11.xml><?xml version="1.0" encoding="utf-8"?>
+<file path=ppt/slides/slide12.xml><?xml version="1.0" encoding="utf-8"?>
 <p:sld xmlns:a="http://schemas.openxmlformats.org/drawingml/2006/main" xmlns:r="http://schemas.openxmlformats.org/officeDocument/2006/relationships" xmlns:p="http://schemas.openxmlformats.org/presentationml/2006/main">
   <p:cSld>
     <p:spTree>
@@ -7369,7 +7790,7 @@
           <p:cNvPr id="2" name="Title 1">
             <a:extLst>
               <a:ext uri="{FF2B5EF4-FFF2-40B4-BE49-F238E27FC236}">
-                <a16:creationId xmlns:a16="http://schemas.microsoft.com/office/drawing/2014/main" id="{3C432042-19B9-7DD7-3705-89DFC4A248F2}"/>
+                <a16:creationId xmlns:a16="http://schemas.microsoft.com/office/drawing/2014/main" id="{53B312E5-A7D7-7EF2-A99A-CACD56B95150}"/>
               </a:ext>
             </a:extLst>
           </p:cNvPr>
@@ -7389,7 +7810,7 @@
           <a:p>
             <a:r>
               <a:rPr lang="en-US" b="1" dirty="0"/>
-              <a:t>Median Household Income in Loudoun County Over Time</a:t>
+              <a:t>Employment Trends by County (2010-2023)</a:t>
             </a:r>
           </a:p>
         </p:txBody>
@@ -7399,7 +7820,7 @@
           <p:cNvPr id="3" name="Content Placeholder 2">
             <a:extLst>
               <a:ext uri="{FF2B5EF4-FFF2-40B4-BE49-F238E27FC236}">
-                <a16:creationId xmlns:a16="http://schemas.microsoft.com/office/drawing/2014/main" id="{1E2009AB-E345-7B3A-0B2F-BC1578842D89}"/>
+                <a16:creationId xmlns:a16="http://schemas.microsoft.com/office/drawing/2014/main" id="{6B805977-A4B7-10A5-CDED-7DA00BBF7029}"/>
               </a:ext>
             </a:extLst>
           </p:cNvPr>
@@ -7412,41 +7833,61 @@
         </p:nvSpPr>
         <p:spPr>
           <a:xfrm>
-            <a:off x="7743824" y="2305050"/>
-            <a:ext cx="4295776" cy="4004310"/>
+            <a:off x="8027584" y="2057400"/>
+            <a:ext cx="3867255" cy="4600990"/>
           </a:xfrm>
         </p:spPr>
         <p:txBody>
           <a:bodyPr>
-            <a:normAutofit fontScale="70000" lnSpcReduction="20000"/>
+            <a:noAutofit/>
           </a:bodyPr>
           <a:lstStyle/>
           <a:p>
             <a:r>
-              <a:rPr lang="en-US" dirty="0"/>
-              <a:t>Median household income has shown consistent growth, increasing from $119,540 in 2010 to $174,148 in 2023.</a:t>
-            </a:r>
-          </a:p>
-          <a:p>
-            <a:r>
-              <a:rPr lang="en-US" dirty="0"/>
-              <a:t>The steady rise reflects Loudoun County's robust economic development and high standard of living.</a:t>
-            </a:r>
-          </a:p>
-          <a:p>
-            <a:r>
-              <a:rPr lang="en-US" dirty="0"/>
-              <a:t>Loudoun County's income levels are significantly above national averages, highlighting its position as a highly affluent region.</a:t>
+              <a:rPr lang="en-US" sz="2000" b="1" dirty="0"/>
+              <a:t>Dallas County, TX leads in employment levels</a:t>
+            </a:r>
+            <a:r>
+              <a:rPr lang="en-US" sz="2000" dirty="0"/>
+              <a:t>, driven by its metropolitan workforce and diverse economy.</a:t>
+            </a:r>
+          </a:p>
+          <a:p>
+            <a:r>
+              <a:rPr lang="en-US" sz="2000" dirty="0"/>
+              <a:t>Loudoun County, VA shows </a:t>
+            </a:r>
+            <a:r>
+              <a:rPr lang="en-US" sz="2000" b="1" dirty="0"/>
+              <a:t>steady growth</a:t>
+            </a:r>
+            <a:r>
+              <a:rPr lang="en-US" sz="2000" dirty="0"/>
+              <a:t>, led by tech and service industries, though behind Dallas and Santa Clara.</a:t>
+            </a:r>
+          </a:p>
+          <a:p>
+            <a:r>
+              <a:rPr lang="en-US" sz="2000" dirty="0"/>
+              <a:t>Employment trends reflect consistent growth, emphasizing </a:t>
+            </a:r>
+            <a:r>
+              <a:rPr lang="en-US" sz="2000" b="1" dirty="0"/>
+              <a:t>economic resilience</a:t>
+            </a:r>
+            <a:r>
+              <a:rPr lang="en-US" sz="2000" dirty="0"/>
+              <a:t> and diversification.</a:t>
             </a:r>
           </a:p>
         </p:txBody>
       </p:sp>
       <p:pic>
         <p:nvPicPr>
-          <p:cNvPr id="5" name="Picture 4" descr="A graph with a line&#10;&#10;Description automatically generated">
-            <a:extLst>
-              <a:ext uri="{FF2B5EF4-FFF2-40B4-BE49-F238E27FC236}">
-                <a16:creationId xmlns:a16="http://schemas.microsoft.com/office/drawing/2014/main" id="{0A2F8E59-5E2E-6B13-44F1-BB1D46BC6509}"/>
+          <p:cNvPr id="6" name="Picture 5" descr="A graph of different colored lines&#10;&#10;Description automatically generated">
+            <a:extLst>
+              <a:ext uri="{FF2B5EF4-FFF2-40B4-BE49-F238E27FC236}">
+                <a16:creationId xmlns:a16="http://schemas.microsoft.com/office/drawing/2014/main" id="{311A99E8-34C3-1171-0D08-708DF3779D89}"/>
               </a:ext>
             </a:extLst>
           </p:cNvPr>
@@ -7469,8 +7910,8 @@
         </p:blipFill>
         <p:spPr>
           <a:xfrm>
-            <a:off x="352449" y="2305050"/>
-            <a:ext cx="7317054" cy="3581400"/>
+            <a:off x="297161" y="2057400"/>
+            <a:ext cx="7620252" cy="4372391"/>
           </a:xfrm>
           <a:prstGeom prst="rect">
             <a:avLst/>
@@ -7480,506 +7921,7 @@
     </p:spTree>
     <p:extLst>
       <p:ext uri="{BB962C8B-B14F-4D97-AF65-F5344CB8AC3E}">
-        <p14:creationId xmlns:p14="http://schemas.microsoft.com/office/powerpoint/2010/main" val="239434237"/>
-      </p:ext>
-    </p:extLst>
-  </p:cSld>
-  <p:clrMapOvr>
-    <a:masterClrMapping/>
-  </p:clrMapOvr>
-</p:sld>
-</file>
-
-<file path=ppt/slides/slide12.xml><?xml version="1.0" encoding="utf-8"?>
-<p:sld xmlns:a="http://schemas.openxmlformats.org/drawingml/2006/main" xmlns:r="http://schemas.openxmlformats.org/officeDocument/2006/relationships" xmlns:p="http://schemas.openxmlformats.org/presentationml/2006/main">
-  <p:cSld>
-    <p:bg>
-      <p:bgPr>
-        <a:solidFill>
-          <a:schemeClr val="bg1"/>
-        </a:solidFill>
-        <a:effectLst/>
-      </p:bgPr>
-    </p:bg>
-    <p:spTree>
-      <p:nvGrpSpPr>
-        <p:cNvPr id="1" name=""/>
-        <p:cNvGrpSpPr/>
-        <p:nvPr/>
-      </p:nvGrpSpPr>
-      <p:grpSpPr>
-        <a:xfrm>
-          <a:off x="0" y="0"/>
-          <a:ext cx="0" cy="0"/>
-          <a:chOff x="0" y="0"/>
-          <a:chExt cx="0" cy="0"/>
-        </a:xfrm>
-      </p:grpSpPr>
-      <p:sp useBgFill="1">
-        <p:nvSpPr>
-          <p:cNvPr id="12" name="Rectangle 11">
-            <a:extLst>
-              <a:ext uri="{FF2B5EF4-FFF2-40B4-BE49-F238E27FC236}">
-                <a16:creationId xmlns:a16="http://schemas.microsoft.com/office/drawing/2014/main" id="{84ECDE7A-6944-466D-8FFE-149A29BA6BAE}"/>
-              </a:ext>
-              <a:ext uri="{C183D7F6-B498-43B3-948B-1728B52AA6E4}">
-                <adec:decorative xmlns:adec="http://schemas.microsoft.com/office/drawing/2017/decorative" val="1"/>
-              </a:ext>
-            </a:extLst>
-          </p:cNvPr>
-          <p:cNvSpPr>
-            <a:spLocks noGrp="1" noRot="1" noChangeAspect="1" noMove="1" noResize="1" noEditPoints="1" noAdjustHandles="1" noChangeArrowheads="1" noChangeShapeType="1" noTextEdit="1"/>
-          </p:cNvSpPr>
-          <p:nvPr>
-            <p:extLst>
-              <p:ext uri="{386F3935-93C4-4BCD-93E2-E3B085C9AB24}">
-                <p16:designElem xmlns:p16="http://schemas.microsoft.com/office/powerpoint/2015/main" val="1"/>
-              </p:ext>
-            </p:extLst>
-          </p:nvPr>
-        </p:nvSpPr>
-        <p:spPr>
-          <a:xfrm>
-            <a:off x="0" y="0"/>
-            <a:ext cx="12192000" cy="6858000"/>
-          </a:xfrm>
-          <a:prstGeom prst="rect">
-            <a:avLst/>
-          </a:prstGeom>
-          <a:ln>
-            <a:noFill/>
-          </a:ln>
-        </p:spPr>
-        <p:style>
-          <a:lnRef idx="2">
-            <a:schemeClr val="accent1">
-              <a:shade val="50000"/>
-            </a:schemeClr>
-          </a:lnRef>
-          <a:fillRef idx="1">
-            <a:schemeClr val="accent1"/>
-          </a:fillRef>
-          <a:effectRef idx="0">
-            <a:schemeClr val="accent1"/>
-          </a:effectRef>
-          <a:fontRef idx="minor">
-            <a:schemeClr val="lt1"/>
-          </a:fontRef>
-        </p:style>
-        <p:txBody>
-          <a:bodyPr rtlCol="0" anchor="ctr"/>
-          <a:lstStyle/>
-          <a:p>
-            <a:pPr algn="ctr"/>
-            <a:endParaRPr lang="en-US"/>
-          </a:p>
-        </p:txBody>
-      </p:sp>
-      <p:sp useBgFill="1">
-        <p:nvSpPr>
-          <p:cNvPr id="14" name="Rectangle 13">
-            <a:extLst>
-              <a:ext uri="{FF2B5EF4-FFF2-40B4-BE49-F238E27FC236}">
-                <a16:creationId xmlns:a16="http://schemas.microsoft.com/office/drawing/2014/main" id="{B3420082-9415-44EC-802E-C77D71D59C57}"/>
-              </a:ext>
-              <a:ext uri="{C183D7F6-B498-43B3-948B-1728B52AA6E4}">
-                <adec:decorative xmlns:adec="http://schemas.microsoft.com/office/drawing/2017/decorative" val="1"/>
-              </a:ext>
-            </a:extLst>
-          </p:cNvPr>
-          <p:cNvSpPr>
-            <a:spLocks noGrp="1" noRot="1" noChangeAspect="1" noMove="1" noResize="1" noEditPoints="1" noAdjustHandles="1" noChangeArrowheads="1" noChangeShapeType="1" noTextEdit="1"/>
-          </p:cNvSpPr>
-          <p:nvPr>
-            <p:extLst>
-              <p:ext uri="{386F3935-93C4-4BCD-93E2-E3B085C9AB24}">
-                <p16:designElem xmlns:p16="http://schemas.microsoft.com/office/powerpoint/2015/main" val="1"/>
-              </p:ext>
-            </p:extLst>
-          </p:nvPr>
-        </p:nvSpPr>
-        <p:spPr>
-          <a:xfrm>
-            <a:off x="558209" y="0"/>
-            <a:ext cx="11167447" cy="2018806"/>
-          </a:xfrm>
-          <a:prstGeom prst="rect">
-            <a:avLst/>
-          </a:prstGeom>
-          <a:ln w="12700">
-            <a:solidFill>
-              <a:schemeClr val="tx2">
-                <a:lumMod val="10000"/>
-                <a:lumOff val="90000"/>
-              </a:schemeClr>
-            </a:solidFill>
-          </a:ln>
-          <a:effectLst>
-            <a:outerShdw blurRad="50800" dist="38100" dir="2700000" algn="tl" rotWithShape="0">
-              <a:schemeClr val="bg1">
-                <a:lumMod val="85000"/>
-                <a:alpha val="30000"/>
-              </a:schemeClr>
-            </a:outerShdw>
-          </a:effectLst>
-        </p:spPr>
-        <p:style>
-          <a:lnRef idx="2">
-            <a:schemeClr val="accent1">
-              <a:shade val="50000"/>
-            </a:schemeClr>
-          </a:lnRef>
-          <a:fillRef idx="1">
-            <a:schemeClr val="accent1"/>
-          </a:fillRef>
-          <a:effectRef idx="0">
-            <a:schemeClr val="accent1"/>
-          </a:effectRef>
-          <a:fontRef idx="minor">
-            <a:schemeClr val="lt1"/>
-          </a:fontRef>
-        </p:style>
-        <p:txBody>
-          <a:bodyPr rtlCol="0" anchor="ctr"/>
-          <a:lstStyle/>
-          <a:p>
-            <a:pPr marL="0" marR="0" lvl="0" indent="0" algn="ctr" defTabSz="914400" rtl="0" eaLnBrk="1" fontAlgn="auto" latinLnBrk="0" hangingPunct="1">
-              <a:lnSpc>
-                <a:spcPct val="100000"/>
-              </a:lnSpc>
-              <a:spcBef>
-                <a:spcPts val="0"/>
-              </a:spcBef>
-              <a:spcAft>
-                <a:spcPts val="0"/>
-              </a:spcAft>
-              <a:buClrTx/>
-              <a:buSzTx/>
-              <a:buFontTx/>
-              <a:buNone/>
-              <a:tabLst/>
-              <a:defRPr/>
-            </a:pPr>
-            <a:endParaRPr kumimoji="0" lang="en-US" sz="1800" b="0" i="0" u="none" strike="noStrike" kern="1200" cap="none" spc="0" normalizeH="0" baseline="0" noProof="0">
-              <a:ln>
-                <a:noFill/>
-              </a:ln>
-              <a:solidFill>
-                <a:prstClr val="white"/>
-              </a:solidFill>
-              <a:effectLst/>
-              <a:uLnTx/>
-              <a:uFillTx/>
-              <a:latin typeface="Calibri" panose="020F0502020204030204"/>
-              <a:ea typeface="+mn-ea"/>
-              <a:cs typeface="+mn-cs"/>
-            </a:endParaRPr>
-          </a:p>
-        </p:txBody>
-      </p:sp>
-      <p:sp useBgFill="1">
-        <p:nvSpPr>
-          <p:cNvPr id="16" name="Rectangle 15">
-            <a:extLst>
-              <a:ext uri="{FF2B5EF4-FFF2-40B4-BE49-F238E27FC236}">
-                <a16:creationId xmlns:a16="http://schemas.microsoft.com/office/drawing/2014/main" id="{55A52C45-1FCB-4636-A80F-2849B8226C01}"/>
-              </a:ext>
-              <a:ext uri="{C183D7F6-B498-43B3-948B-1728B52AA6E4}">
-                <adec:decorative xmlns:adec="http://schemas.microsoft.com/office/drawing/2017/decorative" val="1"/>
-              </a:ext>
-            </a:extLst>
-          </p:cNvPr>
-          <p:cNvSpPr>
-            <a:spLocks noGrp="1" noRot="1" noChangeAspect="1" noMove="1" noResize="1" noEditPoints="1" noAdjustHandles="1" noChangeArrowheads="1" noChangeShapeType="1" noTextEdit="1"/>
-          </p:cNvSpPr>
-          <p:nvPr>
-            <p:extLst>
-              <p:ext uri="{386F3935-93C4-4BCD-93E2-E3B085C9AB24}">
-                <p16:designElem xmlns:p16="http://schemas.microsoft.com/office/powerpoint/2015/main" val="1"/>
-              </p:ext>
-            </p:extLst>
-          </p:nvPr>
-        </p:nvSpPr>
-        <p:spPr>
-          <a:xfrm>
-            <a:off x="566928" y="0"/>
-            <a:ext cx="11155680" cy="2011680"/>
-          </a:xfrm>
-          <a:prstGeom prst="rect">
-            <a:avLst/>
-          </a:prstGeom>
-          <a:ln w="12700">
-            <a:noFill/>
-          </a:ln>
-          <a:effectLst/>
-        </p:spPr>
-        <p:style>
-          <a:lnRef idx="2">
-            <a:schemeClr val="accent1">
-              <a:shade val="50000"/>
-            </a:schemeClr>
-          </a:lnRef>
-          <a:fillRef idx="1">
-            <a:schemeClr val="accent1"/>
-          </a:fillRef>
-          <a:effectRef idx="0">
-            <a:schemeClr val="accent1"/>
-          </a:effectRef>
-          <a:fontRef idx="minor">
-            <a:schemeClr val="lt1"/>
-          </a:fontRef>
-        </p:style>
-        <p:txBody>
-          <a:bodyPr rtlCol="0" anchor="ctr"/>
-          <a:lstStyle/>
-          <a:p>
-            <a:pPr marL="0" marR="0" lvl="0" indent="0" algn="ctr" defTabSz="914400" rtl="0" eaLnBrk="1" fontAlgn="auto" latinLnBrk="0" hangingPunct="1">
-              <a:lnSpc>
-                <a:spcPct val="100000"/>
-              </a:lnSpc>
-              <a:spcBef>
-                <a:spcPts val="0"/>
-              </a:spcBef>
-              <a:spcAft>
-                <a:spcPts val="0"/>
-              </a:spcAft>
-              <a:buClrTx/>
-              <a:buSzTx/>
-              <a:buFontTx/>
-              <a:buNone/>
-              <a:tabLst/>
-              <a:defRPr/>
-            </a:pPr>
-            <a:endParaRPr kumimoji="0" lang="en-US" sz="1800" b="0" i="0" u="none" strike="noStrike" kern="1200" cap="none" spc="0" normalizeH="0" baseline="0" noProof="0">
-              <a:ln>
-                <a:noFill/>
-              </a:ln>
-              <a:solidFill>
-                <a:prstClr val="white"/>
-              </a:solidFill>
-              <a:effectLst/>
-              <a:uLnTx/>
-              <a:uFillTx/>
-              <a:latin typeface="Calibri" panose="020F0502020204030204"/>
-              <a:ea typeface="+mn-ea"/>
-              <a:cs typeface="+mn-cs"/>
-            </a:endParaRPr>
-          </a:p>
-        </p:txBody>
-      </p:sp>
-      <p:sp>
-        <p:nvSpPr>
-          <p:cNvPr id="2" name="Title 1">
-            <a:extLst>
-              <a:ext uri="{FF2B5EF4-FFF2-40B4-BE49-F238E27FC236}">
-                <a16:creationId xmlns:a16="http://schemas.microsoft.com/office/drawing/2014/main" id="{98AB1E44-4FFF-2EA1-9F95-856859693F98}"/>
-              </a:ext>
-            </a:extLst>
-          </p:cNvPr>
-          <p:cNvSpPr>
-            <a:spLocks noGrp="1"/>
-          </p:cNvSpPr>
-          <p:nvPr>
-            <p:ph type="title"/>
-          </p:nvPr>
-        </p:nvSpPr>
-        <p:spPr>
-          <a:xfrm>
-            <a:off x="1115568" y="548640"/>
-            <a:ext cx="10168128" cy="1179576"/>
-          </a:xfrm>
-        </p:spPr>
-        <p:txBody>
-          <a:bodyPr>
-            <a:normAutofit/>
-          </a:bodyPr>
-          <a:lstStyle/>
-          <a:p>
-            <a:r>
-              <a:rPr lang="en-US" sz="3700" b="1"/>
-              <a:t>Median Household Income by County (2010-2023)</a:t>
-            </a:r>
-          </a:p>
-        </p:txBody>
-      </p:sp>
-      <p:sp>
-        <p:nvSpPr>
-          <p:cNvPr id="18" name="Rectangle 17">
-            <a:extLst>
-              <a:ext uri="{FF2B5EF4-FFF2-40B4-BE49-F238E27FC236}">
-                <a16:creationId xmlns:a16="http://schemas.microsoft.com/office/drawing/2014/main" id="{768EB4DD-3704-43AD-92B3-C4E0C6EA92CB}"/>
-              </a:ext>
-              <a:ext uri="{C183D7F6-B498-43B3-948B-1728B52AA6E4}">
-                <adec:decorative xmlns:adec="http://schemas.microsoft.com/office/drawing/2017/decorative" val="1"/>
-              </a:ext>
-            </a:extLst>
-          </p:cNvPr>
-          <p:cNvSpPr>
-            <a:spLocks noGrp="1" noRot="1" noChangeAspect="1" noMove="1" noResize="1" noEditPoints="1" noAdjustHandles="1" noChangeArrowheads="1" noChangeShapeType="1" noTextEdit="1"/>
-          </p:cNvSpPr>
-          <p:nvPr>
-            <p:extLst>
-              <p:ext uri="{386F3935-93C4-4BCD-93E2-E3B085C9AB24}">
-                <p16:designElem xmlns:p16="http://schemas.microsoft.com/office/powerpoint/2015/main" val="1"/>
-              </p:ext>
-            </p:extLst>
-          </p:nvPr>
-        </p:nvSpPr>
-        <p:spPr>
-          <a:xfrm>
-            <a:off x="498834" y="770799"/>
-            <a:ext cx="128016" cy="704088"/>
-          </a:xfrm>
-          <a:prstGeom prst="rect">
-            <a:avLst/>
-          </a:prstGeom>
-          <a:solidFill>
-            <a:schemeClr val="accent1"/>
-          </a:solidFill>
-          <a:ln>
-            <a:noFill/>
-          </a:ln>
-        </p:spPr>
-        <p:style>
-          <a:lnRef idx="2">
-            <a:schemeClr val="accent1">
-              <a:shade val="50000"/>
-            </a:schemeClr>
-          </a:lnRef>
-          <a:fillRef idx="1">
-            <a:schemeClr val="accent1"/>
-          </a:fillRef>
-          <a:effectRef idx="0">
-            <a:schemeClr val="accent1"/>
-          </a:effectRef>
-          <a:fontRef idx="minor">
-            <a:schemeClr val="lt1"/>
-          </a:fontRef>
-        </p:style>
-        <p:txBody>
-          <a:bodyPr rtlCol="0" anchor="ctr"/>
-          <a:lstStyle/>
-          <a:p>
-            <a:pPr marL="0" marR="0" lvl="0" indent="0" algn="ctr" defTabSz="914400" rtl="0" eaLnBrk="1" fontAlgn="auto" latinLnBrk="0" hangingPunct="1">
-              <a:lnSpc>
-                <a:spcPct val="100000"/>
-              </a:lnSpc>
-              <a:spcBef>
-                <a:spcPts val="0"/>
-              </a:spcBef>
-              <a:spcAft>
-                <a:spcPts val="0"/>
-              </a:spcAft>
-              <a:buClrTx/>
-              <a:buSzTx/>
-              <a:buFontTx/>
-              <a:buNone/>
-              <a:tabLst/>
-              <a:defRPr/>
-            </a:pPr>
-            <a:endParaRPr kumimoji="0" lang="en-US" sz="1800" b="0" i="0" u="none" strike="noStrike" kern="1200" cap="none" spc="0" normalizeH="0" baseline="0" noProof="0">
-              <a:ln>
-                <a:noFill/>
-              </a:ln>
-              <a:solidFill>
-                <a:prstClr val="white"/>
-              </a:solidFill>
-              <a:effectLst/>
-              <a:uLnTx/>
-              <a:uFillTx/>
-              <a:latin typeface="Calibri" panose="020F0502020204030204"/>
-              <a:ea typeface="+mn-ea"/>
-              <a:cs typeface="+mn-cs"/>
-            </a:endParaRPr>
-          </a:p>
-        </p:txBody>
-      </p:sp>
-      <p:pic>
-        <p:nvPicPr>
-          <p:cNvPr id="5" name="Content Placeholder 4" descr="A chart of income numbers&#10;&#10;Description automatically generated with medium confidence">
-            <a:extLst>
-              <a:ext uri="{FF2B5EF4-FFF2-40B4-BE49-F238E27FC236}">
-                <a16:creationId xmlns:a16="http://schemas.microsoft.com/office/drawing/2014/main" id="{1032C5CD-B266-8464-9487-A045501370F0}"/>
-              </a:ext>
-            </a:extLst>
-          </p:cNvPr>
-          <p:cNvPicPr>
-            <a:picLocks noChangeAspect="1"/>
-          </p:cNvPicPr>
-          <p:nvPr/>
-        </p:nvPicPr>
-        <p:blipFill>
-          <a:blip r:embed="rId2">
-            <a:extLst>
-              <a:ext uri="{28A0092B-C50C-407E-A947-70E740481C1C}">
-                <a14:useLocalDpi xmlns:a14="http://schemas.microsoft.com/office/drawing/2010/main" val="0"/>
-              </a:ext>
-            </a:extLst>
-          </a:blip>
-          <a:srcRect l="2389" r="-3" b="-3"/>
-          <a:stretch/>
-        </p:blipFill>
-        <p:spPr>
-          <a:xfrm>
-            <a:off x="498834" y="2225275"/>
-            <a:ext cx="7140216" cy="4388994"/>
-          </a:xfrm>
-          <a:prstGeom prst="rect">
-            <a:avLst/>
-          </a:prstGeom>
-        </p:spPr>
-      </p:pic>
-      <p:sp>
-        <p:nvSpPr>
-          <p:cNvPr id="9" name="Content Placeholder 8">
-            <a:extLst>
-              <a:ext uri="{FF2B5EF4-FFF2-40B4-BE49-F238E27FC236}">
-                <a16:creationId xmlns:a16="http://schemas.microsoft.com/office/drawing/2014/main" id="{147AB427-08EB-9494-9631-AE1D0ADBF136}"/>
-              </a:ext>
-            </a:extLst>
-          </p:cNvPr>
-          <p:cNvSpPr>
-            <a:spLocks noGrp="1"/>
-          </p:cNvSpPr>
-          <p:nvPr>
-            <p:ph idx="1"/>
-          </p:nvPr>
-        </p:nvSpPr>
-        <p:spPr>
-          <a:xfrm>
-            <a:off x="7639050" y="2225275"/>
-            <a:ext cx="4314825" cy="4204100"/>
-          </a:xfrm>
-        </p:spPr>
-        <p:txBody>
-          <a:bodyPr anchor="ctr">
-            <a:normAutofit fontScale="92500" lnSpcReduction="20000"/>
-          </a:bodyPr>
-          <a:lstStyle/>
-          <a:p>
-            <a:r>
-              <a:rPr lang="en-US" sz="1800" dirty="0"/>
-              <a:t>Loudoun County consistently leads in median household income, rising from $119,540 in 2010 to $174,148 in 2023, reflecting strong economic growth and affluence.</a:t>
-            </a:r>
-          </a:p>
-          <a:p>
-            <a:r>
-              <a:rPr lang="en-US" sz="1800" dirty="0"/>
-              <a:t>Santa Clara County, CA, and Fairfax County, VA, rank second and third in income levels, showcasing competitive living standards in tech and government hubs.</a:t>
-            </a:r>
-          </a:p>
-          <a:p>
-            <a:r>
-              <a:rPr lang="en-US" sz="1800" dirty="0"/>
-              <a:t>Counties such as Davidson, TN, and Dallas, TX, display steady growth but remain below the income levels of Loudoun and its peers, reflecting varied economic bases.</a:t>
-            </a:r>
-          </a:p>
-        </p:txBody>
-      </p:sp>
-    </p:spTree>
-    <p:extLst>
-      <p:ext uri="{BB962C8B-B14F-4D97-AF65-F5344CB8AC3E}">
-        <p14:creationId xmlns:p14="http://schemas.microsoft.com/office/powerpoint/2010/main" val="1614694770"/>
+        <p14:creationId xmlns:p14="http://schemas.microsoft.com/office/powerpoint/2010/main" val="3880292356"/>
       </p:ext>
     </p:extLst>
   </p:cSld>
@@ -8011,7 +7953,7 @@
           <p:cNvPr id="2" name="Title 1">
             <a:extLst>
               <a:ext uri="{FF2B5EF4-FFF2-40B4-BE49-F238E27FC236}">
-                <a16:creationId xmlns:a16="http://schemas.microsoft.com/office/drawing/2014/main" id="{53B312E5-A7D7-7EF2-A99A-CACD56B95150}"/>
+                <a16:creationId xmlns:a16="http://schemas.microsoft.com/office/drawing/2014/main" id="{D55A5C7C-4D96-AB1F-50F5-6249F84E3319}"/>
               </a:ext>
             </a:extLst>
           </p:cNvPr>
@@ -8024,71 +7966,89 @@
         </p:nvSpPr>
         <p:spPr/>
         <p:txBody>
+          <a:bodyPr/>
+          <a:lstStyle/>
+          <a:p>
+            <a:r>
+              <a:rPr lang="en-US" b="1" dirty="0"/>
+              <a:t>GDP Trends by County (2001-2023)</a:t>
+            </a:r>
+          </a:p>
+        </p:txBody>
+      </p:sp>
+      <p:sp>
+        <p:nvSpPr>
+          <p:cNvPr id="3" name="Content Placeholder 2">
+            <a:extLst>
+              <a:ext uri="{FF2B5EF4-FFF2-40B4-BE49-F238E27FC236}">
+                <a16:creationId xmlns:a16="http://schemas.microsoft.com/office/drawing/2014/main" id="{E5FD273F-500D-8A4C-5F2A-AFA7C0869217}"/>
+              </a:ext>
+            </a:extLst>
+          </p:cNvPr>
+          <p:cNvSpPr>
+            <a:spLocks noGrp="1"/>
+          </p:cNvSpPr>
+          <p:nvPr>
+            <p:ph idx="1"/>
+          </p:nvPr>
+        </p:nvSpPr>
+        <p:spPr>
+          <a:xfrm>
+            <a:off x="8366760" y="2130553"/>
+            <a:ext cx="3593591" cy="4526280"/>
+          </a:xfrm>
+        </p:spPr>
+        <p:txBody>
           <a:bodyPr>
-            <a:normAutofit fontScale="90000"/>
+            <a:normAutofit/>
           </a:bodyPr>
           <a:lstStyle/>
           <a:p>
             <a:r>
-              <a:rPr lang="en-US" b="1" dirty="0"/>
-              <a:t>Employment Trends by County (2010-2023)</a:t>
-            </a:r>
-          </a:p>
-        </p:txBody>
-      </p:sp>
-      <p:sp>
-        <p:nvSpPr>
-          <p:cNvPr id="3" name="Content Placeholder 2">
-            <a:extLst>
-              <a:ext uri="{FF2B5EF4-FFF2-40B4-BE49-F238E27FC236}">
-                <a16:creationId xmlns:a16="http://schemas.microsoft.com/office/drawing/2014/main" id="{6B805977-A4B7-10A5-CDED-7DA00BBF7029}"/>
-              </a:ext>
-            </a:extLst>
-          </p:cNvPr>
-          <p:cNvSpPr>
-            <a:spLocks noGrp="1"/>
-          </p:cNvSpPr>
-          <p:nvPr>
-            <p:ph idx="1"/>
-          </p:nvPr>
-        </p:nvSpPr>
-        <p:spPr>
-          <a:xfrm>
-            <a:off x="8505824" y="2266949"/>
-            <a:ext cx="3415169" cy="4143375"/>
-          </a:xfrm>
-        </p:spPr>
-        <p:txBody>
-          <a:bodyPr>
-            <a:normAutofit fontScale="55000" lnSpcReduction="20000"/>
-          </a:bodyPr>
-          <a:lstStyle/>
-          <a:p>
-            <a:r>
-              <a:rPr lang="en-US" dirty="0"/>
-              <a:t>Dallas County, TX leads in annual average employment levels, reflecting its large metropolitan workforce and diverse economic base.</a:t>
-            </a:r>
-          </a:p>
-          <a:p>
-            <a:r>
-              <a:rPr lang="en-US" dirty="0"/>
-              <a:t>Loudoun County, VA, shows steady growth, driven by its expanding tech and service industries, while still trailing behind larger counties like Dallas and Santa Clara.</a:t>
-            </a:r>
-          </a:p>
-          <a:p>
-            <a:r>
-              <a:rPr lang="en-US" dirty="0"/>
-              <a:t>Employment levels across counties exhibit consistent growth trends, highlighting economic resilience and sectoral diversification.</a:t>
+              <a:rPr lang="en-US" sz="2000" b="1" dirty="0"/>
+              <a:t>Santa Clara County, CA leads in GDP growth</a:t>
+            </a:r>
+            <a:r>
+              <a:rPr lang="en-US" sz="2000" dirty="0"/>
+              <a:t>, driven by Silicon Valley's tech economy.</a:t>
+            </a:r>
+          </a:p>
+          <a:p>
+            <a:r>
+              <a:rPr lang="en-US" sz="2000" dirty="0"/>
+              <a:t>Dallas County, TX shows </a:t>
+            </a:r>
+            <a:r>
+              <a:rPr lang="en-US" sz="2000" b="1" dirty="0"/>
+              <a:t>consistent increases</a:t>
+            </a:r>
+            <a:r>
+              <a:rPr lang="en-US" sz="2000" dirty="0"/>
+              <a:t>, highlighting its diverse and resilient economy.</a:t>
+            </a:r>
+          </a:p>
+          <a:p>
+            <a:r>
+              <a:rPr lang="en-US" sz="2000" dirty="0"/>
+              <a:t>Loudoun County, VA exhibits </a:t>
+            </a:r>
+            <a:r>
+              <a:rPr lang="en-US" sz="2000" b="1" dirty="0"/>
+              <a:t>steady growth</a:t>
+            </a:r>
+            <a:r>
+              <a:rPr lang="en-US" sz="2000" dirty="0"/>
+              <a:t>, marking its rise as a tech and services hub.</a:t>
             </a:r>
           </a:p>
         </p:txBody>
       </p:sp>
       <p:pic>
         <p:nvPicPr>
-          <p:cNvPr id="6" name="Picture 5" descr="A graph of different colored lines&#10;&#10;Description automatically generated">
-            <a:extLst>
-              <a:ext uri="{FF2B5EF4-FFF2-40B4-BE49-F238E27FC236}">
-                <a16:creationId xmlns:a16="http://schemas.microsoft.com/office/drawing/2014/main" id="{311A99E8-34C3-1171-0D08-708DF3779D89}"/>
+          <p:cNvPr id="5" name="Picture 4" descr="A graph of a number of trends&#10;&#10;Description automatically generated with medium confidence">
+            <a:extLst>
+              <a:ext uri="{FF2B5EF4-FFF2-40B4-BE49-F238E27FC236}">
+                <a16:creationId xmlns:a16="http://schemas.microsoft.com/office/drawing/2014/main" id="{9F1D806A-10E3-CEFD-E2D2-E6D26CDFDE18}"/>
               </a:ext>
             </a:extLst>
           </p:cNvPr>
@@ -8098,7 +8058,7 @@
           <p:nvPr/>
         </p:nvPicPr>
         <p:blipFill>
-          <a:blip r:embed="rId2">
+          <a:blip r:embed="rId3">
             <a:extLst>
               <a:ext uri="{28A0092B-C50C-407E-A947-70E740481C1C}">
                 <a14:useLocalDpi xmlns:a14="http://schemas.microsoft.com/office/drawing/2010/main" val="0"/>
@@ -8111,8 +8071,8 @@
         </p:blipFill>
         <p:spPr>
           <a:xfrm>
-            <a:off x="358770" y="2097987"/>
-            <a:ext cx="7947924" cy="4560404"/>
+            <a:off x="494264" y="2260473"/>
+            <a:ext cx="7979048" cy="4178808"/>
           </a:xfrm>
           <a:prstGeom prst="rect">
             <a:avLst/>
@@ -8122,7 +8082,7 @@
     </p:spTree>
     <p:extLst>
       <p:ext uri="{BB962C8B-B14F-4D97-AF65-F5344CB8AC3E}">
-        <p14:creationId xmlns:p14="http://schemas.microsoft.com/office/powerpoint/2010/main" val="3880292356"/>
+        <p14:creationId xmlns:p14="http://schemas.microsoft.com/office/powerpoint/2010/main" val="2040435687"/>
       </p:ext>
     </p:extLst>
   </p:cSld>
@@ -8154,7 +8114,7 @@
           <p:cNvPr id="2" name="Title 1">
             <a:extLst>
               <a:ext uri="{FF2B5EF4-FFF2-40B4-BE49-F238E27FC236}">
-                <a16:creationId xmlns:a16="http://schemas.microsoft.com/office/drawing/2014/main" id="{D55A5C7C-4D96-AB1F-50F5-6249F84E3319}"/>
+                <a16:creationId xmlns:a16="http://schemas.microsoft.com/office/drawing/2014/main" id="{DDD3574C-BC1E-47D2-72E9-F6F80D6CB57A}"/>
               </a:ext>
             </a:extLst>
           </p:cNvPr>
@@ -8167,12 +8127,21 @@
         </p:nvSpPr>
         <p:spPr/>
         <p:txBody>
-          <a:bodyPr/>
+          <a:bodyPr>
+            <a:normAutofit fontScale="90000"/>
+          </a:bodyPr>
           <a:lstStyle/>
           <a:p>
             <a:r>
               <a:rPr lang="en-US" b="1" dirty="0"/>
-              <a:t>GDP Trends by County (2001-2023)</a:t>
+              <a:t>Median Housing Costs by County </a:t>
+            </a:r>
+            <a:br>
+              <a:rPr lang="en-US" b="1" dirty="0"/>
+            </a:br>
+            <a:r>
+              <a:rPr lang="en-US" b="1" dirty="0"/>
+              <a:t>(2010-2023)</a:t>
             </a:r>
           </a:p>
         </p:txBody>
@@ -8182,7 +8151,7 @@
           <p:cNvPr id="3" name="Content Placeholder 2">
             <a:extLst>
               <a:ext uri="{FF2B5EF4-FFF2-40B4-BE49-F238E27FC236}">
-                <a16:creationId xmlns:a16="http://schemas.microsoft.com/office/drawing/2014/main" id="{E5FD273F-500D-8A4C-5F2A-AFA7C0869217}"/>
+                <a16:creationId xmlns:a16="http://schemas.microsoft.com/office/drawing/2014/main" id="{B022388D-DCA1-2444-D05F-7977CDD2475D}"/>
               </a:ext>
             </a:extLst>
           </p:cNvPr>
@@ -8195,8 +8164,8 @@
         </p:nvSpPr>
         <p:spPr>
           <a:xfrm>
-            <a:off x="8582024" y="2143125"/>
-            <a:ext cx="3378327" cy="4513707"/>
+            <a:off x="8134350" y="2152648"/>
+            <a:ext cx="3962400" cy="4705351"/>
           </a:xfrm>
         </p:spPr>
         <p:txBody>
@@ -8206,30 +8175,90 @@
           <a:lstStyle/>
           <a:p>
             <a:r>
+              <a:rPr lang="en-US" b="1" dirty="0"/>
+              <a:t>Santa Clara County, CA</a:t>
+            </a:r>
+            <a:r>
               <a:rPr lang="en-US" dirty="0"/>
-              <a:t>Santa Clara County, CA, demonstrates the most substantial growth, reflecting its leadership in the tech-driven economy of Silicon Valley.</a:t>
-            </a:r>
-          </a:p>
-          <a:p>
+              <a:t>, tops housing costs, climbing from </a:t>
+            </a:r>
+            <a:r>
+              <a:rPr lang="en-US" b="1" dirty="0"/>
+              <a:t>$639,400 </a:t>
+            </a:r>
             <a:r>
               <a:rPr lang="en-US" dirty="0"/>
-              <a:t>Dallas County, TX, follows as a strong economic hub with consistent GDP increases, showcasing a diverse and resilient economy.</a:t>
-            </a:r>
-          </a:p>
-          <a:p>
+              <a:t>in </a:t>
+            </a:r>
+            <a:r>
+              <a:rPr lang="en-US" b="1" dirty="0"/>
+              <a:t>2010 </a:t>
+            </a:r>
             <a:r>
               <a:rPr lang="en-US" dirty="0"/>
-              <a:t>Loudoun County, VA, while smaller in scale, shows steady growth, indicating its emerging role as a tech and services powerhouse.</a:t>
+              <a:t>to </a:t>
+            </a:r>
+            <a:r>
+              <a:rPr lang="en-US" b="1" dirty="0"/>
+              <a:t>$1,443,100 </a:t>
+            </a:r>
+            <a:r>
+              <a:rPr lang="en-US" dirty="0"/>
+              <a:t>in </a:t>
+            </a:r>
+            <a:r>
+              <a:rPr lang="en-US" b="1" dirty="0"/>
+              <a:t>2023</a:t>
+            </a:r>
+            <a:r>
+              <a:rPr lang="en-US" dirty="0"/>
+              <a:t>, driven by the tech industry and high demand.</a:t>
+            </a:r>
+          </a:p>
+          <a:p>
+            <a:r>
+              <a:rPr lang="en-US" b="1" dirty="0"/>
+              <a:t>Loudoun County, VA</a:t>
+            </a:r>
+            <a:r>
+              <a:rPr lang="en-US" dirty="0"/>
+              <a:t>, saw a steady rise, reaching </a:t>
+            </a:r>
+            <a:r>
+              <a:rPr lang="en-US" b="1" dirty="0"/>
+              <a:t>$734,700 </a:t>
+            </a:r>
+            <a:r>
+              <a:rPr lang="en-US" dirty="0"/>
+              <a:t>in </a:t>
+            </a:r>
+            <a:r>
+              <a:rPr lang="en-US" b="1" dirty="0"/>
+              <a:t>2023</a:t>
+            </a:r>
+            <a:r>
+              <a:rPr lang="en-US" dirty="0"/>
+              <a:t>, reflecting its growing affluence and appeal.</a:t>
+            </a:r>
+          </a:p>
+          <a:p>
+            <a:r>
+              <a:rPr lang="en-US" b="1" dirty="0"/>
+              <a:t>Davidson County, TN, and Dallas County, TX</a:t>
+            </a:r>
+            <a:r>
+              <a:rPr lang="en-US" dirty="0"/>
+              <a:t>, showed moderate growth, maintaining affordable housing compared to higher-cost areas.</a:t>
             </a:r>
           </a:p>
         </p:txBody>
       </p:sp>
       <p:pic>
         <p:nvPicPr>
-          <p:cNvPr id="5" name="Picture 4" descr="A graph of a number of trends&#10;&#10;Description automatically generated with medium confidence">
-            <a:extLst>
-              <a:ext uri="{FF2B5EF4-FFF2-40B4-BE49-F238E27FC236}">
-                <a16:creationId xmlns:a16="http://schemas.microsoft.com/office/drawing/2014/main" id="{9F1D806A-10E3-CEFD-E2D2-E6D26CDFDE18}"/>
+          <p:cNvPr id="6" name="Picture 5" descr="A blue and red chart with numbers&#10;&#10;Description automatically generated">
+            <a:extLst>
+              <a:ext uri="{FF2B5EF4-FFF2-40B4-BE49-F238E27FC236}">
+                <a16:creationId xmlns:a16="http://schemas.microsoft.com/office/drawing/2014/main" id="{9E4340DB-A438-7EB6-A4A6-0120895E01EF}"/>
               </a:ext>
             </a:extLst>
           </p:cNvPr>
@@ -8239,7 +8268,7 @@
           <p:nvPr/>
         </p:nvPicPr>
         <p:blipFill>
-          <a:blip r:embed="rId3">
+          <a:blip r:embed="rId2">
             <a:extLst>
               <a:ext uri="{28A0092B-C50C-407E-A947-70E740481C1C}">
                 <a14:useLocalDpi xmlns:a14="http://schemas.microsoft.com/office/drawing/2010/main" val="0"/>
@@ -8252,8 +8281,8 @@
         </p:blipFill>
         <p:spPr>
           <a:xfrm>
-            <a:off x="494264" y="2260473"/>
-            <a:ext cx="7979048" cy="4178808"/>
+            <a:off x="565725" y="1886002"/>
+            <a:ext cx="7426371" cy="4423357"/>
           </a:xfrm>
           <a:prstGeom prst="rect">
             <a:avLst/>
@@ -8263,7 +8292,7 @@
     </p:spTree>
     <p:extLst>
       <p:ext uri="{BB962C8B-B14F-4D97-AF65-F5344CB8AC3E}">
-        <p14:creationId xmlns:p14="http://schemas.microsoft.com/office/powerpoint/2010/main" val="2040435687"/>
+        <p14:creationId xmlns:p14="http://schemas.microsoft.com/office/powerpoint/2010/main" val="1410783233"/>
       </p:ext>
     </p:extLst>
   </p:cSld>
@@ -8295,7 +8324,7 @@
           <p:cNvPr id="2" name="Title 1">
             <a:extLst>
               <a:ext uri="{FF2B5EF4-FFF2-40B4-BE49-F238E27FC236}">
-                <a16:creationId xmlns:a16="http://schemas.microsoft.com/office/drawing/2014/main" id="{DDD3574C-BC1E-47D2-72E9-F6F80D6CB57A}"/>
+                <a16:creationId xmlns:a16="http://schemas.microsoft.com/office/drawing/2014/main" id="{52279F27-ACE4-4B4F-E90C-8399A5C82862}"/>
               </a:ext>
             </a:extLst>
           </p:cNvPr>
@@ -8315,7 +8344,7 @@
           <a:p>
             <a:r>
               <a:rPr lang="en-US" b="1" dirty="0"/>
-              <a:t>Median Housing Costs by County Over Time</a:t>
+              <a:t>Average Number of Establishments by County (2010-2023)</a:t>
             </a:r>
           </a:p>
         </p:txBody>
@@ -8325,7 +8354,7 @@
           <p:cNvPr id="3" name="Content Placeholder 2">
             <a:extLst>
               <a:ext uri="{FF2B5EF4-FFF2-40B4-BE49-F238E27FC236}">
-                <a16:creationId xmlns:a16="http://schemas.microsoft.com/office/drawing/2014/main" id="{B022388D-DCA1-2444-D05F-7977CDD2475D}"/>
+                <a16:creationId xmlns:a16="http://schemas.microsoft.com/office/drawing/2014/main" id="{7CD048B9-64EF-AA6D-3A86-D83F0A6E3FED}"/>
               </a:ext>
             </a:extLst>
           </p:cNvPr>
@@ -8338,41 +8367,53 @@
         </p:nvSpPr>
         <p:spPr>
           <a:xfrm>
-            <a:off x="8134350" y="2152648"/>
-            <a:ext cx="3962400" cy="4705351"/>
+            <a:off x="8183880" y="2017775"/>
+            <a:ext cx="3941064" cy="4405732"/>
           </a:xfrm>
         </p:spPr>
         <p:txBody>
           <a:bodyPr>
-            <a:normAutofit fontScale="62500" lnSpcReduction="20000"/>
+            <a:noAutofit/>
           </a:bodyPr>
           <a:lstStyle/>
           <a:p>
             <a:r>
-              <a:rPr lang="en-US" dirty="0"/>
-              <a:t>Santa Clara County, CA, leads in housing costs, with a significant increase from $639,400 in 2010 to $1,443,100 in 2023, reflecting its strong tech industry and housing demand.</a:t>
-            </a:r>
-          </a:p>
-          <a:p>
-            <a:r>
-              <a:rPr lang="en-US" dirty="0"/>
-              <a:t>Loudoun County, VA, saw a steady rise, reaching $734,700 in 2023, demonstrating the area's growing affluence and desirability.</a:t>
-            </a:r>
-          </a:p>
-          <a:p>
-            <a:r>
-              <a:rPr lang="en-US" dirty="0"/>
-              <a:t>Davidson County, TN, and Dallas County, TX, experienced more moderate but consistent growth, indicative of affordable housing markets relative to other counties.</a:t>
+              <a:rPr lang="en-US" sz="1800" b="1" dirty="0"/>
+              <a:t>Dallas County, TX</a:t>
+            </a:r>
+            <a:r>
+              <a:rPr lang="en-US" sz="1800" dirty="0"/>
+              <a:t>, consistently leads in the average number of establishments, reflecting its diverse economy and large population.</a:t>
+            </a:r>
+          </a:p>
+          <a:p>
+            <a:r>
+              <a:rPr lang="en-US" sz="1800" b="1" dirty="0"/>
+              <a:t>Santa Clara County, CA, and Montgomery County, MD</a:t>
+            </a:r>
+            <a:r>
+              <a:rPr lang="en-US" sz="1800" dirty="0"/>
+              <a:t>, highlight high business density, driven by tech and professional services.</a:t>
+            </a:r>
+          </a:p>
+          <a:p>
+            <a:r>
+              <a:rPr lang="en-US" sz="1800" b="1" dirty="0"/>
+              <a:t>Loudoun County, VA</a:t>
+            </a:r>
+            <a:r>
+              <a:rPr lang="en-US" sz="1800" dirty="0"/>
+              <a:t>, exhibits steady growth, emphasizing its rising economic significance in the region.</a:t>
             </a:r>
           </a:p>
         </p:txBody>
       </p:sp>
       <p:pic>
         <p:nvPicPr>
-          <p:cNvPr id="6" name="Picture 5" descr="A blue and red chart with numbers&#10;&#10;Description automatically generated">
-            <a:extLst>
-              <a:ext uri="{FF2B5EF4-FFF2-40B4-BE49-F238E27FC236}">
-                <a16:creationId xmlns:a16="http://schemas.microsoft.com/office/drawing/2014/main" id="{9E4340DB-A438-7EB6-A4A6-0120895E01EF}"/>
+          <p:cNvPr id="6" name="Picture 5" descr="A graph of blue and green bars&#10;&#10;Description automatically generated">
+            <a:extLst>
+              <a:ext uri="{FF2B5EF4-FFF2-40B4-BE49-F238E27FC236}">
+                <a16:creationId xmlns:a16="http://schemas.microsoft.com/office/drawing/2014/main" id="{BB3B0440-7440-3A96-9439-BD9BCA974732}"/>
               </a:ext>
             </a:extLst>
           </p:cNvPr>
@@ -8395,8 +8436,8 @@
         </p:blipFill>
         <p:spPr>
           <a:xfrm>
-            <a:off x="565725" y="1886002"/>
-            <a:ext cx="7426371" cy="4423357"/>
+            <a:off x="461631" y="2096643"/>
+            <a:ext cx="7722249" cy="4405732"/>
           </a:xfrm>
           <a:prstGeom prst="rect">
             <a:avLst/>
@@ -8406,7 +8447,7 @@
     </p:spTree>
     <p:extLst>
       <p:ext uri="{BB962C8B-B14F-4D97-AF65-F5344CB8AC3E}">
-        <p14:creationId xmlns:p14="http://schemas.microsoft.com/office/powerpoint/2010/main" val="1410783233"/>
+        <p14:creationId xmlns:p14="http://schemas.microsoft.com/office/powerpoint/2010/main" val="18813993"/>
       </p:ext>
     </p:extLst>
   </p:cSld>
@@ -8438,7 +8479,7 @@
           <p:cNvPr id="2" name="Title 1">
             <a:extLst>
               <a:ext uri="{FF2B5EF4-FFF2-40B4-BE49-F238E27FC236}">
-                <a16:creationId xmlns:a16="http://schemas.microsoft.com/office/drawing/2014/main" id="{52279F27-ACE4-4B4F-E90C-8399A5C82862}"/>
+                <a16:creationId xmlns:a16="http://schemas.microsoft.com/office/drawing/2014/main" id="{7F4AE81F-AA18-44C6-B2ED-3F0C0CB12A25}"/>
               </a:ext>
             </a:extLst>
           </p:cNvPr>
@@ -8451,10 +8492,15 @@
         </p:nvSpPr>
         <p:spPr/>
         <p:txBody>
-          <a:bodyPr/>
-          <a:lstStyle/>
-          <a:p>
-            <a:endParaRPr lang="en-US"/>
+          <a:bodyPr>
+            <a:normAutofit fontScale="90000"/>
+          </a:bodyPr>
+          <a:lstStyle/>
+          <a:p>
+            <a:r>
+              <a:rPr lang="en-US" b="1" dirty="0"/>
+              <a:t>Loudoun County Real GDP Trends and Predictions</a:t>
+            </a:r>
           </a:p>
         </p:txBody>
       </p:sp>
@@ -8463,7 +8509,7 @@
           <p:cNvPr id="3" name="Content Placeholder 2">
             <a:extLst>
               <a:ext uri="{FF2B5EF4-FFF2-40B4-BE49-F238E27FC236}">
-                <a16:creationId xmlns:a16="http://schemas.microsoft.com/office/drawing/2014/main" id="{7CD048B9-64EF-AA6D-3A86-D83F0A6E3FED}"/>
+                <a16:creationId xmlns:a16="http://schemas.microsoft.com/office/drawing/2014/main" id="{81549798-400A-5F90-0C15-A295964811CF}"/>
               </a:ext>
             </a:extLst>
           </p:cNvPr>
@@ -8474,19 +8520,512 @@
             <p:ph idx="1"/>
           </p:nvPr>
         </p:nvSpPr>
-        <p:spPr/>
-        <p:txBody>
-          <a:bodyPr/>
-          <a:lstStyle/>
-          <a:p>
-            <a:endParaRPr lang="en-US"/>
-          </a:p>
-        </p:txBody>
-      </p:sp>
+        <p:spPr>
+          <a:xfrm>
+            <a:off x="7820024" y="2305050"/>
+            <a:ext cx="4219576" cy="4438650"/>
+          </a:xfrm>
+        </p:spPr>
+        <p:txBody>
+          <a:bodyPr>
+            <a:normAutofit fontScale="77500" lnSpcReduction="20000"/>
+          </a:bodyPr>
+          <a:lstStyle/>
+          <a:p>
+            <a:r>
+              <a:rPr lang="en-US" b="1" dirty="0"/>
+              <a:t>Historical GDP of Loudoun County </a:t>
+            </a:r>
+            <a:r>
+              <a:rPr lang="en-US" dirty="0"/>
+              <a:t>has shown steady growth, reflecting its economic expansion.</a:t>
+            </a:r>
+          </a:p>
+          <a:p>
+            <a:r>
+              <a:rPr lang="en-US" b="1" dirty="0"/>
+              <a:t>Linear regression projections </a:t>
+            </a:r>
+            <a:r>
+              <a:rPr lang="en-US" dirty="0"/>
+              <a:t>indicate continued GDP growth through 2030.</a:t>
+            </a:r>
+          </a:p>
+          <a:p>
+            <a:r>
+              <a:rPr lang="en-US" b="1" dirty="0"/>
+              <a:t>Projected trends highlight strong economic foundations and growth potential </a:t>
+            </a:r>
+            <a:r>
+              <a:rPr lang="en-US" dirty="0"/>
+              <a:t>for the county.</a:t>
+            </a:r>
+          </a:p>
+        </p:txBody>
+      </p:sp>
+      <p:pic>
+        <p:nvPicPr>
+          <p:cNvPr id="7" name="Picture 6" descr="A graph with a line going up&#10;&#10;Description automatically generated">
+            <a:extLst>
+              <a:ext uri="{FF2B5EF4-FFF2-40B4-BE49-F238E27FC236}">
+                <a16:creationId xmlns:a16="http://schemas.microsoft.com/office/drawing/2014/main" id="{AB60B0EF-7CE2-6CD5-8ED2-9BB415DFA251}"/>
+              </a:ext>
+            </a:extLst>
+          </p:cNvPr>
+          <p:cNvPicPr>
+            <a:picLocks noChangeAspect="1"/>
+          </p:cNvPicPr>
+          <p:nvPr/>
+        </p:nvPicPr>
+        <p:blipFill>
+          <a:blip r:embed="rId2">
+            <a:extLst>
+              <a:ext uri="{28A0092B-C50C-407E-A947-70E740481C1C}">
+                <a14:useLocalDpi xmlns:a14="http://schemas.microsoft.com/office/drawing/2010/main" val="0"/>
+              </a:ext>
+            </a:extLst>
+          </a:blip>
+          <a:stretch>
+            <a:fillRect/>
+          </a:stretch>
+        </p:blipFill>
+        <p:spPr>
+          <a:xfrm>
+            <a:off x="409574" y="2061381"/>
+            <a:ext cx="7410449" cy="4819867"/>
+          </a:xfrm>
+          <a:prstGeom prst="rect">
+            <a:avLst/>
+          </a:prstGeom>
+        </p:spPr>
+      </p:pic>
     </p:spTree>
     <p:extLst>
       <p:ext uri="{BB962C8B-B14F-4D97-AF65-F5344CB8AC3E}">
-        <p14:creationId xmlns:p14="http://schemas.microsoft.com/office/powerpoint/2010/main" val="18813993"/>
+        <p14:creationId xmlns:p14="http://schemas.microsoft.com/office/powerpoint/2010/main" val="2387906110"/>
+      </p:ext>
+    </p:extLst>
+  </p:cSld>
+  <p:clrMapOvr>
+    <a:masterClrMapping/>
+  </p:clrMapOvr>
+</p:sld>
+</file>
+
+<file path=ppt/slides/slide17.xml><?xml version="1.0" encoding="utf-8"?>
+<p:sld xmlns:a="http://schemas.openxmlformats.org/drawingml/2006/main" xmlns:r="http://schemas.openxmlformats.org/officeDocument/2006/relationships" xmlns:p="http://schemas.openxmlformats.org/presentationml/2006/main">
+  <p:cSld>
+    <p:spTree>
+      <p:nvGrpSpPr>
+        <p:cNvPr id="1" name=""/>
+        <p:cNvGrpSpPr/>
+        <p:nvPr/>
+      </p:nvGrpSpPr>
+      <p:grpSpPr>
+        <a:xfrm>
+          <a:off x="0" y="0"/>
+          <a:ext cx="0" cy="0"/>
+          <a:chOff x="0" y="0"/>
+          <a:chExt cx="0" cy="0"/>
+        </a:xfrm>
+      </p:grpSpPr>
+      <p:sp>
+        <p:nvSpPr>
+          <p:cNvPr id="2" name="Title 1">
+            <a:extLst>
+              <a:ext uri="{FF2B5EF4-FFF2-40B4-BE49-F238E27FC236}">
+                <a16:creationId xmlns:a16="http://schemas.microsoft.com/office/drawing/2014/main" id="{5072A4C9-5877-948E-A3C5-171703C24D63}"/>
+              </a:ext>
+            </a:extLst>
+          </p:cNvPr>
+          <p:cNvSpPr>
+            <a:spLocks noGrp="1"/>
+          </p:cNvSpPr>
+          <p:nvPr>
+            <p:ph type="title"/>
+          </p:nvPr>
+        </p:nvSpPr>
+        <p:spPr/>
+        <p:txBody>
+          <a:bodyPr>
+            <a:normAutofit fontScale="90000"/>
+          </a:bodyPr>
+          <a:lstStyle/>
+          <a:p>
+            <a:r>
+              <a:rPr lang="en-US" b="1" dirty="0"/>
+              <a:t>Loudoun County Income Trends and Predictions</a:t>
+            </a:r>
+          </a:p>
+        </p:txBody>
+      </p:sp>
+      <p:sp>
+        <p:nvSpPr>
+          <p:cNvPr id="3" name="Content Placeholder 2">
+            <a:extLst>
+              <a:ext uri="{FF2B5EF4-FFF2-40B4-BE49-F238E27FC236}">
+                <a16:creationId xmlns:a16="http://schemas.microsoft.com/office/drawing/2014/main" id="{F91D25A1-C6F7-E3DF-812B-4310718F53A0}"/>
+              </a:ext>
+            </a:extLst>
+          </p:cNvPr>
+          <p:cNvSpPr>
+            <a:spLocks noGrp="1"/>
+          </p:cNvSpPr>
+          <p:nvPr>
+            <p:ph idx="1"/>
+          </p:nvPr>
+        </p:nvSpPr>
+        <p:spPr>
+          <a:xfrm>
+            <a:off x="8058150" y="2194559"/>
+            <a:ext cx="4133850" cy="4467425"/>
+          </a:xfrm>
+        </p:spPr>
+        <p:txBody>
+          <a:bodyPr>
+            <a:normAutofit/>
+          </a:bodyPr>
+          <a:lstStyle/>
+          <a:p>
+            <a:r>
+              <a:rPr lang="en-US" sz="2000" b="1" dirty="0"/>
+              <a:t>Median income in Loudoun County </a:t>
+            </a:r>
+            <a:r>
+              <a:rPr lang="en-US" sz="2000" dirty="0"/>
+              <a:t>has shown steady growth over the last decade.</a:t>
+            </a:r>
+          </a:p>
+          <a:p>
+            <a:r>
+              <a:rPr lang="en-US" sz="2000" b="1" dirty="0"/>
+              <a:t>ARIMA projections indicate a continued upward trend </a:t>
+            </a:r>
+            <a:r>
+              <a:rPr lang="en-US" sz="2000" dirty="0"/>
+              <a:t>through 2030.</a:t>
+            </a:r>
+          </a:p>
+          <a:p>
+            <a:r>
+              <a:rPr lang="en-US" sz="2000" b="1" dirty="0"/>
+              <a:t>Predicted median income may exceed $350,000 by 2030</a:t>
+            </a:r>
+            <a:r>
+              <a:rPr lang="en-US" sz="2000" dirty="0"/>
+              <a:t>, reflecting strong economic growth.</a:t>
+            </a:r>
+          </a:p>
+        </p:txBody>
+      </p:sp>
+      <p:pic>
+        <p:nvPicPr>
+          <p:cNvPr id="6" name="Picture 5" descr="A graph with a line and a dotted line&#10;&#10;Description automatically generated">
+            <a:extLst>
+              <a:ext uri="{FF2B5EF4-FFF2-40B4-BE49-F238E27FC236}">
+                <a16:creationId xmlns:a16="http://schemas.microsoft.com/office/drawing/2014/main" id="{878A7999-5F7F-264D-242F-90054D6AB14F}"/>
+              </a:ext>
+            </a:extLst>
+          </p:cNvPr>
+          <p:cNvPicPr>
+            <a:picLocks noChangeAspect="1"/>
+          </p:cNvPicPr>
+          <p:nvPr/>
+        </p:nvPicPr>
+        <p:blipFill>
+          <a:blip r:embed="rId2">
+            <a:extLst>
+              <a:ext uri="{28A0092B-C50C-407E-A947-70E740481C1C}">
+                <a14:useLocalDpi xmlns:a14="http://schemas.microsoft.com/office/drawing/2010/main" val="0"/>
+              </a:ext>
+            </a:extLst>
+          </a:blip>
+          <a:stretch>
+            <a:fillRect/>
+          </a:stretch>
+        </p:blipFill>
+        <p:spPr>
+          <a:xfrm>
+            <a:off x="518454" y="2081867"/>
+            <a:ext cx="7539696" cy="4580118"/>
+          </a:xfrm>
+          <a:prstGeom prst="rect">
+            <a:avLst/>
+          </a:prstGeom>
+        </p:spPr>
+      </p:pic>
+    </p:spTree>
+    <p:extLst>
+      <p:ext uri="{BB962C8B-B14F-4D97-AF65-F5344CB8AC3E}">
+        <p14:creationId xmlns:p14="http://schemas.microsoft.com/office/powerpoint/2010/main" val="914447653"/>
+      </p:ext>
+    </p:extLst>
+  </p:cSld>
+  <p:clrMapOvr>
+    <a:masterClrMapping/>
+  </p:clrMapOvr>
+</p:sld>
+</file>
+
+<file path=ppt/slides/slide18.xml><?xml version="1.0" encoding="utf-8"?>
+<p:sld xmlns:a="http://schemas.openxmlformats.org/drawingml/2006/main" xmlns:r="http://schemas.openxmlformats.org/officeDocument/2006/relationships" xmlns:p="http://schemas.openxmlformats.org/presentationml/2006/main">
+  <p:cSld>
+    <p:spTree>
+      <p:nvGrpSpPr>
+        <p:cNvPr id="1" name=""/>
+        <p:cNvGrpSpPr/>
+        <p:nvPr/>
+      </p:nvGrpSpPr>
+      <p:grpSpPr>
+        <a:xfrm>
+          <a:off x="0" y="0"/>
+          <a:ext cx="0" cy="0"/>
+          <a:chOff x="0" y="0"/>
+          <a:chExt cx="0" cy="0"/>
+        </a:xfrm>
+      </p:grpSpPr>
+      <p:sp>
+        <p:nvSpPr>
+          <p:cNvPr id="2" name="Title 1">
+            <a:extLst>
+              <a:ext uri="{FF2B5EF4-FFF2-40B4-BE49-F238E27FC236}">
+                <a16:creationId xmlns:a16="http://schemas.microsoft.com/office/drawing/2014/main" id="{FF3D4643-D321-F8C6-02CC-D5107ACB614E}"/>
+              </a:ext>
+            </a:extLst>
+          </p:cNvPr>
+          <p:cNvSpPr>
+            <a:spLocks noGrp="1"/>
+          </p:cNvSpPr>
+          <p:nvPr>
+            <p:ph type="title"/>
+          </p:nvPr>
+        </p:nvSpPr>
+        <p:spPr/>
+        <p:txBody>
+          <a:bodyPr/>
+          <a:lstStyle/>
+          <a:p>
+            <a:r>
+              <a:rPr lang="en-US" b="1" dirty="0"/>
+              <a:t>Recommendations</a:t>
+            </a:r>
+          </a:p>
+        </p:txBody>
+      </p:sp>
+      <p:sp>
+        <p:nvSpPr>
+          <p:cNvPr id="3" name="Content Placeholder 2">
+            <a:extLst>
+              <a:ext uri="{FF2B5EF4-FFF2-40B4-BE49-F238E27FC236}">
+                <a16:creationId xmlns:a16="http://schemas.microsoft.com/office/drawing/2014/main" id="{F644053D-4141-53AF-A4B7-53FC6FA50BC8}"/>
+              </a:ext>
+            </a:extLst>
+          </p:cNvPr>
+          <p:cNvSpPr>
+            <a:spLocks noGrp="1"/>
+          </p:cNvSpPr>
+          <p:nvPr>
+            <p:ph idx="1"/>
+          </p:nvPr>
+        </p:nvSpPr>
+        <p:spPr>
+          <a:xfrm>
+            <a:off x="783336" y="2276856"/>
+            <a:ext cx="10625328" cy="4379976"/>
+          </a:xfrm>
+        </p:spPr>
+        <p:txBody>
+          <a:bodyPr>
+            <a:normAutofit fontScale="92500" lnSpcReduction="20000"/>
+          </a:bodyPr>
+          <a:lstStyle/>
+          <a:p>
+            <a:r>
+              <a:rPr lang="en-US" b="1" dirty="0"/>
+              <a:t>Support Sustainable Growth</a:t>
+            </a:r>
+            <a:r>
+              <a:rPr lang="en-US" dirty="0"/>
+              <a:t>: Incentivize businesses, especially in tech and professional services.</a:t>
+            </a:r>
+          </a:p>
+          <a:p>
+            <a:r>
+              <a:rPr lang="en-US" b="1" dirty="0"/>
+              <a:t>Address Housing Affordability</a:t>
+            </a:r>
+            <a:r>
+              <a:rPr lang="en-US" dirty="0"/>
+              <a:t>: Develop policies to keep housing accessible and attract diverse talent.</a:t>
+            </a:r>
+          </a:p>
+          <a:p>
+            <a:r>
+              <a:rPr lang="en-US" b="1" dirty="0"/>
+              <a:t>Leverage Economic Growth</a:t>
+            </a:r>
+            <a:r>
+              <a:rPr lang="en-US" dirty="0"/>
+              <a:t>: Invest in infrastructure, education, and community development projects.</a:t>
+            </a:r>
+          </a:p>
+          <a:p>
+            <a:r>
+              <a:rPr lang="en-US" b="1" dirty="0"/>
+              <a:t>Enhance Data-Driven Policies</a:t>
+            </a:r>
+            <a:r>
+              <a:rPr lang="en-US" dirty="0"/>
+              <a:t>: Monitor trends to guide future decisions.</a:t>
+            </a:r>
+          </a:p>
+          <a:p>
+            <a:r>
+              <a:rPr lang="en-US" b="1" dirty="0"/>
+              <a:t>Workforce Development</a:t>
+            </a:r>
+            <a:r>
+              <a:rPr lang="en-US" dirty="0"/>
+              <a:t>: Align training programs with emerging industry demands.</a:t>
+            </a:r>
+          </a:p>
+        </p:txBody>
+      </p:sp>
+    </p:spTree>
+    <p:extLst>
+      <p:ext uri="{BB962C8B-B14F-4D97-AF65-F5344CB8AC3E}">
+        <p14:creationId xmlns:p14="http://schemas.microsoft.com/office/powerpoint/2010/main" val="1235037019"/>
+      </p:ext>
+    </p:extLst>
+  </p:cSld>
+  <p:clrMapOvr>
+    <a:masterClrMapping/>
+  </p:clrMapOvr>
+</p:sld>
+</file>
+
+<file path=ppt/slides/slide19.xml><?xml version="1.0" encoding="utf-8"?>
+<p:sld xmlns:a="http://schemas.openxmlformats.org/drawingml/2006/main" xmlns:r="http://schemas.openxmlformats.org/officeDocument/2006/relationships" xmlns:p="http://schemas.openxmlformats.org/presentationml/2006/main">
+  <p:cSld>
+    <p:spTree>
+      <p:nvGrpSpPr>
+        <p:cNvPr id="1" name=""/>
+        <p:cNvGrpSpPr/>
+        <p:nvPr/>
+      </p:nvGrpSpPr>
+      <p:grpSpPr>
+        <a:xfrm>
+          <a:off x="0" y="0"/>
+          <a:ext cx="0" cy="0"/>
+          <a:chOff x="0" y="0"/>
+          <a:chExt cx="0" cy="0"/>
+        </a:xfrm>
+      </p:grpSpPr>
+      <p:sp>
+        <p:nvSpPr>
+          <p:cNvPr id="2" name="Title 1">
+            <a:extLst>
+              <a:ext uri="{FF2B5EF4-FFF2-40B4-BE49-F238E27FC236}">
+                <a16:creationId xmlns:a16="http://schemas.microsoft.com/office/drawing/2014/main" id="{36444601-F555-811E-A9EA-4503408D7AFC}"/>
+              </a:ext>
+            </a:extLst>
+          </p:cNvPr>
+          <p:cNvSpPr>
+            <a:spLocks noGrp="1"/>
+          </p:cNvSpPr>
+          <p:nvPr>
+            <p:ph type="title"/>
+          </p:nvPr>
+        </p:nvSpPr>
+        <p:spPr/>
+        <p:txBody>
+          <a:bodyPr>
+            <a:normAutofit fontScale="90000"/>
+          </a:bodyPr>
+          <a:lstStyle/>
+          <a:p>
+            <a:r>
+              <a:rPr lang="en-US" b="1" dirty="0"/>
+              <a:t>Limitations</a:t>
+            </a:r>
+            <a:br>
+              <a:rPr lang="en-US" b="1" dirty="0"/>
+            </a:br>
+            <a:endParaRPr lang="en-US" b="1" dirty="0"/>
+          </a:p>
+        </p:txBody>
+      </p:sp>
+      <p:sp>
+        <p:nvSpPr>
+          <p:cNvPr id="3" name="Content Placeholder 2">
+            <a:extLst>
+              <a:ext uri="{FF2B5EF4-FFF2-40B4-BE49-F238E27FC236}">
+                <a16:creationId xmlns:a16="http://schemas.microsoft.com/office/drawing/2014/main" id="{229B900A-04D0-5FCC-7687-BE33D12751FC}"/>
+              </a:ext>
+            </a:extLst>
+          </p:cNvPr>
+          <p:cNvSpPr>
+            <a:spLocks noGrp="1"/>
+          </p:cNvSpPr>
+          <p:nvPr>
+            <p:ph idx="1"/>
+          </p:nvPr>
+        </p:nvSpPr>
+        <p:spPr/>
+        <p:txBody>
+          <a:bodyPr/>
+          <a:lstStyle/>
+          <a:p>
+            <a:pPr>
+              <a:buFont typeface="Arial" panose="020B0604020202020204" pitchFamily="34" charset="0"/>
+              <a:buChar char="•"/>
+            </a:pPr>
+            <a:r>
+              <a:rPr lang="en-US" b="1" dirty="0"/>
+              <a:t>Data Gaps</a:t>
+            </a:r>
+            <a:r>
+              <a:rPr lang="en-US" dirty="0"/>
+              <a:t>: Missing or inconsistent data for certain years.</a:t>
+            </a:r>
+          </a:p>
+          <a:p>
+            <a:pPr>
+              <a:buFont typeface="Arial" panose="020B0604020202020204" pitchFamily="34" charset="0"/>
+              <a:buChar char="•"/>
+            </a:pPr>
+            <a:r>
+              <a:rPr lang="en-US" b="1" dirty="0"/>
+              <a:t>Assumptions</a:t>
+            </a:r>
+            <a:r>
+              <a:rPr lang="en-US" dirty="0"/>
+              <a:t>: Forecasting models are based on historical data trends.</a:t>
+            </a:r>
+          </a:p>
+          <a:p>
+            <a:pPr>
+              <a:buFont typeface="Arial" panose="020B0604020202020204" pitchFamily="34" charset="0"/>
+              <a:buChar char="•"/>
+            </a:pPr>
+            <a:r>
+              <a:rPr lang="en-US" b="1" dirty="0"/>
+              <a:t>Granularity</a:t>
+            </a:r>
+            <a:r>
+              <a:rPr lang="en-US" dirty="0"/>
+              <a:t>: Industry-specific insights may require additional detailed datasets.</a:t>
+            </a:r>
+          </a:p>
+          <a:p>
+            <a:endParaRPr lang="en-US" dirty="0"/>
+          </a:p>
+        </p:txBody>
+      </p:sp>
+    </p:spTree>
+    <p:extLst>
+      <p:ext uri="{BB962C8B-B14F-4D97-AF65-F5344CB8AC3E}">
+        <p14:creationId xmlns:p14="http://schemas.microsoft.com/office/powerpoint/2010/main" val="4223552985"/>
       </p:ext>
     </p:extLst>
   </p:cSld>
@@ -8557,28 +9096,41 @@
             <p:ph idx="1"/>
           </p:nvPr>
         </p:nvSpPr>
-        <p:spPr/>
+        <p:spPr>
+          <a:xfrm>
+            <a:off x="1115568" y="2505456"/>
+            <a:ext cx="10168128" cy="3666744"/>
+          </a:xfrm>
+        </p:spPr>
         <p:txBody>
           <a:bodyPr>
-            <a:normAutofit fontScale="92500" lnSpcReduction="10000"/>
+            <a:normAutofit/>
           </a:bodyPr>
           <a:lstStyle/>
           <a:p>
             <a:r>
+              <a:rPr lang="en-US" b="1" dirty="0"/>
+              <a:t>Examine Loudoun County's economy: </a:t>
+            </a:r>
+            <a:r>
               <a:rPr lang="en-US" dirty="0"/>
-              <a:t>Analyze Loudoun County's economic characteristics, including employment, business growth, income trends, housing costs, and GDP trends.</a:t>
-            </a:r>
-          </a:p>
-          <a:p>
+              <a:t>employment, business growth, income, housing costs, and GDP.</a:t>
+            </a:r>
+          </a:p>
+          <a:p>
+            <a:r>
+              <a:rPr lang="en-US" b="1" dirty="0"/>
+              <a:t>Benchmark against Fairfax (VA), Montgomery (MD), Santa Clara (CA), Dallas (TX), Davidson (TN), and Wake (NC).</a:t>
+            </a:r>
+          </a:p>
+          <a:p>
+            <a:r>
+              <a:rPr lang="en-US" b="1" dirty="0"/>
+              <a:t>Recommend strategies </a:t>
+            </a:r>
             <a:r>
               <a:rPr lang="en-US" dirty="0"/>
-              <a:t>Compare Loudoun County to peer counties: Fairfax (VA), Montgomery (MD), Santa Clara (CA), Dallas (TX), Davidson (TN), and Wake (NC).</a:t>
-            </a:r>
-          </a:p>
-          <a:p>
-            <a:r>
-              <a:rPr lang="en-US" dirty="0"/>
-              <a:t>Provide actionable recommendations to sustain growth and attract economic projects.</a:t>
+              <a:t>to sustain growth and attract projects.</a:t>
             </a:r>
           </a:p>
         </p:txBody>
@@ -8587,6 +9139,240 @@
     <p:extLst>
       <p:ext uri="{BB962C8B-B14F-4D97-AF65-F5344CB8AC3E}">
         <p14:creationId xmlns:p14="http://schemas.microsoft.com/office/powerpoint/2010/main" val="676866412"/>
+      </p:ext>
+    </p:extLst>
+  </p:cSld>
+  <p:clrMapOvr>
+    <a:masterClrMapping/>
+  </p:clrMapOvr>
+</p:sld>
+</file>
+
+<file path=ppt/slides/slide20.xml><?xml version="1.0" encoding="utf-8"?>
+<p:sld xmlns:a="http://schemas.openxmlformats.org/drawingml/2006/main" xmlns:r="http://schemas.openxmlformats.org/officeDocument/2006/relationships" xmlns:p="http://schemas.openxmlformats.org/presentationml/2006/main">
+  <p:cSld>
+    <p:spTree>
+      <p:nvGrpSpPr>
+        <p:cNvPr id="1" name=""/>
+        <p:cNvGrpSpPr/>
+        <p:nvPr/>
+      </p:nvGrpSpPr>
+      <p:grpSpPr>
+        <a:xfrm>
+          <a:off x="0" y="0"/>
+          <a:ext cx="0" cy="0"/>
+          <a:chOff x="0" y="0"/>
+          <a:chExt cx="0" cy="0"/>
+        </a:xfrm>
+      </p:grpSpPr>
+      <p:sp>
+        <p:nvSpPr>
+          <p:cNvPr id="2" name="Title 1">
+            <a:extLst>
+              <a:ext uri="{FF2B5EF4-FFF2-40B4-BE49-F238E27FC236}">
+                <a16:creationId xmlns:a16="http://schemas.microsoft.com/office/drawing/2014/main" id="{D087C07A-3AC6-2AC5-009B-40F9453A9395}"/>
+              </a:ext>
+            </a:extLst>
+          </p:cNvPr>
+          <p:cNvSpPr>
+            <a:spLocks noGrp="1"/>
+          </p:cNvSpPr>
+          <p:nvPr>
+            <p:ph type="title"/>
+          </p:nvPr>
+        </p:nvSpPr>
+        <p:spPr/>
+        <p:txBody>
+          <a:bodyPr/>
+          <a:lstStyle/>
+          <a:p>
+            <a:r>
+              <a:rPr lang="en-US" b="1" dirty="0"/>
+              <a:t>Conclusion</a:t>
+            </a:r>
+          </a:p>
+        </p:txBody>
+      </p:sp>
+      <p:sp>
+        <p:nvSpPr>
+          <p:cNvPr id="3" name="Content Placeholder 2">
+            <a:extLst>
+              <a:ext uri="{FF2B5EF4-FFF2-40B4-BE49-F238E27FC236}">
+                <a16:creationId xmlns:a16="http://schemas.microsoft.com/office/drawing/2014/main" id="{E4B16831-8A2F-0E61-2AE3-DAC4C7A69B1A}"/>
+              </a:ext>
+            </a:extLst>
+          </p:cNvPr>
+          <p:cNvSpPr>
+            <a:spLocks noGrp="1"/>
+          </p:cNvSpPr>
+          <p:nvPr>
+            <p:ph idx="1"/>
+          </p:nvPr>
+        </p:nvSpPr>
+        <p:spPr>
+          <a:xfrm>
+            <a:off x="484632" y="2139696"/>
+            <a:ext cx="11192256" cy="4553712"/>
+          </a:xfrm>
+        </p:spPr>
+        <p:txBody>
+          <a:bodyPr>
+            <a:normAutofit/>
+          </a:bodyPr>
+          <a:lstStyle/>
+          <a:p>
+            <a:r>
+              <a:rPr lang="en-US" b="1" dirty="0"/>
+              <a:t>Economic Growth</a:t>
+            </a:r>
+            <a:r>
+              <a:rPr lang="en-US" dirty="0"/>
+              <a:t>: Loudoun County shows consistent GDP, income, and housing growth, solidifying its role as a thriving hub.</a:t>
+            </a:r>
+          </a:p>
+          <a:p>
+            <a:r>
+              <a:rPr lang="en-US" b="1" dirty="0"/>
+              <a:t>Dynamic Employment</a:t>
+            </a:r>
+            <a:r>
+              <a:rPr lang="en-US" dirty="0"/>
+              <a:t>: Strong employment trends and industry expansion highlight economic resilience.</a:t>
+            </a:r>
+          </a:p>
+          <a:p>
+            <a:r>
+              <a:rPr lang="en-US" b="1" dirty="0"/>
+              <a:t>Future Potential</a:t>
+            </a:r>
+            <a:r>
+              <a:rPr lang="en-US" dirty="0"/>
+              <a:t>: Growth projections offer opportunities for housing, workforce, and business planning.</a:t>
+            </a:r>
+          </a:p>
+          <a:p>
+            <a:r>
+              <a:rPr lang="en-US" b="1" dirty="0"/>
+              <a:t>Key Insight</a:t>
+            </a:r>
+            <a:r>
+              <a:rPr lang="en-US" dirty="0"/>
+              <a:t>: Despite challenges, Loudoun’s economic foundation ensures a strong outlook for success.</a:t>
+            </a:r>
+          </a:p>
+        </p:txBody>
+      </p:sp>
+    </p:spTree>
+    <p:extLst>
+      <p:ext uri="{BB962C8B-B14F-4D97-AF65-F5344CB8AC3E}">
+        <p14:creationId xmlns:p14="http://schemas.microsoft.com/office/powerpoint/2010/main" val="2655226802"/>
+      </p:ext>
+    </p:extLst>
+  </p:cSld>
+  <p:clrMapOvr>
+    <a:masterClrMapping/>
+  </p:clrMapOvr>
+</p:sld>
+</file>
+
+<file path=ppt/slides/slide21.xml><?xml version="1.0" encoding="utf-8"?>
+<p:sld xmlns:a="http://schemas.openxmlformats.org/drawingml/2006/main" xmlns:r="http://schemas.openxmlformats.org/officeDocument/2006/relationships" xmlns:p="http://schemas.openxmlformats.org/presentationml/2006/main">
+  <p:cSld>
+    <p:spTree>
+      <p:nvGrpSpPr>
+        <p:cNvPr id="1" name=""/>
+        <p:cNvGrpSpPr/>
+        <p:nvPr/>
+      </p:nvGrpSpPr>
+      <p:grpSpPr>
+        <a:xfrm>
+          <a:off x="0" y="0"/>
+          <a:ext cx="0" cy="0"/>
+          <a:chOff x="0" y="0"/>
+          <a:chExt cx="0" cy="0"/>
+        </a:xfrm>
+      </p:grpSpPr>
+      <p:sp>
+        <p:nvSpPr>
+          <p:cNvPr id="2" name="Title 1">
+            <a:extLst>
+              <a:ext uri="{FF2B5EF4-FFF2-40B4-BE49-F238E27FC236}">
+                <a16:creationId xmlns:a16="http://schemas.microsoft.com/office/drawing/2014/main" id="{68343746-3B28-7232-5B6E-D880C8F860C7}"/>
+              </a:ext>
+            </a:extLst>
+          </p:cNvPr>
+          <p:cNvSpPr>
+            <a:spLocks noGrp="1"/>
+          </p:cNvSpPr>
+          <p:nvPr>
+            <p:ph type="title"/>
+          </p:nvPr>
+        </p:nvSpPr>
+        <p:spPr/>
+        <p:txBody>
+          <a:bodyPr/>
+          <a:lstStyle/>
+          <a:p>
+            <a:r>
+              <a:rPr lang="en-US" b="1" dirty="0"/>
+              <a:t>Questions</a:t>
+            </a:r>
+          </a:p>
+        </p:txBody>
+      </p:sp>
+      <p:sp>
+        <p:nvSpPr>
+          <p:cNvPr id="3" name="Content Placeholder 2">
+            <a:extLst>
+              <a:ext uri="{FF2B5EF4-FFF2-40B4-BE49-F238E27FC236}">
+                <a16:creationId xmlns:a16="http://schemas.microsoft.com/office/drawing/2014/main" id="{1E7EA290-481B-5C71-947A-D1DF6008CECA}"/>
+              </a:ext>
+            </a:extLst>
+          </p:cNvPr>
+          <p:cNvSpPr>
+            <a:spLocks noGrp="1"/>
+          </p:cNvSpPr>
+          <p:nvPr>
+            <p:ph idx="1"/>
+          </p:nvPr>
+        </p:nvSpPr>
+        <p:spPr>
+          <a:xfrm>
+            <a:off x="859536" y="2478024"/>
+            <a:ext cx="10424160" cy="3694176"/>
+          </a:xfrm>
+        </p:spPr>
+        <p:txBody>
+          <a:bodyPr>
+            <a:normAutofit/>
+          </a:bodyPr>
+          <a:lstStyle/>
+          <a:p>
+            <a:r>
+              <a:rPr lang="en-US" dirty="0"/>
+              <a:t>Any questions?</a:t>
+            </a:r>
+          </a:p>
+          <a:p>
+            <a:pPr lvl="1"/>
+            <a:r>
+              <a:rPr lang="en-US" dirty="0"/>
+              <a:t>Feel free to ask for clarifications or further insights on the analysis.</a:t>
+            </a:r>
+          </a:p>
+          <a:p>
+            <a:pPr lvl="1"/>
+            <a:r>
+              <a:rPr lang="en-US" dirty="0"/>
+              <a:t>Thank you for your attention! I appreciate your time and interest in this study.</a:t>
+            </a:r>
+          </a:p>
+        </p:txBody>
+      </p:sp>
+    </p:spTree>
+    <p:extLst>
+      <p:ext uri="{BB962C8B-B14F-4D97-AF65-F5344CB8AC3E}">
+        <p14:creationId xmlns:p14="http://schemas.microsoft.com/office/powerpoint/2010/main" val="1319564735"/>
       </p:ext>
     </p:extLst>
   </p:cSld>
@@ -8839,6 +9625,14 @@
 <file path=ppt/slides/slide4.xml><?xml version="1.0" encoding="utf-8"?>
 <p:sld xmlns:a="http://schemas.openxmlformats.org/drawingml/2006/main" xmlns:r="http://schemas.openxmlformats.org/officeDocument/2006/relationships" xmlns:p="http://schemas.openxmlformats.org/presentationml/2006/main">
   <p:cSld>
+    <p:bg>
+      <p:bgPr>
+        <a:solidFill>
+          <a:schemeClr val="bg1"/>
+        </a:solidFill>
+        <a:effectLst/>
+      </p:bgPr>
+    </p:bg>
     <p:spTree>
       <p:nvGrpSpPr>
         <p:cNvPr id="1" name=""/>
@@ -8853,12 +9647,264 @@
           <a:chExt cx="0" cy="0"/>
         </a:xfrm>
       </p:grpSpPr>
+      <p:sp useBgFill="1">
+        <p:nvSpPr>
+          <p:cNvPr id="19" name="Rectangle 18">
+            <a:extLst>
+              <a:ext uri="{FF2B5EF4-FFF2-40B4-BE49-F238E27FC236}">
+                <a16:creationId xmlns:a16="http://schemas.microsoft.com/office/drawing/2014/main" id="{84ECDE7A-6944-466D-8FFE-149A29BA6BAE}"/>
+              </a:ext>
+              <a:ext uri="{C183D7F6-B498-43B3-948B-1728B52AA6E4}">
+                <adec:decorative xmlns:adec="http://schemas.microsoft.com/office/drawing/2017/decorative" val="1"/>
+              </a:ext>
+            </a:extLst>
+          </p:cNvPr>
+          <p:cNvSpPr>
+            <a:spLocks noGrp="1" noRot="1" noChangeAspect="1" noMove="1" noResize="1" noEditPoints="1" noAdjustHandles="1" noChangeArrowheads="1" noChangeShapeType="1" noTextEdit="1"/>
+          </p:cNvSpPr>
+          <p:nvPr>
+            <p:extLst>
+              <p:ext uri="{386F3935-93C4-4BCD-93E2-E3B085C9AB24}">
+                <p16:designElem xmlns:p16="http://schemas.microsoft.com/office/powerpoint/2015/main" val="1"/>
+              </p:ext>
+            </p:extLst>
+          </p:nvPr>
+        </p:nvSpPr>
+        <p:spPr>
+          <a:xfrm>
+            <a:off x="0" y="0"/>
+            <a:ext cx="12192000" cy="6858000"/>
+          </a:xfrm>
+          <a:prstGeom prst="rect">
+            <a:avLst/>
+          </a:prstGeom>
+          <a:ln>
+            <a:noFill/>
+          </a:ln>
+        </p:spPr>
+        <p:style>
+          <a:lnRef idx="2">
+            <a:schemeClr val="accent1">
+              <a:shade val="50000"/>
+            </a:schemeClr>
+          </a:lnRef>
+          <a:fillRef idx="1">
+            <a:schemeClr val="accent1"/>
+          </a:fillRef>
+          <a:effectRef idx="0">
+            <a:schemeClr val="accent1"/>
+          </a:effectRef>
+          <a:fontRef idx="minor">
+            <a:schemeClr val="lt1"/>
+          </a:fontRef>
+        </p:style>
+        <p:txBody>
+          <a:bodyPr rtlCol="0" anchor="ctr"/>
+          <a:lstStyle/>
+          <a:p>
+            <a:pPr algn="ctr"/>
+            <a:endParaRPr lang="en-US"/>
+          </a:p>
+        </p:txBody>
+      </p:sp>
+      <p:sp useBgFill="1">
+        <p:nvSpPr>
+          <p:cNvPr id="20" name="Rectangle 19">
+            <a:extLst>
+              <a:ext uri="{FF2B5EF4-FFF2-40B4-BE49-F238E27FC236}">
+                <a16:creationId xmlns:a16="http://schemas.microsoft.com/office/drawing/2014/main" id="{B3420082-9415-44EC-802E-C77D71D59C57}"/>
+              </a:ext>
+              <a:ext uri="{C183D7F6-B498-43B3-948B-1728B52AA6E4}">
+                <adec:decorative xmlns:adec="http://schemas.microsoft.com/office/drawing/2017/decorative" val="1"/>
+              </a:ext>
+            </a:extLst>
+          </p:cNvPr>
+          <p:cNvSpPr>
+            <a:spLocks noGrp="1" noRot="1" noChangeAspect="1" noMove="1" noResize="1" noEditPoints="1" noAdjustHandles="1" noChangeArrowheads="1" noChangeShapeType="1" noTextEdit="1"/>
+          </p:cNvSpPr>
+          <p:nvPr>
+            <p:extLst>
+              <p:ext uri="{386F3935-93C4-4BCD-93E2-E3B085C9AB24}">
+                <p16:designElem xmlns:p16="http://schemas.microsoft.com/office/powerpoint/2015/main" val="1"/>
+              </p:ext>
+            </p:extLst>
+          </p:nvPr>
+        </p:nvSpPr>
+        <p:spPr>
+          <a:xfrm>
+            <a:off x="558209" y="0"/>
+            <a:ext cx="11167447" cy="2018806"/>
+          </a:xfrm>
+          <a:prstGeom prst="rect">
+            <a:avLst/>
+          </a:prstGeom>
+          <a:ln w="12700">
+            <a:solidFill>
+              <a:schemeClr val="tx2">
+                <a:lumMod val="10000"/>
+                <a:lumOff val="90000"/>
+              </a:schemeClr>
+            </a:solidFill>
+          </a:ln>
+          <a:effectLst>
+            <a:outerShdw blurRad="50800" dist="38100" dir="2700000" algn="tl" rotWithShape="0">
+              <a:schemeClr val="bg1">
+                <a:lumMod val="85000"/>
+                <a:alpha val="30000"/>
+              </a:schemeClr>
+            </a:outerShdw>
+          </a:effectLst>
+        </p:spPr>
+        <p:style>
+          <a:lnRef idx="2">
+            <a:schemeClr val="accent1">
+              <a:shade val="50000"/>
+            </a:schemeClr>
+          </a:lnRef>
+          <a:fillRef idx="1">
+            <a:schemeClr val="accent1"/>
+          </a:fillRef>
+          <a:effectRef idx="0">
+            <a:schemeClr val="accent1"/>
+          </a:effectRef>
+          <a:fontRef idx="minor">
+            <a:schemeClr val="lt1"/>
+          </a:fontRef>
+        </p:style>
+        <p:txBody>
+          <a:bodyPr rtlCol="0" anchor="ctr"/>
+          <a:lstStyle/>
+          <a:p>
+            <a:pPr marL="0" marR="0" lvl="0" indent="0" algn="ctr" defTabSz="914400" rtl="0" eaLnBrk="1" fontAlgn="auto" latinLnBrk="0" hangingPunct="1">
+              <a:lnSpc>
+                <a:spcPct val="100000"/>
+              </a:lnSpc>
+              <a:spcBef>
+                <a:spcPts val="0"/>
+              </a:spcBef>
+              <a:spcAft>
+                <a:spcPts val="0"/>
+              </a:spcAft>
+              <a:buClrTx/>
+              <a:buSzTx/>
+              <a:buFontTx/>
+              <a:buNone/>
+              <a:tabLst/>
+              <a:defRPr/>
+            </a:pPr>
+            <a:endParaRPr kumimoji="0" lang="en-US" sz="1800" b="0" i="0" u="none" strike="noStrike" kern="1200" cap="none" spc="0" normalizeH="0" baseline="0" noProof="0">
+              <a:ln>
+                <a:noFill/>
+              </a:ln>
+              <a:solidFill>
+                <a:prstClr val="white"/>
+              </a:solidFill>
+              <a:effectLst/>
+              <a:uLnTx/>
+              <a:uFillTx/>
+              <a:latin typeface="Calibri" panose="020F0502020204030204"/>
+              <a:ea typeface="+mn-ea"/>
+              <a:cs typeface="+mn-cs"/>
+            </a:endParaRPr>
+          </a:p>
+        </p:txBody>
+      </p:sp>
+      <p:sp useBgFill="1">
+        <p:nvSpPr>
+          <p:cNvPr id="21" name="Rectangle 20">
+            <a:extLst>
+              <a:ext uri="{FF2B5EF4-FFF2-40B4-BE49-F238E27FC236}">
+                <a16:creationId xmlns:a16="http://schemas.microsoft.com/office/drawing/2014/main" id="{55A52C45-1FCB-4636-A80F-2849B8226C01}"/>
+              </a:ext>
+              <a:ext uri="{C183D7F6-B498-43B3-948B-1728B52AA6E4}">
+                <adec:decorative xmlns:adec="http://schemas.microsoft.com/office/drawing/2017/decorative" val="1"/>
+              </a:ext>
+            </a:extLst>
+          </p:cNvPr>
+          <p:cNvSpPr>
+            <a:spLocks noGrp="1" noRot="1" noChangeAspect="1" noMove="1" noResize="1" noEditPoints="1" noAdjustHandles="1" noChangeArrowheads="1" noChangeShapeType="1" noTextEdit="1"/>
+          </p:cNvSpPr>
+          <p:nvPr>
+            <p:extLst>
+              <p:ext uri="{386F3935-93C4-4BCD-93E2-E3B085C9AB24}">
+                <p16:designElem xmlns:p16="http://schemas.microsoft.com/office/powerpoint/2015/main" val="1"/>
+              </p:ext>
+            </p:extLst>
+          </p:nvPr>
+        </p:nvSpPr>
+        <p:spPr>
+          <a:xfrm>
+            <a:off x="566928" y="0"/>
+            <a:ext cx="11155680" cy="2011680"/>
+          </a:xfrm>
+          <a:prstGeom prst="rect">
+            <a:avLst/>
+          </a:prstGeom>
+          <a:ln w="12700">
+            <a:noFill/>
+          </a:ln>
+          <a:effectLst/>
+        </p:spPr>
+        <p:style>
+          <a:lnRef idx="2">
+            <a:schemeClr val="accent1">
+              <a:shade val="50000"/>
+            </a:schemeClr>
+          </a:lnRef>
+          <a:fillRef idx="1">
+            <a:schemeClr val="accent1"/>
+          </a:fillRef>
+          <a:effectRef idx="0">
+            <a:schemeClr val="accent1"/>
+          </a:effectRef>
+          <a:fontRef idx="minor">
+            <a:schemeClr val="lt1"/>
+          </a:fontRef>
+        </p:style>
+        <p:txBody>
+          <a:bodyPr rtlCol="0" anchor="ctr"/>
+          <a:lstStyle/>
+          <a:p>
+            <a:pPr marL="0" marR="0" lvl="0" indent="0" algn="ctr" defTabSz="914400" rtl="0" eaLnBrk="1" fontAlgn="auto" latinLnBrk="0" hangingPunct="1">
+              <a:lnSpc>
+                <a:spcPct val="100000"/>
+              </a:lnSpc>
+              <a:spcBef>
+                <a:spcPts val="0"/>
+              </a:spcBef>
+              <a:spcAft>
+                <a:spcPts val="0"/>
+              </a:spcAft>
+              <a:buClrTx/>
+              <a:buSzTx/>
+              <a:buFontTx/>
+              <a:buNone/>
+              <a:tabLst/>
+              <a:defRPr/>
+            </a:pPr>
+            <a:endParaRPr kumimoji="0" lang="en-US" sz="1800" b="0" i="0" u="none" strike="noStrike" kern="1200" cap="none" spc="0" normalizeH="0" baseline="0" noProof="0">
+              <a:ln>
+                <a:noFill/>
+              </a:ln>
+              <a:solidFill>
+                <a:prstClr val="white"/>
+              </a:solidFill>
+              <a:effectLst/>
+              <a:uLnTx/>
+              <a:uFillTx/>
+              <a:latin typeface="Calibri" panose="020F0502020204030204"/>
+              <a:ea typeface="+mn-ea"/>
+              <a:cs typeface="+mn-cs"/>
+            </a:endParaRPr>
+          </a:p>
+        </p:txBody>
+      </p:sp>
       <p:sp>
         <p:nvSpPr>
           <p:cNvPr id="2" name="Title 1">
             <a:extLst>
               <a:ext uri="{FF2B5EF4-FFF2-40B4-BE49-F238E27FC236}">
-                <a16:creationId xmlns:a16="http://schemas.microsoft.com/office/drawing/2014/main" id="{36444601-F555-811E-A9EA-4503408D7AFC}"/>
+                <a16:creationId xmlns:a16="http://schemas.microsoft.com/office/drawing/2014/main" id="{B1F27AAA-0039-6D78-FD96-CB6265B29678}"/>
               </a:ext>
             </a:extLst>
           </p:cNvPr>
@@ -8869,21 +9915,121 @@
             <p:ph type="title"/>
           </p:nvPr>
         </p:nvSpPr>
-        <p:spPr/>
+        <p:spPr>
+          <a:xfrm>
+            <a:off x="1115568" y="548640"/>
+            <a:ext cx="10168128" cy="1179576"/>
+          </a:xfrm>
+        </p:spPr>
         <p:txBody>
           <a:bodyPr>
-            <a:normAutofit fontScale="90000"/>
+            <a:normAutofit/>
           </a:bodyPr>
           <a:lstStyle/>
           <a:p>
             <a:r>
-              <a:rPr lang="en-US" b="1" dirty="0"/>
-              <a:t>Limitations</a:t>
+              <a:rPr lang="en-US" sz="3700" b="1" dirty="0"/>
+              <a:t>GDP Growth in Loudoun County</a:t>
             </a:r>
             <a:br>
-              <a:rPr lang="en-US" b="1" dirty="0"/>
+              <a:rPr lang="en-US" sz="3700" b="1" dirty="0"/>
             </a:br>
-            <a:endParaRPr lang="en-US" b="1" dirty="0"/>
+            <a:r>
+              <a:rPr lang="en-US" sz="3700" b="1" dirty="0"/>
+              <a:t> (2000-2023)</a:t>
+            </a:r>
+          </a:p>
+        </p:txBody>
+      </p:sp>
+      <p:sp>
+        <p:nvSpPr>
+          <p:cNvPr id="22" name="Rectangle 21">
+            <a:extLst>
+              <a:ext uri="{FF2B5EF4-FFF2-40B4-BE49-F238E27FC236}">
+                <a16:creationId xmlns:a16="http://schemas.microsoft.com/office/drawing/2014/main" id="{768EB4DD-3704-43AD-92B3-C4E0C6EA92CB}"/>
+              </a:ext>
+              <a:ext uri="{C183D7F6-B498-43B3-948B-1728B52AA6E4}">
+                <adec:decorative xmlns:adec="http://schemas.microsoft.com/office/drawing/2017/decorative" val="1"/>
+              </a:ext>
+            </a:extLst>
+          </p:cNvPr>
+          <p:cNvSpPr>
+            <a:spLocks noGrp="1" noRot="1" noChangeAspect="1" noMove="1" noResize="1" noEditPoints="1" noAdjustHandles="1" noChangeArrowheads="1" noChangeShapeType="1" noTextEdit="1"/>
+          </p:cNvSpPr>
+          <p:nvPr>
+            <p:extLst>
+              <p:ext uri="{386F3935-93C4-4BCD-93E2-E3B085C9AB24}">
+                <p16:designElem xmlns:p16="http://schemas.microsoft.com/office/powerpoint/2015/main" val="1"/>
+              </p:ext>
+            </p:extLst>
+          </p:nvPr>
+        </p:nvSpPr>
+        <p:spPr>
+          <a:xfrm>
+            <a:off x="498834" y="770799"/>
+            <a:ext cx="128016" cy="704088"/>
+          </a:xfrm>
+          <a:prstGeom prst="rect">
+            <a:avLst/>
+          </a:prstGeom>
+          <a:solidFill>
+            <a:schemeClr val="accent1"/>
+          </a:solidFill>
+          <a:ln>
+            <a:noFill/>
+          </a:ln>
+        </p:spPr>
+        <p:style>
+          <a:lnRef idx="2">
+            <a:schemeClr val="accent1">
+              <a:shade val="50000"/>
+            </a:schemeClr>
+          </a:lnRef>
+          <a:fillRef idx="1">
+            <a:schemeClr val="accent1"/>
+          </a:fillRef>
+          <a:effectRef idx="0">
+            <a:schemeClr val="accent1"/>
+          </a:effectRef>
+          <a:fontRef idx="minor">
+            <a:schemeClr val="lt1"/>
+          </a:fontRef>
+        </p:style>
+        <p:txBody>
+          <a:bodyPr rtlCol="0" anchor="ctr"/>
+          <a:lstStyle/>
+          <a:p>
+            <a:pPr marL="0" marR="0" lvl="0" indent="0" algn="ctr" defTabSz="914400" rtl="0" eaLnBrk="1" fontAlgn="auto" latinLnBrk="0" hangingPunct="1">
+              <a:lnSpc>
+                <a:spcPct val="100000"/>
+              </a:lnSpc>
+              <a:spcBef>
+                <a:spcPts val="0"/>
+              </a:spcBef>
+              <a:spcAft>
+                <a:spcPts val="0"/>
+              </a:spcAft>
+              <a:buClrTx/>
+              <a:buSzTx/>
+              <a:buFontTx/>
+              <a:buNone/>
+              <a:tabLst/>
+              <a:defRPr/>
+            </a:pPr>
+            <a:endParaRPr kumimoji="0" lang="en-US" sz="1800" b="0" i="0" u="none" strike="noStrike" kern="1200" cap="none" spc="0" normalizeH="0" baseline="0" noProof="0">
+              <a:ln>
+                <a:noFill/>
+              </a:ln>
+              <a:solidFill>
+                <a:prstClr val="white"/>
+              </a:solidFill>
+              <a:effectLst/>
+              <a:uLnTx/>
+              <a:uFillTx/>
+              <a:latin typeface="Calibri" panose="020F0502020204030204"/>
+              <a:ea typeface="+mn-ea"/>
+              <a:cs typeface="+mn-cs"/>
+            </a:endParaRPr>
           </a:p>
         </p:txBody>
       </p:sp>
@@ -8892,7 +10038,7 @@
           <p:cNvPr id="3" name="Content Placeholder 2">
             <a:extLst>
               <a:ext uri="{FF2B5EF4-FFF2-40B4-BE49-F238E27FC236}">
-                <a16:creationId xmlns:a16="http://schemas.microsoft.com/office/drawing/2014/main" id="{229B900A-04D0-5FCC-7687-BE33D12751FC}"/>
+                <a16:creationId xmlns:a16="http://schemas.microsoft.com/office/drawing/2014/main" id="{EAB6E3EA-AA87-8751-07D3-8CF343D77AEF}"/>
               </a:ext>
             </a:extLst>
           </p:cNvPr>
@@ -8903,61 +10049,101 @@
             <p:ph idx="1"/>
           </p:nvPr>
         </p:nvSpPr>
-        <p:spPr/>
-        <p:txBody>
-          <a:bodyPr/>
-          <a:lstStyle/>
-          <a:p>
-            <a:pPr>
-              <a:buFont typeface="Arial" panose="020B0604020202020204" pitchFamily="34" charset="0"/>
-              <a:buChar char="•"/>
-            </a:pPr>
-            <a:r>
-              <a:rPr lang="en-US" b="1" dirty="0"/>
-              <a:t>Data Gaps</a:t>
-            </a:r>
-            <a:r>
-              <a:rPr lang="en-US" dirty="0"/>
-              <a:t>: Missing or inconsistent data for certain years.</a:t>
-            </a:r>
-          </a:p>
-          <a:p>
-            <a:pPr>
-              <a:buFont typeface="Arial" panose="020B0604020202020204" pitchFamily="34" charset="0"/>
-              <a:buChar char="•"/>
-            </a:pPr>
-            <a:r>
-              <a:rPr lang="en-US" b="1" dirty="0"/>
-              <a:t>Assumptions</a:t>
-            </a:r>
-            <a:r>
-              <a:rPr lang="en-US" dirty="0"/>
-              <a:t>: Forecasting models are based on historical data trends.</a:t>
-            </a:r>
-          </a:p>
-          <a:p>
-            <a:pPr>
-              <a:buFont typeface="Arial" panose="020B0604020202020204" pitchFamily="34" charset="0"/>
-              <a:buChar char="•"/>
-            </a:pPr>
-            <a:r>
-              <a:rPr lang="en-US" b="1" dirty="0"/>
-              <a:t>Granularity</a:t>
-            </a:r>
-            <a:r>
-              <a:rPr lang="en-US" dirty="0"/>
-              <a:t>: Industry-specific insights may require additional detailed datasets.</a:t>
-            </a:r>
-          </a:p>
-          <a:p>
-            <a:endParaRPr lang="en-US" dirty="0"/>
-          </a:p>
-        </p:txBody>
-      </p:sp>
+        <p:spPr>
+          <a:xfrm>
+            <a:off x="8114373" y="1385553"/>
+            <a:ext cx="3882405" cy="5472447"/>
+          </a:xfrm>
+        </p:spPr>
+        <p:txBody>
+          <a:bodyPr anchor="ctr">
+            <a:normAutofit/>
+          </a:bodyPr>
+          <a:lstStyle/>
+          <a:p>
+            <a:r>
+              <a:rPr lang="en-US" sz="2000" dirty="0"/>
+              <a:t>GDP grew </a:t>
+            </a:r>
+            <a:r>
+              <a:rPr lang="en-US" sz="2000" b="1" dirty="0"/>
+              <a:t>186%</a:t>
+            </a:r>
+            <a:r>
+              <a:rPr lang="en-US" sz="2000" dirty="0"/>
+              <a:t> from $11.78B (2001) to $33.77B (2023).</a:t>
+            </a:r>
+          </a:p>
+          <a:p>
+            <a:r>
+              <a:rPr lang="en-US" sz="2000" b="1" dirty="0"/>
+              <a:t>2020 dip </a:t>
+            </a:r>
+            <a:r>
+              <a:rPr lang="en-US" sz="2000" dirty="0"/>
+              <a:t>highlights </a:t>
+            </a:r>
+            <a:r>
+              <a:rPr lang="en-US" sz="2000" b="1" dirty="0"/>
+              <a:t>COVID-19's economic impact</a:t>
+            </a:r>
+            <a:r>
+              <a:rPr lang="en-US" sz="2000" dirty="0"/>
+              <a:t> and vulnerabilities.</a:t>
+            </a:r>
+          </a:p>
+          <a:p>
+            <a:r>
+              <a:rPr lang="en-US" sz="2000" dirty="0"/>
+              <a:t>Growth driven by </a:t>
+            </a:r>
+            <a:r>
+              <a:rPr lang="en-US" sz="2000" b="1" dirty="0"/>
+              <a:t>high-value industries and economic expansion.</a:t>
+            </a:r>
+          </a:p>
+        </p:txBody>
+      </p:sp>
+      <p:pic>
+        <p:nvPicPr>
+          <p:cNvPr id="8" name="Picture 7" descr="A graph with a line going up&#10;&#10;Description automatically generated">
+            <a:extLst>
+              <a:ext uri="{FF2B5EF4-FFF2-40B4-BE49-F238E27FC236}">
+                <a16:creationId xmlns:a16="http://schemas.microsoft.com/office/drawing/2014/main" id="{65582906-19BA-E69D-5C0E-9C766D7D0FD5}"/>
+              </a:ext>
+            </a:extLst>
+          </p:cNvPr>
+          <p:cNvPicPr>
+            <a:picLocks noChangeAspect="1"/>
+          </p:cNvPicPr>
+          <p:nvPr/>
+        </p:nvPicPr>
+        <p:blipFill>
+          <a:blip r:embed="rId2">
+            <a:extLst>
+              <a:ext uri="{28A0092B-C50C-407E-A947-70E740481C1C}">
+                <a14:useLocalDpi xmlns:a14="http://schemas.microsoft.com/office/drawing/2010/main" val="0"/>
+              </a:ext>
+            </a:extLst>
+          </a:blip>
+          <a:stretch>
+            <a:fillRect/>
+          </a:stretch>
+        </p:blipFill>
+        <p:spPr>
+          <a:xfrm>
+            <a:off x="195222" y="2276856"/>
+            <a:ext cx="7737014" cy="3667095"/>
+          </a:xfrm>
+          <a:prstGeom prst="rect">
+            <a:avLst/>
+          </a:prstGeom>
+        </p:spPr>
+      </p:pic>
     </p:spTree>
     <p:extLst>
       <p:ext uri="{BB962C8B-B14F-4D97-AF65-F5344CB8AC3E}">
-        <p14:creationId xmlns:p14="http://schemas.microsoft.com/office/powerpoint/2010/main" val="4223552985"/>
+        <p14:creationId xmlns:p14="http://schemas.microsoft.com/office/powerpoint/2010/main" val="2372119004"/>
       </p:ext>
     </p:extLst>
   </p:cSld>
@@ -8994,10 +10180,10 @@
       </p:grpSpPr>
       <p:sp useBgFill="1">
         <p:nvSpPr>
-          <p:cNvPr id="19" name="Rectangle 18">
-            <a:extLst>
-              <a:ext uri="{FF2B5EF4-FFF2-40B4-BE49-F238E27FC236}">
-                <a16:creationId xmlns:a16="http://schemas.microsoft.com/office/drawing/2014/main" id="{84ECDE7A-6944-466D-8FFE-149A29BA6BAE}"/>
+          <p:cNvPr id="69" name="Rectangle 68">
+            <a:extLst>
+              <a:ext uri="{FF2B5EF4-FFF2-40B4-BE49-F238E27FC236}">
+                <a16:creationId xmlns:a16="http://schemas.microsoft.com/office/drawing/2014/main" id="{0B9EE3F3-89B7-43C3-8651-C4C96830993D}"/>
               </a:ext>
               <a:ext uri="{C183D7F6-B498-43B3-948B-1728B52AA6E4}">
                 <adec:decorative xmlns:adec="http://schemas.microsoft.com/office/drawing/2017/decorative" val="1"/>
@@ -9052,12 +10238,47 @@
           </a:p>
         </p:txBody>
       </p:sp>
-      <p:sp useBgFill="1">
-        <p:nvSpPr>
-          <p:cNvPr id="20" name="Rectangle 19">
-            <a:extLst>
-              <a:ext uri="{FF2B5EF4-FFF2-40B4-BE49-F238E27FC236}">
-                <a16:creationId xmlns:a16="http://schemas.microsoft.com/office/drawing/2014/main" id="{B3420082-9415-44EC-802E-C77D71D59C57}"/>
+      <p:sp>
+        <p:nvSpPr>
+          <p:cNvPr id="2" name="Title 1">
+            <a:extLst>
+              <a:ext uri="{FF2B5EF4-FFF2-40B4-BE49-F238E27FC236}">
+                <a16:creationId xmlns:a16="http://schemas.microsoft.com/office/drawing/2014/main" id="{1ADCE0A2-9D1B-6924-50D5-9B7CA9871C85}"/>
+              </a:ext>
+            </a:extLst>
+          </p:cNvPr>
+          <p:cNvSpPr>
+            <a:spLocks noGrp="1"/>
+          </p:cNvSpPr>
+          <p:nvPr>
+            <p:ph type="title"/>
+          </p:nvPr>
+        </p:nvSpPr>
+        <p:spPr>
+          <a:xfrm>
+            <a:off x="411480" y="991443"/>
+            <a:ext cx="4443154" cy="1087819"/>
+          </a:xfrm>
+        </p:spPr>
+        <p:txBody>
+          <a:bodyPr anchor="b">
+            <a:normAutofit fontScale="90000"/>
+          </a:bodyPr>
+          <a:lstStyle/>
+          <a:p>
+            <a:r>
+              <a:rPr lang="en-US" sz="3400" b="1" dirty="0"/>
+              <a:t>Employment by Industry (2020-2023)</a:t>
+            </a:r>
+          </a:p>
+        </p:txBody>
+      </p:sp>
+      <p:sp>
+        <p:nvSpPr>
+          <p:cNvPr id="71" name="Rectangle 70">
+            <a:extLst>
+              <a:ext uri="{FF2B5EF4-FFF2-40B4-BE49-F238E27FC236}">
+                <a16:creationId xmlns:a16="http://schemas.microsoft.com/office/drawing/2014/main" id="{33AE4636-AEEC-45D6-84D4-7AC2DA48ECF8}"/>
               </a:ext>
               <a:ext uri="{C183D7F6-B498-43B3-948B-1728B52AA6E4}">
                 <adec:decorative xmlns:adec="http://schemas.microsoft.com/office/drawing/2017/decorative" val="1"/>
@@ -9076,29 +10297,19 @@
           </p:nvPr>
         </p:nvSpPr>
         <p:spPr>
-          <a:xfrm>
-            <a:off x="558209" y="0"/>
-            <a:ext cx="11167447" cy="2018806"/>
+          <a:xfrm rot="5400000">
+            <a:off x="649223" y="387939"/>
+            <a:ext cx="73152" cy="548640"/>
           </a:xfrm>
           <a:prstGeom prst="rect">
             <a:avLst/>
           </a:prstGeom>
-          <a:ln w="12700">
-            <a:solidFill>
-              <a:schemeClr val="tx2">
-                <a:lumMod val="10000"/>
-                <a:lumOff val="90000"/>
-              </a:schemeClr>
-            </a:solidFill>
+          <a:solidFill>
+            <a:schemeClr val="accent1"/>
+          </a:solidFill>
+          <a:ln>
+            <a:noFill/>
           </a:ln>
-          <a:effectLst>
-            <a:outerShdw blurRad="50800" dist="38100" dir="2700000" algn="tl" rotWithShape="0">
-              <a:schemeClr val="bg1">
-                <a:lumMod val="85000"/>
-                <a:alpha val="30000"/>
-              </a:schemeClr>
-            </a:outerShdw>
-          </a:effectLst>
         </p:spPr>
         <p:style>
           <a:lnRef idx="2">
@@ -9154,12 +10365,12 @@
           </a:p>
         </p:txBody>
       </p:sp>
-      <p:sp useBgFill="1">
-        <p:nvSpPr>
-          <p:cNvPr id="21" name="Rectangle 20">
-            <a:extLst>
-              <a:ext uri="{FF2B5EF4-FFF2-40B4-BE49-F238E27FC236}">
-                <a16:creationId xmlns:a16="http://schemas.microsoft.com/office/drawing/2014/main" id="{55A52C45-1FCB-4636-A80F-2849B8226C01}"/>
+      <p:sp>
+        <p:nvSpPr>
+          <p:cNvPr id="73" name="Rectangle 72">
+            <a:extLst>
+              <a:ext uri="{FF2B5EF4-FFF2-40B4-BE49-F238E27FC236}">
+                <a16:creationId xmlns:a16="http://schemas.microsoft.com/office/drawing/2014/main" id="{8D9CE0F4-2EB2-4F1F-8AAC-DB3571D9FE10}"/>
               </a:ext>
               <a:ext uri="{C183D7F6-B498-43B3-948B-1728B52AA6E4}">
                 <adec:decorative xmlns:adec="http://schemas.microsoft.com/office/drawing/2017/decorative" val="1"/>
@@ -9179,13 +10390,19 @@
         </p:nvSpPr>
         <p:spPr>
           <a:xfrm>
-            <a:off x="566928" y="0"/>
-            <a:ext cx="11155680" cy="2011680"/>
+            <a:off x="411480" y="2285541"/>
+            <a:ext cx="4389120" cy="18288"/>
           </a:xfrm>
           <a:prstGeom prst="rect">
             <a:avLst/>
           </a:prstGeom>
-          <a:ln w="12700">
+          <a:solidFill>
+            <a:schemeClr val="tx2">
+              <a:lumMod val="25000"/>
+              <a:lumOff val="75000"/>
+            </a:schemeClr>
+          </a:solidFill>
+          <a:ln w="3175">
             <a:noFill/>
           </a:ln>
           <a:effectLst/>
@@ -9246,10 +10463,10 @@
       </p:sp>
       <p:sp>
         <p:nvSpPr>
-          <p:cNvPr id="2" name="Title 1">
-            <a:extLst>
-              <a:ext uri="{FF2B5EF4-FFF2-40B4-BE49-F238E27FC236}">
-                <a16:creationId xmlns:a16="http://schemas.microsoft.com/office/drawing/2014/main" id="{B1F27AAA-0039-6D78-FD96-CB6265B29678}"/>
+          <p:cNvPr id="3" name="Content Placeholder 2">
+            <a:extLst>
+              <a:ext uri="{FF2B5EF4-FFF2-40B4-BE49-F238E27FC236}">
+                <a16:creationId xmlns:a16="http://schemas.microsoft.com/office/drawing/2014/main" id="{0023B7CA-7DFA-CA21-3804-C95BF6E3C746}"/>
               </a:ext>
             </a:extLst>
           </p:cNvPr>
@@ -9257,13 +10474,13 @@
             <a:spLocks noGrp="1"/>
           </p:cNvSpPr>
           <p:nvPr>
-            <p:ph type="title"/>
+            <p:ph idx="1"/>
           </p:nvPr>
         </p:nvSpPr>
         <p:spPr>
           <a:xfrm>
-            <a:off x="1115568" y="548640"/>
-            <a:ext cx="10168128" cy="1179576"/>
+            <a:off x="205740" y="2582236"/>
+            <a:ext cx="4626864" cy="3548223"/>
           </a:xfrm>
         </p:spPr>
         <p:txBody>
@@ -9273,164 +10490,66 @@
           <a:lstStyle/>
           <a:p>
             <a:r>
-              <a:rPr lang="en-US" sz="3700" b="1" dirty="0"/>
-              <a:t>GDP Growth in Loudoun County</a:t>
-            </a:r>
-            <a:br>
-              <a:rPr lang="en-US" sz="3700" b="1" dirty="0"/>
-            </a:br>
-            <a:r>
-              <a:rPr lang="en-US" sz="3700" b="1" dirty="0"/>
-              <a:t> (2000-2023)</a:t>
-            </a:r>
-          </a:p>
-        </p:txBody>
-      </p:sp>
-      <p:sp>
-        <p:nvSpPr>
-          <p:cNvPr id="22" name="Rectangle 21">
-            <a:extLst>
-              <a:ext uri="{FF2B5EF4-FFF2-40B4-BE49-F238E27FC236}">
-                <a16:creationId xmlns:a16="http://schemas.microsoft.com/office/drawing/2014/main" id="{768EB4DD-3704-43AD-92B3-C4E0C6EA92CB}"/>
-              </a:ext>
-              <a:ext uri="{C183D7F6-B498-43B3-948B-1728B52AA6E4}">
-                <adec:decorative xmlns:adec="http://schemas.microsoft.com/office/drawing/2017/decorative" val="1"/>
-              </a:ext>
-            </a:extLst>
-          </p:cNvPr>
-          <p:cNvSpPr>
-            <a:spLocks noGrp="1" noRot="1" noChangeAspect="1" noMove="1" noResize="1" noEditPoints="1" noAdjustHandles="1" noChangeArrowheads="1" noChangeShapeType="1" noTextEdit="1"/>
-          </p:cNvSpPr>
-          <p:nvPr>
-            <p:extLst>
-              <p:ext uri="{386F3935-93C4-4BCD-93E2-E3B085C9AB24}">
-                <p16:designElem xmlns:p16="http://schemas.microsoft.com/office/powerpoint/2015/main" val="1"/>
-              </p:ext>
-            </p:extLst>
-          </p:nvPr>
-        </p:nvSpPr>
-        <p:spPr>
-          <a:xfrm>
-            <a:off x="498834" y="770799"/>
-            <a:ext cx="128016" cy="704088"/>
-          </a:xfrm>
-          <a:prstGeom prst="rect">
-            <a:avLst/>
-          </a:prstGeom>
-          <a:solidFill>
-            <a:schemeClr val="accent1"/>
-          </a:solidFill>
-          <a:ln>
-            <a:noFill/>
-          </a:ln>
-        </p:spPr>
-        <p:style>
-          <a:lnRef idx="2">
-            <a:schemeClr val="accent1">
-              <a:shade val="50000"/>
-            </a:schemeClr>
-          </a:lnRef>
-          <a:fillRef idx="1">
-            <a:schemeClr val="accent1"/>
-          </a:fillRef>
-          <a:effectRef idx="0">
-            <a:schemeClr val="accent1"/>
-          </a:effectRef>
-          <a:fontRef idx="minor">
-            <a:schemeClr val="lt1"/>
-          </a:fontRef>
-        </p:style>
-        <p:txBody>
-          <a:bodyPr rtlCol="0" anchor="ctr"/>
-          <a:lstStyle/>
-          <a:p>
-            <a:pPr marL="0" marR="0" lvl="0" indent="0" algn="ctr" defTabSz="914400" rtl="0" eaLnBrk="1" fontAlgn="auto" latinLnBrk="0" hangingPunct="1">
-              <a:lnSpc>
-                <a:spcPct val="100000"/>
-              </a:lnSpc>
-              <a:spcBef>
-                <a:spcPts val="0"/>
-              </a:spcBef>
-              <a:spcAft>
-                <a:spcPts val="0"/>
-              </a:spcAft>
-              <a:buClrTx/>
-              <a:buSzTx/>
-              <a:buFontTx/>
-              <a:buNone/>
-              <a:tabLst/>
-              <a:defRPr/>
-            </a:pPr>
-            <a:endParaRPr kumimoji="0" lang="en-US" sz="1800" b="0" i="0" u="none" strike="noStrike" kern="1200" cap="none" spc="0" normalizeH="0" baseline="0" noProof="0">
-              <a:ln>
-                <a:noFill/>
-              </a:ln>
-              <a:solidFill>
-                <a:prstClr val="white"/>
-              </a:solidFill>
-              <a:effectLst/>
-              <a:uLnTx/>
-              <a:uFillTx/>
-              <a:latin typeface="Calibri" panose="020F0502020204030204"/>
-              <a:ea typeface="+mn-ea"/>
-              <a:cs typeface="+mn-cs"/>
-            </a:endParaRPr>
-          </a:p>
-        </p:txBody>
-      </p:sp>
-      <p:sp>
-        <p:nvSpPr>
-          <p:cNvPr id="3" name="Content Placeholder 2">
-            <a:extLst>
-              <a:ext uri="{FF2B5EF4-FFF2-40B4-BE49-F238E27FC236}">
-                <a16:creationId xmlns:a16="http://schemas.microsoft.com/office/drawing/2014/main" id="{EAB6E3EA-AA87-8751-07D3-8CF343D77AEF}"/>
-              </a:ext>
-            </a:extLst>
-          </p:cNvPr>
-          <p:cNvSpPr>
-            <a:spLocks noGrp="1"/>
-          </p:cNvSpPr>
-          <p:nvPr>
-            <p:ph idx="1"/>
-          </p:nvPr>
-        </p:nvSpPr>
-        <p:spPr>
-          <a:xfrm>
-            <a:off x="7921297" y="2455771"/>
-            <a:ext cx="3872243" cy="3694176"/>
-          </a:xfrm>
-        </p:spPr>
-        <p:txBody>
-          <a:bodyPr anchor="ctr">
-            <a:normAutofit/>
-          </a:bodyPr>
-          <a:lstStyle/>
-          <a:p>
-            <a:r>
-              <a:rPr lang="en-US" sz="1800" dirty="0"/>
-              <a:t>Loudoun County’s GDP grew 186%, from $11.78 billion in 2001 to $33.77 billion in 2023.</a:t>
-            </a:r>
-          </a:p>
-          <a:p>
-            <a:r>
-              <a:rPr lang="en-US" sz="1800" dirty="0"/>
-              <a:t>The slight GDP decrease in 2020 reflects the economic impact of COVID-19, highlighting vulnerabilities during global disruptions.</a:t>
-            </a:r>
-          </a:p>
-          <a:p>
-            <a:r>
-              <a:rPr lang="en-US" sz="1800" dirty="0"/>
-              <a:t>Consistent growth reflects the county's expanding economy, driven by high-value industries.</a:t>
+              <a:rPr lang="en-US" sz="2000" b="1" dirty="0"/>
+              <a:t>Service-Providing</a:t>
+            </a:r>
+            <a:r>
+              <a:rPr lang="en-US" sz="2000" dirty="0"/>
+              <a:t> </a:t>
+            </a:r>
+            <a:r>
+              <a:rPr lang="en-US" sz="2000" b="1" dirty="0"/>
+              <a:t>Industries dominate</a:t>
+            </a:r>
+            <a:r>
+              <a:rPr lang="en-US" sz="2000" dirty="0"/>
+              <a:t>, led by Education, Health, and Professional Services.</a:t>
+            </a:r>
+          </a:p>
+          <a:p>
+            <a:r>
+              <a:rPr lang="en-US" sz="2000" dirty="0"/>
+              <a:t>Steady employment </a:t>
+            </a:r>
+            <a:r>
+              <a:rPr lang="en-US" sz="2000" b="1" dirty="0"/>
+              <a:t>growth</a:t>
+            </a:r>
+            <a:r>
+              <a:rPr lang="en-US" sz="2000" dirty="0"/>
+              <a:t> highlights </a:t>
+            </a:r>
+            <a:r>
+              <a:rPr lang="en-US" sz="2000" b="1" dirty="0"/>
+              <a:t>post-pandemic recovery</a:t>
+            </a:r>
+            <a:r>
+              <a:rPr lang="en-US" sz="2000" dirty="0"/>
+              <a:t>.</a:t>
+            </a:r>
+          </a:p>
+          <a:p>
+            <a:r>
+              <a:rPr lang="en-US" sz="2000" dirty="0"/>
+              <a:t>Trade and Utilities remain </a:t>
+            </a:r>
+            <a:r>
+              <a:rPr lang="en-US" sz="2000" b="1" dirty="0"/>
+              <a:t>stable</a:t>
+            </a:r>
+            <a:r>
+              <a:rPr lang="en-US" sz="2000" dirty="0"/>
+              <a:t>, ensuring economic support.</a:t>
             </a:r>
           </a:p>
         </p:txBody>
       </p:sp>
       <p:pic>
         <p:nvPicPr>
-          <p:cNvPr id="8" name="Picture 7" descr="A graph with a line going up&#10;&#10;Description automatically generated">
-            <a:extLst>
-              <a:ext uri="{FF2B5EF4-FFF2-40B4-BE49-F238E27FC236}">
-                <a16:creationId xmlns:a16="http://schemas.microsoft.com/office/drawing/2014/main" id="{65582906-19BA-E69D-5C0E-9C766D7D0FD5}"/>
+          <p:cNvPr id="10" name="Picture 9">
+            <a:extLst>
+              <a:ext uri="{FF2B5EF4-FFF2-40B4-BE49-F238E27FC236}">
+                <a16:creationId xmlns:a16="http://schemas.microsoft.com/office/drawing/2014/main" id="{2B1AE6C3-815F-59A9-7DA8-6A2045ACF509}"/>
               </a:ext>
             </a:extLst>
           </p:cNvPr>
@@ -9440,21 +10559,15 @@
           <p:nvPr/>
         </p:nvPicPr>
         <p:blipFill>
-          <a:blip r:embed="rId2">
-            <a:extLst>
-              <a:ext uri="{28A0092B-C50C-407E-A947-70E740481C1C}">
-                <a14:useLocalDpi xmlns:a14="http://schemas.microsoft.com/office/drawing/2010/main" val="0"/>
-              </a:ext>
-            </a:extLst>
-          </a:blip>
+          <a:blip r:embed="rId2"/>
           <a:stretch>
             <a:fillRect/>
           </a:stretch>
         </p:blipFill>
         <p:spPr>
           <a:xfrm>
-            <a:off x="195222" y="2276856"/>
-            <a:ext cx="7737014" cy="3667095"/>
+            <a:off x="5038344" y="1262503"/>
+            <a:ext cx="7005090" cy="4333625"/>
           </a:xfrm>
           <a:prstGeom prst="rect">
             <a:avLst/>
@@ -9464,7 +10577,7 @@
     </p:spTree>
     <p:extLst>
       <p:ext uri="{BB962C8B-B14F-4D97-AF65-F5344CB8AC3E}">
-        <p14:creationId xmlns:p14="http://schemas.microsoft.com/office/powerpoint/2010/main" val="2372119004"/>
+        <p14:creationId xmlns:p14="http://schemas.microsoft.com/office/powerpoint/2010/main" val="2704509593"/>
       </p:ext>
     </p:extLst>
   </p:cSld>
@@ -9501,10 +10614,10 @@
       </p:grpSpPr>
       <p:sp useBgFill="1">
         <p:nvSpPr>
-          <p:cNvPr id="69" name="Rectangle 68">
-            <a:extLst>
-              <a:ext uri="{FF2B5EF4-FFF2-40B4-BE49-F238E27FC236}">
-                <a16:creationId xmlns:a16="http://schemas.microsoft.com/office/drawing/2014/main" id="{0B9EE3F3-89B7-43C3-8651-C4C96830993D}"/>
+          <p:cNvPr id="10" name="Rectangle 9">
+            <a:extLst>
+              <a:ext uri="{FF2B5EF4-FFF2-40B4-BE49-F238E27FC236}">
+                <a16:creationId xmlns:a16="http://schemas.microsoft.com/office/drawing/2014/main" id="{84ECDE7A-6944-466D-8FFE-149A29BA6BAE}"/>
               </a:ext>
               <a:ext uri="{C183D7F6-B498-43B3-948B-1728B52AA6E4}">
                 <adec:decorative xmlns:adec="http://schemas.microsoft.com/office/drawing/2017/decorative" val="1"/>
@@ -9559,47 +10672,12 @@
           </a:p>
         </p:txBody>
       </p:sp>
-      <p:sp>
-        <p:nvSpPr>
-          <p:cNvPr id="2" name="Title 1">
-            <a:extLst>
-              <a:ext uri="{FF2B5EF4-FFF2-40B4-BE49-F238E27FC236}">
-                <a16:creationId xmlns:a16="http://schemas.microsoft.com/office/drawing/2014/main" id="{1ADCE0A2-9D1B-6924-50D5-9B7CA9871C85}"/>
-              </a:ext>
-            </a:extLst>
-          </p:cNvPr>
-          <p:cNvSpPr>
-            <a:spLocks noGrp="1"/>
-          </p:cNvSpPr>
-          <p:nvPr>
-            <p:ph type="title"/>
-          </p:nvPr>
-        </p:nvSpPr>
-        <p:spPr>
-          <a:xfrm>
-            <a:off x="411480" y="991443"/>
-            <a:ext cx="4443154" cy="1087819"/>
-          </a:xfrm>
-        </p:spPr>
-        <p:txBody>
-          <a:bodyPr anchor="b">
-            <a:normAutofit/>
-          </a:bodyPr>
-          <a:lstStyle/>
-          <a:p>
-            <a:r>
-              <a:rPr lang="en-US" sz="3400" b="1" dirty="0"/>
-              <a:t>Employment by Industry</a:t>
-            </a:r>
-          </a:p>
-        </p:txBody>
-      </p:sp>
-      <p:sp>
-        <p:nvSpPr>
-          <p:cNvPr id="71" name="Rectangle 70">
-            <a:extLst>
-              <a:ext uri="{FF2B5EF4-FFF2-40B4-BE49-F238E27FC236}">
-                <a16:creationId xmlns:a16="http://schemas.microsoft.com/office/drawing/2014/main" id="{33AE4636-AEEC-45D6-84D4-7AC2DA48ECF8}"/>
+      <p:sp useBgFill="1">
+        <p:nvSpPr>
+          <p:cNvPr id="12" name="Rectangle 11">
+            <a:extLst>
+              <a:ext uri="{FF2B5EF4-FFF2-40B4-BE49-F238E27FC236}">
+                <a16:creationId xmlns:a16="http://schemas.microsoft.com/office/drawing/2014/main" id="{B3420082-9415-44EC-802E-C77D71D59C57}"/>
               </a:ext>
               <a:ext uri="{C183D7F6-B498-43B3-948B-1728B52AA6E4}">
                 <adec:decorative xmlns:adec="http://schemas.microsoft.com/office/drawing/2017/decorative" val="1"/>
@@ -9618,19 +10696,29 @@
           </p:nvPr>
         </p:nvSpPr>
         <p:spPr>
-          <a:xfrm rot="5400000">
-            <a:off x="649223" y="387939"/>
-            <a:ext cx="73152" cy="548640"/>
+          <a:xfrm>
+            <a:off x="558209" y="0"/>
+            <a:ext cx="11167447" cy="2018806"/>
           </a:xfrm>
           <a:prstGeom prst="rect">
             <a:avLst/>
           </a:prstGeom>
-          <a:solidFill>
-            <a:schemeClr val="accent1"/>
-          </a:solidFill>
-          <a:ln>
-            <a:noFill/>
+          <a:ln w="12700">
+            <a:solidFill>
+              <a:schemeClr val="tx2">
+                <a:lumMod val="10000"/>
+                <a:lumOff val="90000"/>
+              </a:schemeClr>
+            </a:solidFill>
           </a:ln>
+          <a:effectLst>
+            <a:outerShdw blurRad="50800" dist="38100" dir="2700000" algn="tl" rotWithShape="0">
+              <a:schemeClr val="bg1">
+                <a:lumMod val="85000"/>
+                <a:alpha val="30000"/>
+              </a:schemeClr>
+            </a:outerShdw>
+          </a:effectLst>
         </p:spPr>
         <p:style>
           <a:lnRef idx="2">
@@ -9686,12 +10774,12 @@
           </a:p>
         </p:txBody>
       </p:sp>
-      <p:sp>
-        <p:nvSpPr>
-          <p:cNvPr id="73" name="Rectangle 72">
-            <a:extLst>
-              <a:ext uri="{FF2B5EF4-FFF2-40B4-BE49-F238E27FC236}">
-                <a16:creationId xmlns:a16="http://schemas.microsoft.com/office/drawing/2014/main" id="{8D9CE0F4-2EB2-4F1F-8AAC-DB3571D9FE10}"/>
+      <p:sp useBgFill="1">
+        <p:nvSpPr>
+          <p:cNvPr id="14" name="Rectangle 13">
+            <a:extLst>
+              <a:ext uri="{FF2B5EF4-FFF2-40B4-BE49-F238E27FC236}">
+                <a16:creationId xmlns:a16="http://schemas.microsoft.com/office/drawing/2014/main" id="{55A52C45-1FCB-4636-A80F-2849B8226C01}"/>
               </a:ext>
               <a:ext uri="{C183D7F6-B498-43B3-948B-1728B52AA6E4}">
                 <adec:decorative xmlns:adec="http://schemas.microsoft.com/office/drawing/2017/decorative" val="1"/>
@@ -9711,19 +10799,13 @@
         </p:nvSpPr>
         <p:spPr>
           <a:xfrm>
-            <a:off x="411480" y="2285541"/>
-            <a:ext cx="4389120" cy="18288"/>
+            <a:off x="566928" y="0"/>
+            <a:ext cx="11155680" cy="2011680"/>
           </a:xfrm>
           <a:prstGeom prst="rect">
             <a:avLst/>
           </a:prstGeom>
-          <a:solidFill>
-            <a:schemeClr val="tx2">
-              <a:lumMod val="25000"/>
-              <a:lumOff val="75000"/>
-            </a:schemeClr>
-          </a:solidFill>
-          <a:ln w="3175">
+          <a:ln w="12700">
             <a:noFill/>
           </a:ln>
           <a:effectLst/>
@@ -9784,10 +10866,10 @@
       </p:sp>
       <p:sp>
         <p:nvSpPr>
-          <p:cNvPr id="3" name="Content Placeholder 2">
-            <a:extLst>
-              <a:ext uri="{FF2B5EF4-FFF2-40B4-BE49-F238E27FC236}">
-                <a16:creationId xmlns:a16="http://schemas.microsoft.com/office/drawing/2014/main" id="{0023B7CA-7DFA-CA21-3804-C95BF6E3C746}"/>
+          <p:cNvPr id="2" name="Title 1">
+            <a:extLst>
+              <a:ext uri="{FF2B5EF4-FFF2-40B4-BE49-F238E27FC236}">
+                <a16:creationId xmlns:a16="http://schemas.microsoft.com/office/drawing/2014/main" id="{6482E8E1-AAE1-3937-4E3D-3A0340E98ECC}"/>
               </a:ext>
             </a:extLst>
           </p:cNvPr>
@@ -9795,13 +10877,13 @@
             <a:spLocks noGrp="1"/>
           </p:cNvSpPr>
           <p:nvPr>
-            <p:ph idx="1"/>
+            <p:ph type="title"/>
           </p:nvPr>
         </p:nvSpPr>
         <p:spPr>
           <a:xfrm>
-            <a:off x="205740" y="2582236"/>
-            <a:ext cx="4626864" cy="3548223"/>
+            <a:off x="1115568" y="548640"/>
+            <a:ext cx="10168128" cy="1179576"/>
           </a:xfrm>
         </p:spPr>
         <p:txBody>
@@ -9811,98 +10893,18 @@
           <a:lstStyle/>
           <a:p>
             <a:r>
-              <a:rPr lang="en-US" sz="1700" dirty="0"/>
-              <a:t>Service-Providing Industries dominate, with strong contributions from Education, Health Services, and Professional Services.</a:t>
-            </a:r>
-          </a:p>
-          <a:p>
-            <a:r>
-              <a:rPr lang="en-US" sz="1700" dirty="0"/>
-              <a:t>Employment increased steadily, reflecting post-pandemic recovery and growth.</a:t>
-            </a:r>
-          </a:p>
-          <a:p>
-            <a:r>
-              <a:rPr lang="en-US" sz="1700" dirty="0"/>
-              <a:t>Trade, Transportation, and Utilities remained consistent, supporting economic stability.</a:t>
-            </a:r>
-          </a:p>
-        </p:txBody>
-      </p:sp>
-      <p:pic>
-        <p:nvPicPr>
-          <p:cNvPr id="10" name="Picture 9">
-            <a:extLst>
-              <a:ext uri="{FF2B5EF4-FFF2-40B4-BE49-F238E27FC236}">
-                <a16:creationId xmlns:a16="http://schemas.microsoft.com/office/drawing/2014/main" id="{2B1AE6C3-815F-59A9-7DA8-6A2045ACF509}"/>
-              </a:ext>
-            </a:extLst>
-          </p:cNvPr>
-          <p:cNvPicPr>
-            <a:picLocks noChangeAspect="1"/>
-          </p:cNvPicPr>
-          <p:nvPr/>
-        </p:nvPicPr>
-        <p:blipFill>
-          <a:blip r:embed="rId2"/>
-          <a:stretch>
-            <a:fillRect/>
-          </a:stretch>
-        </p:blipFill>
-        <p:spPr>
-          <a:xfrm>
-            <a:off x="5038344" y="1262503"/>
-            <a:ext cx="7005090" cy="4333625"/>
-          </a:xfrm>
-          <a:prstGeom prst="rect">
-            <a:avLst/>
-          </a:prstGeom>
-        </p:spPr>
-      </p:pic>
-    </p:spTree>
-    <p:extLst>
-      <p:ext uri="{BB962C8B-B14F-4D97-AF65-F5344CB8AC3E}">
-        <p14:creationId xmlns:p14="http://schemas.microsoft.com/office/powerpoint/2010/main" val="2704509593"/>
-      </p:ext>
-    </p:extLst>
-  </p:cSld>
-  <p:clrMapOvr>
-    <a:masterClrMapping/>
-  </p:clrMapOvr>
-</p:sld>
-</file>
-
-<file path=ppt/slides/slide7.xml><?xml version="1.0" encoding="utf-8"?>
-<p:sld xmlns:a="http://schemas.openxmlformats.org/drawingml/2006/main" xmlns:r="http://schemas.openxmlformats.org/officeDocument/2006/relationships" xmlns:p="http://schemas.openxmlformats.org/presentationml/2006/main">
-  <p:cSld>
-    <p:bg>
-      <p:bgPr>
-        <a:solidFill>
-          <a:schemeClr val="bg1"/>
-        </a:solidFill>
-        <a:effectLst/>
-      </p:bgPr>
-    </p:bg>
-    <p:spTree>
-      <p:nvGrpSpPr>
-        <p:cNvPr id="1" name=""/>
-        <p:cNvGrpSpPr/>
-        <p:nvPr/>
-      </p:nvGrpSpPr>
-      <p:grpSpPr>
-        <a:xfrm>
-          <a:off x="0" y="0"/>
-          <a:ext cx="0" cy="0"/>
-          <a:chOff x="0" y="0"/>
-          <a:chExt cx="0" cy="0"/>
-        </a:xfrm>
-      </p:grpSpPr>
-      <p:sp useBgFill="1">
-        <p:nvSpPr>
-          <p:cNvPr id="10" name="Rectangle 9">
-            <a:extLst>
-              <a:ext uri="{FF2B5EF4-FFF2-40B4-BE49-F238E27FC236}">
-                <a16:creationId xmlns:a16="http://schemas.microsoft.com/office/drawing/2014/main" id="{84ECDE7A-6944-466D-8FFE-149A29BA6BAE}"/>
+              <a:rPr lang="en-US" sz="3700" b="1" dirty="0"/>
+              <a:t>Median Housing Costs in Loudoun County (2010-2023)</a:t>
+            </a:r>
+          </a:p>
+        </p:txBody>
+      </p:sp>
+      <p:sp>
+        <p:nvSpPr>
+          <p:cNvPr id="16" name="Rectangle 15">
+            <a:extLst>
+              <a:ext uri="{FF2B5EF4-FFF2-40B4-BE49-F238E27FC236}">
+                <a16:creationId xmlns:a16="http://schemas.microsoft.com/office/drawing/2014/main" id="{768EB4DD-3704-43AD-92B3-C4E0C6EA92CB}"/>
               </a:ext>
               <a:ext uri="{C183D7F6-B498-43B3-948B-1728B52AA6E4}">
                 <adec:decorative xmlns:adec="http://schemas.microsoft.com/office/drawing/2017/decorative" val="1"/>
@@ -9922,88 +10924,18 @@
         </p:nvSpPr>
         <p:spPr>
           <a:xfrm>
-            <a:off x="0" y="0"/>
-            <a:ext cx="12192000" cy="6858000"/>
+            <a:off x="498834" y="770799"/>
+            <a:ext cx="128016" cy="704088"/>
           </a:xfrm>
           <a:prstGeom prst="rect">
             <a:avLst/>
           </a:prstGeom>
+          <a:solidFill>
+            <a:schemeClr val="accent1"/>
+          </a:solidFill>
           <a:ln>
             <a:noFill/>
           </a:ln>
-        </p:spPr>
-        <p:style>
-          <a:lnRef idx="2">
-            <a:schemeClr val="accent1">
-              <a:shade val="50000"/>
-            </a:schemeClr>
-          </a:lnRef>
-          <a:fillRef idx="1">
-            <a:schemeClr val="accent1"/>
-          </a:fillRef>
-          <a:effectRef idx="0">
-            <a:schemeClr val="accent1"/>
-          </a:effectRef>
-          <a:fontRef idx="minor">
-            <a:schemeClr val="lt1"/>
-          </a:fontRef>
-        </p:style>
-        <p:txBody>
-          <a:bodyPr rtlCol="0" anchor="ctr"/>
-          <a:lstStyle/>
-          <a:p>
-            <a:pPr algn="ctr"/>
-            <a:endParaRPr lang="en-US"/>
-          </a:p>
-        </p:txBody>
-      </p:sp>
-      <p:sp useBgFill="1">
-        <p:nvSpPr>
-          <p:cNvPr id="12" name="Rectangle 11">
-            <a:extLst>
-              <a:ext uri="{FF2B5EF4-FFF2-40B4-BE49-F238E27FC236}">
-                <a16:creationId xmlns:a16="http://schemas.microsoft.com/office/drawing/2014/main" id="{B3420082-9415-44EC-802E-C77D71D59C57}"/>
-              </a:ext>
-              <a:ext uri="{C183D7F6-B498-43B3-948B-1728B52AA6E4}">
-                <adec:decorative xmlns:adec="http://schemas.microsoft.com/office/drawing/2017/decorative" val="1"/>
-              </a:ext>
-            </a:extLst>
-          </p:cNvPr>
-          <p:cNvSpPr>
-            <a:spLocks noGrp="1" noRot="1" noChangeAspect="1" noMove="1" noResize="1" noEditPoints="1" noAdjustHandles="1" noChangeArrowheads="1" noChangeShapeType="1" noTextEdit="1"/>
-          </p:cNvSpPr>
-          <p:nvPr>
-            <p:extLst>
-              <p:ext uri="{386F3935-93C4-4BCD-93E2-E3B085C9AB24}">
-                <p16:designElem xmlns:p16="http://schemas.microsoft.com/office/powerpoint/2015/main" val="1"/>
-              </p:ext>
-            </p:extLst>
-          </p:nvPr>
-        </p:nvSpPr>
-        <p:spPr>
-          <a:xfrm>
-            <a:off x="558209" y="0"/>
-            <a:ext cx="11167447" cy="2018806"/>
-          </a:xfrm>
-          <a:prstGeom prst="rect">
-            <a:avLst/>
-          </a:prstGeom>
-          <a:ln w="12700">
-            <a:solidFill>
-              <a:schemeClr val="tx2">
-                <a:lumMod val="10000"/>
-                <a:lumOff val="90000"/>
-              </a:schemeClr>
-            </a:solidFill>
-          </a:ln>
-          <a:effectLst>
-            <a:outerShdw blurRad="50800" dist="38100" dir="2700000" algn="tl" rotWithShape="0">
-              <a:schemeClr val="bg1">
-                <a:lumMod val="85000"/>
-                <a:alpha val="30000"/>
-              </a:schemeClr>
-            </a:outerShdw>
-          </a:effectLst>
         </p:spPr>
         <p:style>
           <a:lnRef idx="2">
@@ -10059,12 +10991,487 @@
           </a:p>
         </p:txBody>
       </p:sp>
+      <p:sp>
+        <p:nvSpPr>
+          <p:cNvPr id="3" name="Content Placeholder 2">
+            <a:extLst>
+              <a:ext uri="{FF2B5EF4-FFF2-40B4-BE49-F238E27FC236}">
+                <a16:creationId xmlns:a16="http://schemas.microsoft.com/office/drawing/2014/main" id="{1BD3CE75-AFB9-D8B6-E53C-7E0D338B4CCB}"/>
+              </a:ext>
+            </a:extLst>
+          </p:cNvPr>
+          <p:cNvSpPr>
+            <a:spLocks noGrp="1"/>
+          </p:cNvSpPr>
+          <p:nvPr>
+            <p:ph idx="1"/>
+          </p:nvPr>
+        </p:nvSpPr>
+        <p:spPr>
+          <a:xfrm>
+            <a:off x="8186210" y="2046238"/>
+            <a:ext cx="3910571" cy="3845680"/>
+          </a:xfrm>
+        </p:spPr>
+        <p:txBody>
+          <a:bodyPr anchor="ctr">
+            <a:normAutofit/>
+          </a:bodyPr>
+          <a:lstStyle/>
+          <a:p>
+            <a:r>
+              <a:rPr lang="en-US" sz="2000" dirty="0"/>
+              <a:t>Median housing costs increased </a:t>
+            </a:r>
+            <a:r>
+              <a:rPr lang="en-US" sz="2000" b="1" dirty="0"/>
+              <a:t>64.3%</a:t>
+            </a:r>
+            <a:r>
+              <a:rPr lang="en-US" sz="2000" dirty="0"/>
+              <a:t>, from $447,100 (2010) to $734,700 (2023).</a:t>
+            </a:r>
+          </a:p>
+          <a:p>
+            <a:r>
+              <a:rPr lang="en-US" sz="2000" b="1" dirty="0"/>
+              <a:t>Post-2020 surge </a:t>
+            </a:r>
+            <a:r>
+              <a:rPr lang="en-US" sz="2000" dirty="0"/>
+              <a:t>due to population growth and limited supply.</a:t>
+            </a:r>
+          </a:p>
+          <a:p>
+            <a:r>
+              <a:rPr lang="en-US" sz="2000" b="1" dirty="0"/>
+              <a:t>Rising costs </a:t>
+            </a:r>
+            <a:r>
+              <a:rPr lang="en-US" sz="2000" dirty="0"/>
+              <a:t>challenge affordability for middle-income families.</a:t>
+            </a:r>
+          </a:p>
+        </p:txBody>
+      </p:sp>
+      <p:pic>
+        <p:nvPicPr>
+          <p:cNvPr id="7" name="Picture 6" descr="A graph with a line&#10;&#10;Description automatically generated">
+            <a:extLst>
+              <a:ext uri="{FF2B5EF4-FFF2-40B4-BE49-F238E27FC236}">
+                <a16:creationId xmlns:a16="http://schemas.microsoft.com/office/drawing/2014/main" id="{5F415EB2-0FF8-6DBF-754C-C6B6AAF8E09C}"/>
+              </a:ext>
+            </a:extLst>
+          </p:cNvPr>
+          <p:cNvPicPr>
+            <a:picLocks noChangeAspect="1"/>
+          </p:cNvPicPr>
+          <p:nvPr/>
+        </p:nvPicPr>
+        <p:blipFill>
+          <a:blip r:embed="rId2">
+            <a:extLst>
+              <a:ext uri="{28A0092B-C50C-407E-A947-70E740481C1C}">
+                <a14:useLocalDpi xmlns:a14="http://schemas.microsoft.com/office/drawing/2010/main" val="0"/>
+              </a:ext>
+            </a:extLst>
+          </a:blip>
+          <a:stretch>
+            <a:fillRect/>
+          </a:stretch>
+        </p:blipFill>
+        <p:spPr>
+          <a:xfrm>
+            <a:off x="498834" y="2425786"/>
+            <a:ext cx="7592157" cy="3720295"/>
+          </a:xfrm>
+          <a:prstGeom prst="rect">
+            <a:avLst/>
+          </a:prstGeom>
+        </p:spPr>
+      </p:pic>
+    </p:spTree>
+    <p:extLst>
+      <p:ext uri="{BB962C8B-B14F-4D97-AF65-F5344CB8AC3E}">
+        <p14:creationId xmlns:p14="http://schemas.microsoft.com/office/powerpoint/2010/main" val="2557860313"/>
+      </p:ext>
+    </p:extLst>
+  </p:cSld>
+  <p:clrMapOvr>
+    <a:masterClrMapping/>
+  </p:clrMapOvr>
+</p:sld>
+</file>
+
+<file path=ppt/slides/slide7.xml><?xml version="1.0" encoding="utf-8"?>
+<p:sld xmlns:a="http://schemas.openxmlformats.org/drawingml/2006/main" xmlns:r="http://schemas.openxmlformats.org/officeDocument/2006/relationships" xmlns:p="http://schemas.openxmlformats.org/presentationml/2006/main">
+  <p:cSld>
+    <p:spTree>
+      <p:nvGrpSpPr>
+        <p:cNvPr id="1" name=""/>
+        <p:cNvGrpSpPr/>
+        <p:nvPr/>
+      </p:nvGrpSpPr>
+      <p:grpSpPr>
+        <a:xfrm>
+          <a:off x="0" y="0"/>
+          <a:ext cx="0" cy="0"/>
+          <a:chOff x="0" y="0"/>
+          <a:chExt cx="0" cy="0"/>
+        </a:xfrm>
+      </p:grpSpPr>
+      <p:sp>
+        <p:nvSpPr>
+          <p:cNvPr id="2" name="Title 1">
+            <a:extLst>
+              <a:ext uri="{FF2B5EF4-FFF2-40B4-BE49-F238E27FC236}">
+                <a16:creationId xmlns:a16="http://schemas.microsoft.com/office/drawing/2014/main" id="{280CD803-F2A1-FE5F-D20D-363614366C28}"/>
+              </a:ext>
+            </a:extLst>
+          </p:cNvPr>
+          <p:cNvSpPr>
+            <a:spLocks noGrp="1"/>
+          </p:cNvSpPr>
+          <p:nvPr>
+            <p:ph type="title"/>
+          </p:nvPr>
+        </p:nvSpPr>
+        <p:spPr/>
+        <p:txBody>
+          <a:bodyPr>
+            <a:normAutofit fontScale="90000"/>
+          </a:bodyPr>
+          <a:lstStyle/>
+          <a:p>
+            <a:r>
+              <a:rPr lang="en-US" b="1" dirty="0"/>
+              <a:t>Population Growth in Loudoun County (2010-2023)</a:t>
+            </a:r>
+          </a:p>
+        </p:txBody>
+      </p:sp>
+      <p:sp>
+        <p:nvSpPr>
+          <p:cNvPr id="3" name="Content Placeholder 2">
+            <a:extLst>
+              <a:ext uri="{FF2B5EF4-FFF2-40B4-BE49-F238E27FC236}">
+                <a16:creationId xmlns:a16="http://schemas.microsoft.com/office/drawing/2014/main" id="{34DAB0CB-41B0-A527-0C53-925C9FE3C6EB}"/>
+              </a:ext>
+            </a:extLst>
+          </p:cNvPr>
+          <p:cNvSpPr>
+            <a:spLocks noGrp="1"/>
+          </p:cNvSpPr>
+          <p:nvPr>
+            <p:ph idx="1"/>
+          </p:nvPr>
+        </p:nvSpPr>
+        <p:spPr>
+          <a:xfrm>
+            <a:off x="8221944" y="2228850"/>
+            <a:ext cx="3701796" cy="3909840"/>
+          </a:xfrm>
+        </p:spPr>
+        <p:txBody>
+          <a:bodyPr>
+            <a:normAutofit/>
+          </a:bodyPr>
+          <a:lstStyle/>
+          <a:p>
+            <a:r>
+              <a:rPr lang="en-US" sz="2000" dirty="0"/>
+              <a:t>Population grew </a:t>
+            </a:r>
+            <a:r>
+              <a:rPr lang="en-US" sz="2000" b="1" dirty="0"/>
+              <a:t>35%</a:t>
+            </a:r>
+            <a:r>
+              <a:rPr lang="en-US" sz="2000" dirty="0"/>
+              <a:t>, from 322,000 (2010) to 435,000 (2023).</a:t>
+            </a:r>
+          </a:p>
+          <a:p>
+            <a:r>
+              <a:rPr lang="en-US" sz="2000" dirty="0"/>
+              <a:t>Steady growth reflects </a:t>
+            </a:r>
+            <a:r>
+              <a:rPr lang="en-US" sz="2000" b="1" dirty="0"/>
+              <a:t>economic opportunities </a:t>
+            </a:r>
+            <a:r>
+              <a:rPr lang="en-US" sz="2000" dirty="0"/>
+              <a:t>and </a:t>
+            </a:r>
+            <a:r>
+              <a:rPr lang="en-US" sz="2000" b="1" dirty="0"/>
+              <a:t>high quality of life</a:t>
+            </a:r>
+            <a:r>
+              <a:rPr lang="en-US" sz="2000" dirty="0"/>
+              <a:t>.</a:t>
+            </a:r>
+          </a:p>
+          <a:p>
+            <a:r>
+              <a:rPr lang="en-US" sz="2000" dirty="0"/>
+              <a:t>Increasing population may </a:t>
+            </a:r>
+            <a:r>
+              <a:rPr lang="en-US" sz="2000" b="1" dirty="0"/>
+              <a:t>heighten demand </a:t>
+            </a:r>
+            <a:r>
+              <a:rPr lang="en-US" sz="2000" dirty="0"/>
+              <a:t>for </a:t>
+            </a:r>
+            <a:r>
+              <a:rPr lang="en-US" sz="2000" b="1" dirty="0"/>
+              <a:t>housing, infrastructure, and services.</a:t>
+            </a:r>
+          </a:p>
+        </p:txBody>
+      </p:sp>
+      <p:pic>
+        <p:nvPicPr>
+          <p:cNvPr id="5" name="Picture 4" descr="A graph with a red line and blue dots&#10;&#10;Description automatically generated">
+            <a:extLst>
+              <a:ext uri="{FF2B5EF4-FFF2-40B4-BE49-F238E27FC236}">
+                <a16:creationId xmlns:a16="http://schemas.microsoft.com/office/drawing/2014/main" id="{F380B359-5BB6-99A0-3055-7D581A092AB6}"/>
+              </a:ext>
+            </a:extLst>
+          </p:cNvPr>
+          <p:cNvPicPr>
+            <a:picLocks noChangeAspect="1"/>
+          </p:cNvPicPr>
+          <p:nvPr/>
+        </p:nvPicPr>
+        <p:blipFill>
+          <a:blip r:embed="rId2">
+            <a:extLst>
+              <a:ext uri="{28A0092B-C50C-407E-A947-70E740481C1C}">
+                <a14:useLocalDpi xmlns:a14="http://schemas.microsoft.com/office/drawing/2010/main" val="0"/>
+              </a:ext>
+            </a:extLst>
+          </a:blip>
+          <a:stretch>
+            <a:fillRect/>
+          </a:stretch>
+        </p:blipFill>
+        <p:spPr>
+          <a:xfrm>
+            <a:off x="268260" y="2228850"/>
+            <a:ext cx="7819680" cy="3909840"/>
+          </a:xfrm>
+          <a:prstGeom prst="rect">
+            <a:avLst/>
+          </a:prstGeom>
+        </p:spPr>
+      </p:pic>
+    </p:spTree>
+    <p:extLst>
+      <p:ext uri="{BB962C8B-B14F-4D97-AF65-F5344CB8AC3E}">
+        <p14:creationId xmlns:p14="http://schemas.microsoft.com/office/powerpoint/2010/main" val="2374101826"/>
+      </p:ext>
+    </p:extLst>
+  </p:cSld>
+  <p:clrMapOvr>
+    <a:masterClrMapping/>
+  </p:clrMapOvr>
+</p:sld>
+</file>
+
+<file path=ppt/slides/slide8.xml><?xml version="1.0" encoding="utf-8"?>
+<p:sld xmlns:a="http://schemas.openxmlformats.org/drawingml/2006/main" xmlns:r="http://schemas.openxmlformats.org/officeDocument/2006/relationships" xmlns:p="http://schemas.openxmlformats.org/presentationml/2006/main">
+  <p:cSld>
+    <p:spTree>
+      <p:nvGrpSpPr>
+        <p:cNvPr id="1" name=""/>
+        <p:cNvGrpSpPr/>
+        <p:nvPr/>
+      </p:nvGrpSpPr>
+      <p:grpSpPr>
+        <a:xfrm>
+          <a:off x="0" y="0"/>
+          <a:ext cx="0" cy="0"/>
+          <a:chOff x="0" y="0"/>
+          <a:chExt cx="0" cy="0"/>
+        </a:xfrm>
+      </p:grpSpPr>
+      <p:sp>
+        <p:nvSpPr>
+          <p:cNvPr id="2" name="Title 1">
+            <a:extLst>
+              <a:ext uri="{FF2B5EF4-FFF2-40B4-BE49-F238E27FC236}">
+                <a16:creationId xmlns:a16="http://schemas.microsoft.com/office/drawing/2014/main" id="{0C75FD91-AEBC-9124-5760-9586AD70E528}"/>
+              </a:ext>
+            </a:extLst>
+          </p:cNvPr>
+          <p:cNvSpPr>
+            <a:spLocks noGrp="1"/>
+          </p:cNvSpPr>
+          <p:nvPr>
+            <p:ph type="title"/>
+          </p:nvPr>
+        </p:nvSpPr>
+        <p:spPr/>
+        <p:txBody>
+          <a:bodyPr>
+            <a:normAutofit fontScale="90000"/>
+          </a:bodyPr>
+          <a:lstStyle/>
+          <a:p>
+            <a:r>
+              <a:rPr lang="en-US" b="1" dirty="0"/>
+              <a:t>Number of Businesses in Loudoun County Over Time (2020-2023)</a:t>
+            </a:r>
+          </a:p>
+        </p:txBody>
+      </p:sp>
+      <p:sp>
+        <p:nvSpPr>
+          <p:cNvPr id="3" name="Content Placeholder 2">
+            <a:extLst>
+              <a:ext uri="{FF2B5EF4-FFF2-40B4-BE49-F238E27FC236}">
+                <a16:creationId xmlns:a16="http://schemas.microsoft.com/office/drawing/2014/main" id="{D1DDFFF5-E2F1-5C85-C06C-9DC220DC2A01}"/>
+              </a:ext>
+            </a:extLst>
+          </p:cNvPr>
+          <p:cNvSpPr>
+            <a:spLocks noGrp="1"/>
+          </p:cNvSpPr>
+          <p:nvPr>
+            <p:ph idx="1"/>
+          </p:nvPr>
+        </p:nvSpPr>
+        <p:spPr>
+          <a:xfrm>
+            <a:off x="7848599" y="2222543"/>
+            <a:ext cx="4105276" cy="4359232"/>
+          </a:xfrm>
+        </p:spPr>
+        <p:txBody>
+          <a:bodyPr>
+            <a:normAutofit/>
+          </a:bodyPr>
+          <a:lstStyle/>
+          <a:p>
+            <a:r>
+              <a:rPr lang="en-US" sz="2000" b="1" dirty="0"/>
+              <a:t>Steady growth (2020-2022)</a:t>
+            </a:r>
+            <a:r>
+              <a:rPr lang="en-US" sz="2000" dirty="0"/>
+              <a:t>: Business numbers rose, showcasing economic resilience.</a:t>
+            </a:r>
+          </a:p>
+          <a:p>
+            <a:r>
+              <a:rPr lang="en-US" sz="2000" b="1" dirty="0"/>
+              <a:t>2023 decline</a:t>
+            </a:r>
+            <a:r>
+              <a:rPr lang="en-US" sz="2000" dirty="0"/>
+              <a:t>: Business numbers dropped, highlighting post-pandemic challenges.</a:t>
+            </a:r>
+          </a:p>
+          <a:p>
+            <a:r>
+              <a:rPr lang="en-US" sz="2000" dirty="0"/>
+              <a:t>Policy need: Focus on </a:t>
+            </a:r>
+            <a:r>
+              <a:rPr lang="en-US" sz="2000" b="1" dirty="0"/>
+              <a:t>business recovery</a:t>
+            </a:r>
+            <a:r>
+              <a:rPr lang="en-US" sz="2000" dirty="0"/>
+              <a:t> and ensuring long-term stability.</a:t>
+            </a:r>
+          </a:p>
+        </p:txBody>
+      </p:sp>
+      <p:pic>
+        <p:nvPicPr>
+          <p:cNvPr id="6" name="Picture 5" descr="A graph showing the number of businesses&#10;&#10;Description automatically generated">
+            <a:extLst>
+              <a:ext uri="{FF2B5EF4-FFF2-40B4-BE49-F238E27FC236}">
+                <a16:creationId xmlns:a16="http://schemas.microsoft.com/office/drawing/2014/main" id="{64F9C6E5-D61A-C0A2-C108-97410E2A53EC}"/>
+              </a:ext>
+            </a:extLst>
+          </p:cNvPr>
+          <p:cNvPicPr>
+            <a:picLocks noChangeAspect="1"/>
+          </p:cNvPicPr>
+          <p:nvPr/>
+        </p:nvPicPr>
+        <p:blipFill>
+          <a:blip r:embed="rId3">
+            <a:extLst>
+              <a:ext uri="{28A0092B-C50C-407E-A947-70E740481C1C}">
+                <a14:useLocalDpi xmlns:a14="http://schemas.microsoft.com/office/drawing/2010/main" val="0"/>
+              </a:ext>
+            </a:extLst>
+          </a:blip>
+          <a:stretch>
+            <a:fillRect/>
+          </a:stretch>
+        </p:blipFill>
+        <p:spPr>
+          <a:xfrm>
+            <a:off x="561975" y="2222543"/>
+            <a:ext cx="7352761" cy="4235830"/>
+          </a:xfrm>
+          <a:prstGeom prst="rect">
+            <a:avLst/>
+          </a:prstGeom>
+        </p:spPr>
+      </p:pic>
+    </p:spTree>
+    <p:extLst>
+      <p:ext uri="{BB962C8B-B14F-4D97-AF65-F5344CB8AC3E}">
+        <p14:creationId xmlns:p14="http://schemas.microsoft.com/office/powerpoint/2010/main" val="868956211"/>
+      </p:ext>
+    </p:extLst>
+  </p:cSld>
+  <p:clrMapOvr>
+    <a:masterClrMapping/>
+  </p:clrMapOvr>
+</p:sld>
+</file>
+
+<file path=ppt/slides/slide9.xml><?xml version="1.0" encoding="utf-8"?>
+<p:sld xmlns:a="http://schemas.openxmlformats.org/drawingml/2006/main" xmlns:r="http://schemas.openxmlformats.org/officeDocument/2006/relationships" xmlns:p="http://schemas.openxmlformats.org/presentationml/2006/main">
+  <p:cSld>
+    <p:bg>
+      <p:bgPr>
+        <a:solidFill>
+          <a:schemeClr val="bg1"/>
+        </a:solidFill>
+        <a:effectLst/>
+      </p:bgPr>
+    </p:bg>
+    <p:spTree>
+      <p:nvGrpSpPr>
+        <p:cNvPr id="1" name=""/>
+        <p:cNvGrpSpPr/>
+        <p:nvPr/>
+      </p:nvGrpSpPr>
+      <p:grpSpPr>
+        <a:xfrm>
+          <a:off x="0" y="0"/>
+          <a:ext cx="0" cy="0"/>
+          <a:chOff x="0" y="0"/>
+          <a:chExt cx="0" cy="0"/>
+        </a:xfrm>
+      </p:grpSpPr>
       <p:sp useBgFill="1">
         <p:nvSpPr>
-          <p:cNvPr id="14" name="Rectangle 13">
-            <a:extLst>
-              <a:ext uri="{FF2B5EF4-FFF2-40B4-BE49-F238E27FC236}">
-                <a16:creationId xmlns:a16="http://schemas.microsoft.com/office/drawing/2014/main" id="{55A52C45-1FCB-4636-A80F-2849B8226C01}"/>
+          <p:cNvPr id="18" name="Rectangle 17">
+            <a:extLst>
+              <a:ext uri="{FF2B5EF4-FFF2-40B4-BE49-F238E27FC236}">
+                <a16:creationId xmlns:a16="http://schemas.microsoft.com/office/drawing/2014/main" id="{84ECDE7A-6944-466D-8FFE-149A29BA6BAE}"/>
               </a:ext>
               <a:ext uri="{C183D7F6-B498-43B3-948B-1728B52AA6E4}">
                 <adec:decorative xmlns:adec="http://schemas.microsoft.com/office/drawing/2017/decorative" val="1"/>
@@ -10084,16 +11491,88 @@
         </p:nvSpPr>
         <p:spPr>
           <a:xfrm>
-            <a:off x="566928" y="0"/>
-            <a:ext cx="11155680" cy="2011680"/>
+            <a:off x="0" y="0"/>
+            <a:ext cx="12192000" cy="6858000"/>
+          </a:xfrm>
+          <a:prstGeom prst="rect">
+            <a:avLst/>
+          </a:prstGeom>
+          <a:ln>
+            <a:noFill/>
+          </a:ln>
+        </p:spPr>
+        <p:style>
+          <a:lnRef idx="2">
+            <a:schemeClr val="accent1">
+              <a:shade val="50000"/>
+            </a:schemeClr>
+          </a:lnRef>
+          <a:fillRef idx="1">
+            <a:schemeClr val="accent1"/>
+          </a:fillRef>
+          <a:effectRef idx="0">
+            <a:schemeClr val="accent1"/>
+          </a:effectRef>
+          <a:fontRef idx="minor">
+            <a:schemeClr val="lt1"/>
+          </a:fontRef>
+        </p:style>
+        <p:txBody>
+          <a:bodyPr rtlCol="0" anchor="ctr"/>
+          <a:lstStyle/>
+          <a:p>
+            <a:pPr algn="ctr"/>
+            <a:endParaRPr lang="en-US"/>
+          </a:p>
+        </p:txBody>
+      </p:sp>
+      <p:sp useBgFill="1">
+        <p:nvSpPr>
+          <p:cNvPr id="19" name="Rectangle 18">
+            <a:extLst>
+              <a:ext uri="{FF2B5EF4-FFF2-40B4-BE49-F238E27FC236}">
+                <a16:creationId xmlns:a16="http://schemas.microsoft.com/office/drawing/2014/main" id="{B3420082-9415-44EC-802E-C77D71D59C57}"/>
+              </a:ext>
+              <a:ext uri="{C183D7F6-B498-43B3-948B-1728B52AA6E4}">
+                <adec:decorative xmlns:adec="http://schemas.microsoft.com/office/drawing/2017/decorative" val="1"/>
+              </a:ext>
+            </a:extLst>
+          </p:cNvPr>
+          <p:cNvSpPr>
+            <a:spLocks noGrp="1" noRot="1" noChangeAspect="1" noMove="1" noResize="1" noEditPoints="1" noAdjustHandles="1" noChangeArrowheads="1" noChangeShapeType="1" noTextEdit="1"/>
+          </p:cNvSpPr>
+          <p:nvPr>
+            <p:extLst>
+              <p:ext uri="{386F3935-93C4-4BCD-93E2-E3B085C9AB24}">
+                <p16:designElem xmlns:p16="http://schemas.microsoft.com/office/powerpoint/2015/main" val="1"/>
+              </p:ext>
+            </p:extLst>
+          </p:nvPr>
+        </p:nvSpPr>
+        <p:spPr>
+          <a:xfrm>
+            <a:off x="558209" y="0"/>
+            <a:ext cx="11167447" cy="2018806"/>
           </a:xfrm>
           <a:prstGeom prst="rect">
             <a:avLst/>
           </a:prstGeom>
           <a:ln w="12700">
-            <a:noFill/>
+            <a:solidFill>
+              <a:schemeClr val="tx2">
+                <a:lumMod val="10000"/>
+                <a:lumOff val="90000"/>
+              </a:schemeClr>
+            </a:solidFill>
           </a:ln>
-          <a:effectLst/>
+          <a:effectLst>
+            <a:outerShdw blurRad="50800" dist="38100" dir="2700000" algn="tl" rotWithShape="0">
+              <a:schemeClr val="bg1">
+                <a:lumMod val="85000"/>
+                <a:alpha val="30000"/>
+              </a:schemeClr>
+            </a:outerShdw>
+          </a:effectLst>
         </p:spPr>
         <p:style>
           <a:lnRef idx="2">
@@ -10149,47 +11628,12 @@
           </a:p>
         </p:txBody>
       </p:sp>
-      <p:sp>
-        <p:nvSpPr>
-          <p:cNvPr id="2" name="Title 1">
-            <a:extLst>
-              <a:ext uri="{FF2B5EF4-FFF2-40B4-BE49-F238E27FC236}">
-                <a16:creationId xmlns:a16="http://schemas.microsoft.com/office/drawing/2014/main" id="{6482E8E1-AAE1-3937-4E3D-3A0340E98ECC}"/>
-              </a:ext>
-            </a:extLst>
-          </p:cNvPr>
-          <p:cNvSpPr>
-            <a:spLocks noGrp="1"/>
-          </p:cNvSpPr>
-          <p:nvPr>
-            <p:ph type="title"/>
-          </p:nvPr>
-        </p:nvSpPr>
-        <p:spPr>
-          <a:xfrm>
-            <a:off x="1115568" y="548640"/>
-            <a:ext cx="10168128" cy="1179576"/>
-          </a:xfrm>
-        </p:spPr>
-        <p:txBody>
-          <a:bodyPr>
-            <a:normAutofit/>
-          </a:bodyPr>
-          <a:lstStyle/>
-          <a:p>
-            <a:r>
-              <a:rPr lang="en-US" sz="3700" b="1" dirty="0"/>
-              <a:t>Median Housing Costs in Loudoun County (2010-2023)</a:t>
-            </a:r>
-          </a:p>
-        </p:txBody>
-      </p:sp>
-      <p:sp>
-        <p:nvSpPr>
-          <p:cNvPr id="16" name="Rectangle 15">
-            <a:extLst>
-              <a:ext uri="{FF2B5EF4-FFF2-40B4-BE49-F238E27FC236}">
-                <a16:creationId xmlns:a16="http://schemas.microsoft.com/office/drawing/2014/main" id="{768EB4DD-3704-43AD-92B3-C4E0C6EA92CB}"/>
+      <p:sp useBgFill="1">
+        <p:nvSpPr>
+          <p:cNvPr id="20" name="Rectangle 19">
+            <a:extLst>
+              <a:ext uri="{FF2B5EF4-FFF2-40B4-BE49-F238E27FC236}">
+                <a16:creationId xmlns:a16="http://schemas.microsoft.com/office/drawing/2014/main" id="{55A52C45-1FCB-4636-A80F-2849B8226C01}"/>
               </a:ext>
               <a:ext uri="{C183D7F6-B498-43B3-948B-1728B52AA6E4}">
                 <adec:decorative xmlns:adec="http://schemas.microsoft.com/office/drawing/2017/decorative" val="1"/>
@@ -10209,18 +11653,16 @@
         </p:nvSpPr>
         <p:spPr>
           <a:xfrm>
-            <a:off x="498834" y="770799"/>
-            <a:ext cx="128016" cy="704088"/>
+            <a:off x="566928" y="0"/>
+            <a:ext cx="11155680" cy="2011680"/>
           </a:xfrm>
           <a:prstGeom prst="rect">
             <a:avLst/>
           </a:prstGeom>
-          <a:solidFill>
-            <a:schemeClr val="accent1"/>
-          </a:solidFill>
-          <a:ln>
+          <a:ln w="12700">
             <a:noFill/>
           </a:ln>
+          <a:effectLst/>
         </p:spPr>
         <p:style>
           <a:lnRef idx="2">
@@ -10278,10 +11720,10 @@
       </p:sp>
       <p:sp>
         <p:nvSpPr>
-          <p:cNvPr id="3" name="Content Placeholder 2">
-            <a:extLst>
-              <a:ext uri="{FF2B5EF4-FFF2-40B4-BE49-F238E27FC236}">
-                <a16:creationId xmlns:a16="http://schemas.microsoft.com/office/drawing/2014/main" id="{1BD3CE75-AFB9-D8B6-E53C-7E0D338B4CCB}"/>
+          <p:cNvPr id="2" name="Title 1">
+            <a:extLst>
+              <a:ext uri="{FF2B5EF4-FFF2-40B4-BE49-F238E27FC236}">
+                <a16:creationId xmlns:a16="http://schemas.microsoft.com/office/drawing/2014/main" id="{838CF443-A610-ED3A-2D60-1CB6F02C341D}"/>
               </a:ext>
             </a:extLst>
           </p:cNvPr>
@@ -10289,112 +11731,133 @@
             <a:spLocks noGrp="1"/>
           </p:cNvSpPr>
           <p:nvPr>
-            <p:ph idx="1"/>
+            <p:ph type="title"/>
           </p:nvPr>
         </p:nvSpPr>
         <p:spPr>
           <a:xfrm>
-            <a:off x="8319757" y="2125353"/>
-            <a:ext cx="3872243" cy="3694176"/>
-          </a:xfrm>
-        </p:spPr>
-        <p:txBody>
-          <a:bodyPr anchor="ctr">
+            <a:off x="1115568" y="548640"/>
+            <a:ext cx="10168128" cy="1179576"/>
+          </a:xfrm>
+        </p:spPr>
+        <p:txBody>
+          <a:bodyPr>
             <a:normAutofit/>
           </a:bodyPr>
           <a:lstStyle/>
           <a:p>
             <a:r>
-              <a:rPr lang="en-US" sz="1800" dirty="0"/>
-              <a:t>Median housing costs rose sharply by 64.3%, from $447,100 in 2010 to $734,700 in 2023.</a:t>
-            </a:r>
-          </a:p>
-          <a:p>
-            <a:r>
-              <a:rPr lang="en-US" sz="1800" dirty="0"/>
-              <a:t>The increase accelerated post-2020, driven by population growth and limited housing supply.</a:t>
-            </a:r>
-          </a:p>
-          <a:p>
-            <a:r>
-              <a:rPr lang="en-US" sz="1800" dirty="0"/>
-              <a:t>Rising costs may challenge affordability for middle-income families and workers.</a:t>
-            </a:r>
-          </a:p>
-        </p:txBody>
-      </p:sp>
-      <p:pic>
-        <p:nvPicPr>
-          <p:cNvPr id="7" name="Picture 6" descr="A graph with a line&#10;&#10;Description automatically generated">
-            <a:extLst>
-              <a:ext uri="{FF2B5EF4-FFF2-40B4-BE49-F238E27FC236}">
-                <a16:creationId xmlns:a16="http://schemas.microsoft.com/office/drawing/2014/main" id="{5F415EB2-0FF8-6DBF-754C-C6B6AAF8E09C}"/>
-              </a:ext>
-            </a:extLst>
-          </p:cNvPr>
-          <p:cNvPicPr>
-            <a:picLocks noChangeAspect="1"/>
-          </p:cNvPicPr>
-          <p:nvPr/>
-        </p:nvPicPr>
-        <p:blipFill>
-          <a:blip r:embed="rId2">
-            <a:extLst>
-              <a:ext uri="{28A0092B-C50C-407E-A947-70E740481C1C}">
-                <a14:useLocalDpi xmlns:a14="http://schemas.microsoft.com/office/drawing/2010/main" val="0"/>
-              </a:ext>
-            </a:extLst>
-          </a:blip>
-          <a:stretch>
-            <a:fillRect/>
-          </a:stretch>
-        </p:blipFill>
+              <a:rPr lang="en-US" sz="3600" b="1" dirty="0"/>
+              <a:t>Cost of Labor in Loudoun County </a:t>
+            </a:r>
+            <a:br>
+              <a:rPr lang="en-US" sz="3600" b="1" dirty="0"/>
+            </a:br>
+            <a:r>
+              <a:rPr lang="en-US" sz="3600" b="1" dirty="0"/>
+              <a:t>(2020-2023)</a:t>
+            </a:r>
+          </a:p>
+        </p:txBody>
+      </p:sp>
+      <p:sp>
+        <p:nvSpPr>
+          <p:cNvPr id="17" name="Rectangle 16">
+            <a:extLst>
+              <a:ext uri="{FF2B5EF4-FFF2-40B4-BE49-F238E27FC236}">
+                <a16:creationId xmlns:a16="http://schemas.microsoft.com/office/drawing/2014/main" id="{768EB4DD-3704-43AD-92B3-C4E0C6EA92CB}"/>
+              </a:ext>
+              <a:ext uri="{C183D7F6-B498-43B3-948B-1728B52AA6E4}">
+                <adec:decorative xmlns:adec="http://schemas.microsoft.com/office/drawing/2017/decorative" val="1"/>
+              </a:ext>
+            </a:extLst>
+          </p:cNvPr>
+          <p:cNvSpPr>
+            <a:spLocks noGrp="1" noRot="1" noChangeAspect="1" noMove="1" noResize="1" noEditPoints="1" noAdjustHandles="1" noChangeArrowheads="1" noChangeShapeType="1" noTextEdit="1"/>
+          </p:cNvSpPr>
+          <p:nvPr>
+            <p:extLst>
+              <p:ext uri="{386F3935-93C4-4BCD-93E2-E3B085C9AB24}">
+                <p16:designElem xmlns:p16="http://schemas.microsoft.com/office/powerpoint/2015/main" val="1"/>
+              </p:ext>
+            </p:extLst>
+          </p:nvPr>
+        </p:nvSpPr>
         <p:spPr>
           <a:xfrm>
-            <a:off x="498834" y="2425786"/>
-            <a:ext cx="7592157" cy="3720295"/>
+            <a:off x="498834" y="770799"/>
+            <a:ext cx="128016" cy="704088"/>
           </a:xfrm>
           <a:prstGeom prst="rect">
             <a:avLst/>
           </a:prstGeom>
-        </p:spPr>
-      </p:pic>
-    </p:spTree>
-    <p:extLst>
-      <p:ext uri="{BB962C8B-B14F-4D97-AF65-F5344CB8AC3E}">
-        <p14:creationId xmlns:p14="http://schemas.microsoft.com/office/powerpoint/2010/main" val="2557860313"/>
-      </p:ext>
-    </p:extLst>
-  </p:cSld>
-  <p:clrMapOvr>
-    <a:masterClrMapping/>
-  </p:clrMapOvr>
-</p:sld>
-</file>
-
-<file path=ppt/slides/slide8.xml><?xml version="1.0" encoding="utf-8"?>
-<p:sld xmlns:a="http://schemas.openxmlformats.org/drawingml/2006/main" xmlns:r="http://schemas.openxmlformats.org/officeDocument/2006/relationships" xmlns:p="http://schemas.openxmlformats.org/presentationml/2006/main">
-  <p:cSld>
-    <p:spTree>
-      <p:nvGrpSpPr>
-        <p:cNvPr id="1" name=""/>
-        <p:cNvGrpSpPr/>
-        <p:nvPr/>
-      </p:nvGrpSpPr>
-      <p:grpSpPr>
-        <a:xfrm>
-          <a:off x="0" y="0"/>
-          <a:ext cx="0" cy="0"/>
-          <a:chOff x="0" y="0"/>
-          <a:chExt cx="0" cy="0"/>
-        </a:xfrm>
-      </p:grpSpPr>
-      <p:sp>
-        <p:nvSpPr>
-          <p:cNvPr id="2" name="Title 1">
-            <a:extLst>
-              <a:ext uri="{FF2B5EF4-FFF2-40B4-BE49-F238E27FC236}">
-                <a16:creationId xmlns:a16="http://schemas.microsoft.com/office/drawing/2014/main" id="{280CD803-F2A1-FE5F-D20D-363614366C28}"/>
+          <a:solidFill>
+            <a:schemeClr val="accent1"/>
+          </a:solidFill>
+          <a:ln>
+            <a:noFill/>
+          </a:ln>
+        </p:spPr>
+        <p:style>
+          <a:lnRef idx="2">
+            <a:schemeClr val="accent1">
+              <a:shade val="50000"/>
+            </a:schemeClr>
+          </a:lnRef>
+          <a:fillRef idx="1">
+            <a:schemeClr val="accent1"/>
+          </a:fillRef>
+          <a:effectRef idx="0">
+            <a:schemeClr val="accent1"/>
+          </a:effectRef>
+          <a:fontRef idx="minor">
+            <a:schemeClr val="lt1"/>
+          </a:fontRef>
+        </p:style>
+        <p:txBody>
+          <a:bodyPr rtlCol="0" anchor="ctr"/>
+          <a:lstStyle/>
+          <a:p>
+            <a:pPr marL="0" marR="0" lvl="0" indent="0" algn="ctr" defTabSz="914400" rtl="0" eaLnBrk="1" fontAlgn="auto" latinLnBrk="0" hangingPunct="1">
+              <a:lnSpc>
+                <a:spcPct val="100000"/>
+              </a:lnSpc>
+              <a:spcBef>
+                <a:spcPts val="0"/>
+              </a:spcBef>
+              <a:spcAft>
+                <a:spcPts val="0"/>
+              </a:spcAft>
+              <a:buClrTx/>
+              <a:buSzTx/>
+              <a:buFontTx/>
+              <a:buNone/>
+              <a:tabLst/>
+              <a:defRPr/>
+            </a:pPr>
+            <a:endParaRPr kumimoji="0" lang="en-US" sz="1800" b="0" i="0" u="none" strike="noStrike" kern="1200" cap="none" spc="0" normalizeH="0" baseline="0" noProof="0">
+              <a:ln>
+                <a:noFill/>
+              </a:ln>
+              <a:solidFill>
+                <a:prstClr val="white"/>
+              </a:solidFill>
+              <a:effectLst/>
+              <a:uLnTx/>
+              <a:uFillTx/>
+              <a:latin typeface="Calibri" panose="020F0502020204030204"/>
+              <a:ea typeface="+mn-ea"/>
+              <a:cs typeface="+mn-cs"/>
+            </a:endParaRPr>
+          </a:p>
+        </p:txBody>
+      </p:sp>
+      <p:sp>
+        <p:nvSpPr>
+          <p:cNvPr id="3" name="Content Placeholder 2">
+            <a:extLst>
+              <a:ext uri="{FF2B5EF4-FFF2-40B4-BE49-F238E27FC236}">
+                <a16:creationId xmlns:a16="http://schemas.microsoft.com/office/drawing/2014/main" id="{1643984C-9630-8F8F-811B-04CC74A0F221}"/>
               </a:ext>
             </a:extLst>
           </p:cNvPr>
@@ -10402,223 +11865,62 @@
             <a:spLocks noGrp="1"/>
           </p:cNvSpPr>
           <p:nvPr>
-            <p:ph type="title"/>
-          </p:nvPr>
-        </p:nvSpPr>
-        <p:spPr/>
-        <p:txBody>
-          <a:bodyPr>
-            <a:normAutofit fontScale="90000"/>
+            <p:ph idx="1"/>
+          </p:nvPr>
+        </p:nvSpPr>
+        <p:spPr>
+          <a:xfrm>
+            <a:off x="8340803" y="2379903"/>
+            <a:ext cx="3726553" cy="3510097"/>
+          </a:xfrm>
+        </p:spPr>
+        <p:txBody>
+          <a:bodyPr anchor="ctr">
+            <a:noAutofit/>
           </a:bodyPr>
           <a:lstStyle/>
           <a:p>
             <a:r>
-              <a:rPr lang="en-US" b="1" dirty="0"/>
-              <a:t>Population Growth in Loudoun County (2010-2023)</a:t>
-            </a:r>
-          </a:p>
-        </p:txBody>
-      </p:sp>
-      <p:sp>
-        <p:nvSpPr>
-          <p:cNvPr id="3" name="Content Placeholder 2">
-            <a:extLst>
-              <a:ext uri="{FF2B5EF4-FFF2-40B4-BE49-F238E27FC236}">
-                <a16:creationId xmlns:a16="http://schemas.microsoft.com/office/drawing/2014/main" id="{34DAB0CB-41B0-A527-0C53-925C9FE3C6EB}"/>
-              </a:ext>
-            </a:extLst>
-          </p:cNvPr>
-          <p:cNvSpPr>
-            <a:spLocks noGrp="1"/>
-          </p:cNvSpPr>
-          <p:nvPr>
-            <p:ph idx="1"/>
-          </p:nvPr>
-        </p:nvSpPr>
-        <p:spPr>
-          <a:xfrm>
-            <a:off x="8221944" y="2228850"/>
-            <a:ext cx="3701796" cy="3909840"/>
-          </a:xfrm>
-        </p:spPr>
-        <p:txBody>
-          <a:bodyPr>
-            <a:normAutofit fontScale="62500" lnSpcReduction="20000"/>
-          </a:bodyPr>
-          <a:lstStyle/>
-          <a:p>
-            <a:r>
-              <a:rPr lang="en-US" dirty="0"/>
-              <a:t>Loudoun County’s population grew by 35%, from approximately 322,000 in 2010 to over 435,000 in 2023.</a:t>
-            </a:r>
-          </a:p>
-          <a:p>
-            <a:r>
-              <a:rPr lang="en-US" dirty="0"/>
-              <a:t>The steady growth trend reflects the county’s attractiveness for residents, driven by economic opportunities and quality of life.</a:t>
-            </a:r>
-          </a:p>
-          <a:p>
-            <a:r>
-              <a:rPr lang="en-US" dirty="0"/>
-              <a:t>Continued population growth may increase demand for housing, infrastructure, and public services.</a:t>
+              <a:rPr lang="en-US" sz="2000" b="1" dirty="0"/>
+              <a:t>Wages peaked in 2021</a:t>
+            </a:r>
+            <a:r>
+              <a:rPr lang="en-US" sz="2000" dirty="0"/>
+              <a:t>: Total annual wages hit </a:t>
+            </a:r>
+            <a:r>
+              <a:rPr lang="en-US" sz="2000" b="1" dirty="0"/>
+              <a:t>$2.3 billion</a:t>
+            </a:r>
+            <a:r>
+              <a:rPr lang="en-US" sz="2000" dirty="0"/>
+              <a:t>, followed by a sharp drop in 2022, recovering by 2023.</a:t>
+            </a:r>
+          </a:p>
+          <a:p>
+            <a:r>
+              <a:rPr lang="en-US" sz="2000" b="1" dirty="0"/>
+              <a:t>Pay increased</a:t>
+            </a:r>
+            <a:r>
+              <a:rPr lang="en-US" sz="2000" dirty="0"/>
+              <a:t>: Average pay rose steadily from $85K (2020) to $90K+ (2023).</a:t>
+            </a:r>
+          </a:p>
+          <a:p>
+            <a:r>
+              <a:rPr lang="en-US" sz="2000" dirty="0"/>
+              <a:t>Implications: Divergence signals workforce reductions or employment shifts.</a:t>
             </a:r>
           </a:p>
         </p:txBody>
       </p:sp>
       <p:pic>
         <p:nvPicPr>
-          <p:cNvPr id="5" name="Picture 4" descr="A graph with a red line and blue dots&#10;&#10;Description automatically generated">
-            <a:extLst>
-              <a:ext uri="{FF2B5EF4-FFF2-40B4-BE49-F238E27FC236}">
-                <a16:creationId xmlns:a16="http://schemas.microsoft.com/office/drawing/2014/main" id="{F380B359-5BB6-99A0-3055-7D581A092AB6}"/>
-              </a:ext>
-            </a:extLst>
-          </p:cNvPr>
-          <p:cNvPicPr>
-            <a:picLocks noChangeAspect="1"/>
-          </p:cNvPicPr>
-          <p:nvPr/>
-        </p:nvPicPr>
-        <p:blipFill>
-          <a:blip r:embed="rId2">
-            <a:extLst>
-              <a:ext uri="{28A0092B-C50C-407E-A947-70E740481C1C}">
-                <a14:useLocalDpi xmlns:a14="http://schemas.microsoft.com/office/drawing/2010/main" val="0"/>
-              </a:ext>
-            </a:extLst>
-          </a:blip>
-          <a:stretch>
-            <a:fillRect/>
-          </a:stretch>
-        </p:blipFill>
-        <p:spPr>
-          <a:xfrm>
-            <a:off x="268260" y="2228850"/>
-            <a:ext cx="7819680" cy="3909840"/>
-          </a:xfrm>
-          <a:prstGeom prst="rect">
-            <a:avLst/>
-          </a:prstGeom>
-        </p:spPr>
-      </p:pic>
-    </p:spTree>
-    <p:extLst>
-      <p:ext uri="{BB962C8B-B14F-4D97-AF65-F5344CB8AC3E}">
-        <p14:creationId xmlns:p14="http://schemas.microsoft.com/office/powerpoint/2010/main" val="2374101826"/>
-      </p:ext>
-    </p:extLst>
-  </p:cSld>
-  <p:clrMapOvr>
-    <a:masterClrMapping/>
-  </p:clrMapOvr>
-</p:sld>
-</file>
-
-<file path=ppt/slides/slide9.xml><?xml version="1.0" encoding="utf-8"?>
-<p:sld xmlns:a="http://schemas.openxmlformats.org/drawingml/2006/main" xmlns:r="http://schemas.openxmlformats.org/officeDocument/2006/relationships" xmlns:p="http://schemas.openxmlformats.org/presentationml/2006/main">
-  <p:cSld>
-    <p:spTree>
-      <p:nvGrpSpPr>
-        <p:cNvPr id="1" name=""/>
-        <p:cNvGrpSpPr/>
-        <p:nvPr/>
-      </p:nvGrpSpPr>
-      <p:grpSpPr>
-        <a:xfrm>
-          <a:off x="0" y="0"/>
-          <a:ext cx="0" cy="0"/>
-          <a:chOff x="0" y="0"/>
-          <a:chExt cx="0" cy="0"/>
-        </a:xfrm>
-      </p:grpSpPr>
-      <p:sp>
-        <p:nvSpPr>
-          <p:cNvPr id="2" name="Title 1">
-            <a:extLst>
-              <a:ext uri="{FF2B5EF4-FFF2-40B4-BE49-F238E27FC236}">
-                <a16:creationId xmlns:a16="http://schemas.microsoft.com/office/drawing/2014/main" id="{0C75FD91-AEBC-9124-5760-9586AD70E528}"/>
-              </a:ext>
-            </a:extLst>
-          </p:cNvPr>
-          <p:cNvSpPr>
-            <a:spLocks noGrp="1"/>
-          </p:cNvSpPr>
-          <p:nvPr>
-            <p:ph type="title"/>
-          </p:nvPr>
-        </p:nvSpPr>
-        <p:spPr/>
-        <p:txBody>
-          <a:bodyPr>
-            <a:normAutofit fontScale="90000"/>
-          </a:bodyPr>
-          <a:lstStyle/>
-          <a:p>
-            <a:r>
-              <a:rPr lang="en-US" b="1" dirty="0"/>
-              <a:t>Number of Businesses in Loudoun County Over Time (2020-2023)</a:t>
-            </a:r>
-          </a:p>
-        </p:txBody>
-      </p:sp>
-      <p:sp>
-        <p:nvSpPr>
-          <p:cNvPr id="3" name="Content Placeholder 2">
-            <a:extLst>
-              <a:ext uri="{FF2B5EF4-FFF2-40B4-BE49-F238E27FC236}">
-                <a16:creationId xmlns:a16="http://schemas.microsoft.com/office/drawing/2014/main" id="{D1DDFFF5-E2F1-5C85-C06C-9DC220DC2A01}"/>
-              </a:ext>
-            </a:extLst>
-          </p:cNvPr>
-          <p:cNvSpPr>
-            <a:spLocks noGrp="1"/>
-          </p:cNvSpPr>
-          <p:nvPr>
-            <p:ph idx="1"/>
-          </p:nvPr>
-        </p:nvSpPr>
-        <p:spPr>
-          <a:xfrm>
-            <a:off x="7848599" y="2222543"/>
-            <a:ext cx="4105276" cy="4359232"/>
-          </a:xfrm>
-        </p:spPr>
-        <p:txBody>
-          <a:bodyPr>
-            <a:normAutofit fontScale="62500" lnSpcReduction="20000"/>
-          </a:bodyPr>
-          <a:lstStyle/>
-          <a:p>
-            <a:r>
-              <a:rPr lang="en-US" dirty="0"/>
-              <a:t>Steady Growth: From 2020 to 2022, the number of businesses in Loudoun County showed consistent growth, reflecting economic resilience.</a:t>
-            </a:r>
-          </a:p>
-          <a:p>
-            <a:r>
-              <a:rPr lang="en-US" dirty="0"/>
-              <a:t>Decline in 2023: A slight decline in the number of businesses from 2022 to 2023 suggests ongoing economic challenges and adjustments post-pandemic.</a:t>
-            </a:r>
-          </a:p>
-          <a:p>
-            <a:r>
-              <a:rPr lang="en-US" i="1" dirty="0"/>
-              <a:t>Implication</a:t>
-            </a:r>
-            <a:r>
-              <a:rPr lang="en-US" dirty="0"/>
-              <a:t>: This trend underscores the need for policies aimed at fostering business recovery and long-term stability.</a:t>
-            </a:r>
-          </a:p>
-        </p:txBody>
-      </p:sp>
-      <p:pic>
-        <p:nvPicPr>
-          <p:cNvPr id="6" name="Picture 5" descr="A graph showing the number of businesses&#10;&#10;Description automatically generated">
-            <a:extLst>
-              <a:ext uri="{FF2B5EF4-FFF2-40B4-BE49-F238E27FC236}">
-                <a16:creationId xmlns:a16="http://schemas.microsoft.com/office/drawing/2014/main" id="{64F9C6E5-D61A-C0A2-C108-97410E2A53EC}"/>
+          <p:cNvPr id="8" name="Picture 7" descr="A graph with green and blue lines&#10;&#10;Description automatically generated">
+            <a:extLst>
+              <a:ext uri="{FF2B5EF4-FFF2-40B4-BE49-F238E27FC236}">
+                <a16:creationId xmlns:a16="http://schemas.microsoft.com/office/drawing/2014/main" id="{B64FB8BD-961F-BA9B-9E43-FB61AD1B30F4}"/>
               </a:ext>
             </a:extLst>
           </p:cNvPr>
@@ -10641,8 +11943,8 @@
         </p:blipFill>
         <p:spPr>
           <a:xfrm>
-            <a:off x="561975" y="2222543"/>
-            <a:ext cx="7352761" cy="4235830"/>
+            <a:off x="124644" y="2261448"/>
+            <a:ext cx="8216160" cy="3948852"/>
           </a:xfrm>
           <a:prstGeom prst="rect">
             <a:avLst/>
@@ -10652,7 +11954,7 @@
     </p:spTree>
     <p:extLst>
       <p:ext uri="{BB962C8B-B14F-4D97-AF65-F5344CB8AC3E}">
-        <p14:creationId xmlns:p14="http://schemas.microsoft.com/office/powerpoint/2010/main" val="868956211"/>
+        <p14:creationId xmlns:p14="http://schemas.microsoft.com/office/powerpoint/2010/main" val="2174093630"/>
       </p:ext>
     </p:extLst>
   </p:cSld>

--- a/presentation/Loudoun County Growth Study.pptx
+++ b/presentation/Loudoun County Growth Study.pptx
@@ -148,7 +148,7 @@
   <pc:docChgLst>
     <pc:chgData name="Andrew Kemp" userId="06d23b41cf651141" providerId="LiveId" clId="{64F8F7E6-B0A7-4A67-BE43-D2AC88E1A641}"/>
     <pc:docChg chg="undo custSel addSld delSld modSld sldOrd">
-      <pc:chgData name="Andrew Kemp" userId="06d23b41cf651141" providerId="LiveId" clId="{64F8F7E6-B0A7-4A67-BE43-D2AC88E1A641}" dt="2024-12-02T18:34:23.293" v="825" actId="20577"/>
+      <pc:chgData name="Andrew Kemp" userId="06d23b41cf651141" providerId="LiveId" clId="{64F8F7E6-B0A7-4A67-BE43-D2AC88E1A641}" dt="2024-12-03T17:11:25.537" v="921" actId="26606"/>
       <pc:docMkLst>
         <pc:docMk/>
       </pc:docMkLst>
@@ -577,7 +577,7 @@
         </pc:picChg>
       </pc:sldChg>
       <pc:sldChg chg="addSp modSp new mod">
-        <pc:chgData name="Andrew Kemp" userId="06d23b41cf651141" providerId="LiveId" clId="{64F8F7E6-B0A7-4A67-BE43-D2AC88E1A641}" dt="2024-12-02T18:34:00.935" v="811" actId="20577"/>
+        <pc:chgData name="Andrew Kemp" userId="06d23b41cf651141" providerId="LiveId" clId="{64F8F7E6-B0A7-4A67-BE43-D2AC88E1A641}" dt="2024-12-03T17:05:05.147" v="906" actId="20577"/>
         <pc:sldMkLst>
           <pc:docMk/>
           <pc:sldMk cId="239434237" sldId="266"/>
@@ -591,7 +591,7 @@
           </ac:spMkLst>
         </pc:spChg>
         <pc:spChg chg="mod">
-          <ac:chgData name="Andrew Kemp" userId="06d23b41cf651141" providerId="LiveId" clId="{64F8F7E6-B0A7-4A67-BE43-D2AC88E1A641}" dt="2024-12-02T17:16:12.365" v="723" actId="113"/>
+          <ac:chgData name="Andrew Kemp" userId="06d23b41cf651141" providerId="LiveId" clId="{64F8F7E6-B0A7-4A67-BE43-D2AC88E1A641}" dt="2024-12-03T17:05:05.147" v="906" actId="20577"/>
           <ac:spMkLst>
             <pc:docMk/>
             <pc:sldMk cId="239434237" sldId="266"/>
@@ -977,13 +977,13 @@
         </pc:picChg>
       </pc:sldChg>
       <pc:sldChg chg="addSp delSp modSp new mod">
-        <pc:chgData name="Andrew Kemp" userId="06d23b41cf651141" providerId="LiveId" clId="{64F8F7E6-B0A7-4A67-BE43-D2AC88E1A641}" dt="2024-12-02T17:23:28.059" v="752" actId="113"/>
+        <pc:chgData name="Andrew Kemp" userId="06d23b41cf651141" providerId="LiveId" clId="{64F8F7E6-B0A7-4A67-BE43-D2AC88E1A641}" dt="2024-12-03T17:09:38.460" v="912" actId="1076"/>
         <pc:sldMkLst>
           <pc:docMk/>
           <pc:sldMk cId="914447653" sldId="273"/>
         </pc:sldMkLst>
         <pc:spChg chg="mod">
-          <ac:chgData name="Andrew Kemp" userId="06d23b41cf651141" providerId="LiveId" clId="{64F8F7E6-B0A7-4A67-BE43-D2AC88E1A641}" dt="2024-12-02T15:54:22.474" v="390" actId="113"/>
+          <ac:chgData name="Andrew Kemp" userId="06d23b41cf651141" providerId="LiveId" clId="{64F8F7E6-B0A7-4A67-BE43-D2AC88E1A641}" dt="2024-12-03T17:04:14.972" v="863" actId="20577"/>
           <ac:spMkLst>
             <pc:docMk/>
             <pc:sldMk cId="914447653" sldId="273"/>
@@ -991,7 +991,7 @@
           </ac:spMkLst>
         </pc:spChg>
         <pc:spChg chg="add del mod">
-          <ac:chgData name="Andrew Kemp" userId="06d23b41cf651141" providerId="LiveId" clId="{64F8F7E6-B0A7-4A67-BE43-D2AC88E1A641}" dt="2024-12-02T17:23:28.059" v="752" actId="113"/>
+          <ac:chgData name="Andrew Kemp" userId="06d23b41cf651141" providerId="LiveId" clId="{64F8F7E6-B0A7-4A67-BE43-D2AC88E1A641}" dt="2024-12-03T17:04:36.364" v="895" actId="20577"/>
           <ac:spMkLst>
             <pc:docMk/>
             <pc:sldMk cId="914447653" sldId="273"/>
@@ -1007,7 +1007,15 @@
           </ac:spMkLst>
         </pc:spChg>
         <pc:picChg chg="add mod">
-          <ac:chgData name="Andrew Kemp" userId="06d23b41cf651141" providerId="LiveId" clId="{64F8F7E6-B0A7-4A67-BE43-D2AC88E1A641}" dt="2024-12-02T15:54:06.181" v="387" actId="1076"/>
+          <ac:chgData name="Andrew Kemp" userId="06d23b41cf651141" providerId="LiveId" clId="{64F8F7E6-B0A7-4A67-BE43-D2AC88E1A641}" dt="2024-12-03T17:09:38.460" v="912" actId="1076"/>
+          <ac:picMkLst>
+            <pc:docMk/>
+            <pc:sldMk cId="914447653" sldId="273"/>
+            <ac:picMk id="5" creationId="{41D28ECC-03FF-7BBA-7567-1F114A032208}"/>
+          </ac:picMkLst>
+        </pc:picChg>
+        <pc:picChg chg="add del mod">
+          <ac:chgData name="Andrew Kemp" userId="06d23b41cf651141" providerId="LiveId" clId="{64F8F7E6-B0A7-4A67-BE43-D2AC88E1A641}" dt="2024-12-03T17:09:21.101" v="907" actId="478"/>
           <ac:picMkLst>
             <pc:docMk/>
             <pc:sldMk cId="914447653" sldId="273"/>
@@ -1061,14 +1069,14 @@
           </ac:spMkLst>
         </pc:spChg>
       </pc:sldChg>
-      <pc:sldChg chg="addSp delSp modSp new mod">
-        <pc:chgData name="Andrew Kemp" userId="06d23b41cf651141" providerId="LiveId" clId="{64F8F7E6-B0A7-4A67-BE43-D2AC88E1A641}" dt="2024-12-02T16:14:13.789" v="492" actId="20577"/>
+      <pc:sldChg chg="addSp delSp modSp new mod setBg">
+        <pc:chgData name="Andrew Kemp" userId="06d23b41cf651141" providerId="LiveId" clId="{64F8F7E6-B0A7-4A67-BE43-D2AC88E1A641}" dt="2024-12-03T17:11:25.537" v="921" actId="26606"/>
         <pc:sldMkLst>
           <pc:docMk/>
           <pc:sldMk cId="1319564735" sldId="276"/>
         </pc:sldMkLst>
         <pc:spChg chg="mod">
-          <ac:chgData name="Andrew Kemp" userId="06d23b41cf651141" providerId="LiveId" clId="{64F8F7E6-B0A7-4A67-BE43-D2AC88E1A641}" dt="2024-12-02T16:13:22.969" v="471" actId="113"/>
+          <ac:chgData name="Andrew Kemp" userId="06d23b41cf651141" providerId="LiveId" clId="{64F8F7E6-B0A7-4A67-BE43-D2AC88E1A641}" dt="2024-12-03T17:11:25.537" v="921" actId="26606"/>
           <ac:spMkLst>
             <pc:docMk/>
             <pc:sldMk cId="1319564735" sldId="276"/>
@@ -1076,7 +1084,7 @@
           </ac:spMkLst>
         </pc:spChg>
         <pc:spChg chg="add del mod">
-          <ac:chgData name="Andrew Kemp" userId="06d23b41cf651141" providerId="LiveId" clId="{64F8F7E6-B0A7-4A67-BE43-D2AC88E1A641}" dt="2024-12-02T16:14:13.789" v="492" actId="20577"/>
+          <ac:chgData name="Andrew Kemp" userId="06d23b41cf651141" providerId="LiveId" clId="{64F8F7E6-B0A7-4A67-BE43-D2AC88E1A641}" dt="2024-12-03T17:11:25.537" v="921" actId="26606"/>
           <ac:spMkLst>
             <pc:docMk/>
             <pc:sldMk cId="1319564735" sldId="276"/>
@@ -1091,6 +1099,174 @@
             <ac:spMk id="4" creationId="{DC279707-302F-C506-41F7-1C444D6EDABE}"/>
           </ac:spMkLst>
         </pc:spChg>
+        <pc:spChg chg="add">
+          <ac:chgData name="Andrew Kemp" userId="06d23b41cf651141" providerId="LiveId" clId="{64F8F7E6-B0A7-4A67-BE43-D2AC88E1A641}" dt="2024-12-03T17:11:25.537" v="921" actId="26606"/>
+          <ac:spMkLst>
+            <pc:docMk/>
+            <pc:sldMk cId="1319564735" sldId="276"/>
+            <ac:spMk id="8" creationId="{E777E57D-6A88-4B5B-A068-2BA7FF4E8CCA}"/>
+          </ac:spMkLst>
+        </pc:spChg>
+        <pc:spChg chg="add del">
+          <ac:chgData name="Andrew Kemp" userId="06d23b41cf651141" providerId="LiveId" clId="{64F8F7E6-B0A7-4A67-BE43-D2AC88E1A641}" dt="2024-12-03T17:11:01.054" v="914" actId="26606"/>
+          <ac:spMkLst>
+            <pc:docMk/>
+            <pc:sldMk cId="1319564735" sldId="276"/>
+            <ac:spMk id="9" creationId="{8FC9BE17-9A7B-462D-AE50-3D8777387304}"/>
+          </ac:spMkLst>
+        </pc:spChg>
+        <pc:spChg chg="add del">
+          <ac:chgData name="Andrew Kemp" userId="06d23b41cf651141" providerId="LiveId" clId="{64F8F7E6-B0A7-4A67-BE43-D2AC88E1A641}" dt="2024-12-03T17:11:11.181" v="916" actId="26606"/>
+          <ac:spMkLst>
+            <pc:docMk/>
+            <pc:sldMk cId="1319564735" sldId="276"/>
+            <ac:spMk id="10" creationId="{90D01200-0224-43C5-AB38-FB4D16B73FB7}"/>
+          </ac:spMkLst>
+        </pc:spChg>
+        <pc:spChg chg="add del">
+          <ac:chgData name="Andrew Kemp" userId="06d23b41cf651141" providerId="LiveId" clId="{64F8F7E6-B0A7-4A67-BE43-D2AC88E1A641}" dt="2024-12-03T17:11:01.054" v="914" actId="26606"/>
+          <ac:spMkLst>
+            <pc:docMk/>
+            <pc:sldMk cId="1319564735" sldId="276"/>
+            <ac:spMk id="11" creationId="{3EBE8569-6AEC-4B8C-8D53-2DE337CDBA65}"/>
+          </ac:spMkLst>
+        </pc:spChg>
+        <pc:spChg chg="add del">
+          <ac:chgData name="Andrew Kemp" userId="06d23b41cf651141" providerId="LiveId" clId="{64F8F7E6-B0A7-4A67-BE43-D2AC88E1A641}" dt="2024-12-03T17:11:11.181" v="916" actId="26606"/>
+          <ac:spMkLst>
+            <pc:docMk/>
+            <pc:sldMk cId="1319564735" sldId="276"/>
+            <ac:spMk id="12" creationId="{728A44A4-A002-4A88-9FC9-1D0566C97A47}"/>
+          </ac:spMkLst>
+        </pc:spChg>
+        <pc:spChg chg="add del">
+          <ac:chgData name="Andrew Kemp" userId="06d23b41cf651141" providerId="LiveId" clId="{64F8F7E6-B0A7-4A67-BE43-D2AC88E1A641}" dt="2024-12-03T17:11:01.054" v="914" actId="26606"/>
+          <ac:spMkLst>
+            <pc:docMk/>
+            <pc:sldMk cId="1319564735" sldId="276"/>
+            <ac:spMk id="13" creationId="{55D4142C-5077-457F-A6AD-3FECFDB39685}"/>
+          </ac:spMkLst>
+        </pc:spChg>
+        <pc:spChg chg="add del">
+          <ac:chgData name="Andrew Kemp" userId="06d23b41cf651141" providerId="LiveId" clId="{64F8F7E6-B0A7-4A67-BE43-D2AC88E1A641}" dt="2024-12-03T17:11:11.181" v="916" actId="26606"/>
+          <ac:spMkLst>
+            <pc:docMk/>
+            <pc:sldMk cId="1319564735" sldId="276"/>
+            <ac:spMk id="14" creationId="{3E7D5C7B-DD16-401B-85CE-4AAA2A4F5136}"/>
+          </ac:spMkLst>
+        </pc:spChg>
+        <pc:spChg chg="add del">
+          <ac:chgData name="Andrew Kemp" userId="06d23b41cf651141" providerId="LiveId" clId="{64F8F7E6-B0A7-4A67-BE43-D2AC88E1A641}" dt="2024-12-03T17:11:01.054" v="914" actId="26606"/>
+          <ac:spMkLst>
+            <pc:docMk/>
+            <pc:sldMk cId="1319564735" sldId="276"/>
+            <ac:spMk id="15" creationId="{7A5F0580-5EE9-419F-96EE-B6529EF6E7D0}"/>
+          </ac:spMkLst>
+        </pc:spChg>
+        <pc:spChg chg="add del">
+          <ac:chgData name="Andrew Kemp" userId="06d23b41cf651141" providerId="LiveId" clId="{64F8F7E6-B0A7-4A67-BE43-D2AC88E1A641}" dt="2024-12-03T17:11:17.271" v="918" actId="26606"/>
+          <ac:spMkLst>
+            <pc:docMk/>
+            <pc:sldMk cId="1319564735" sldId="276"/>
+            <ac:spMk id="16" creationId="{8380AD67-C5CA-4918-B4BB-C359BB03EEDD}"/>
+          </ac:spMkLst>
+        </pc:spChg>
+        <pc:spChg chg="add del">
+          <ac:chgData name="Andrew Kemp" userId="06d23b41cf651141" providerId="LiveId" clId="{64F8F7E6-B0A7-4A67-BE43-D2AC88E1A641}" dt="2024-12-03T17:11:17.271" v="918" actId="26606"/>
+          <ac:spMkLst>
+            <pc:docMk/>
+            <pc:sldMk cId="1319564735" sldId="276"/>
+            <ac:spMk id="18" creationId="{EABAD4DA-87BA-4F70-9EF0-45C6BCF17823}"/>
+          </ac:spMkLst>
+        </pc:spChg>
+        <pc:spChg chg="add del">
+          <ac:chgData name="Andrew Kemp" userId="06d23b41cf651141" providerId="LiveId" clId="{64F8F7E6-B0A7-4A67-BE43-D2AC88E1A641}" dt="2024-12-03T17:11:17.271" v="918" actId="26606"/>
+          <ac:spMkLst>
+            <pc:docMk/>
+            <pc:sldMk cId="1319564735" sldId="276"/>
+            <ac:spMk id="19" creationId="{915128D9-2797-47FA-B6FE-EC24E6B8437A}"/>
+          </ac:spMkLst>
+        </pc:spChg>
+        <pc:spChg chg="add del">
+          <ac:chgData name="Andrew Kemp" userId="06d23b41cf651141" providerId="LiveId" clId="{64F8F7E6-B0A7-4A67-BE43-D2AC88E1A641}" dt="2024-12-03T17:11:25.532" v="920" actId="26606"/>
+          <ac:spMkLst>
+            <pc:docMk/>
+            <pc:sldMk cId="1319564735" sldId="276"/>
+            <ac:spMk id="21" creationId="{2C9A9DA9-7DC8-488B-A882-123947B0F3D9}"/>
+          </ac:spMkLst>
+        </pc:spChg>
+        <pc:spChg chg="add del">
+          <ac:chgData name="Andrew Kemp" userId="06d23b41cf651141" providerId="LiveId" clId="{64F8F7E6-B0A7-4A67-BE43-D2AC88E1A641}" dt="2024-12-03T17:11:25.532" v="920" actId="26606"/>
+          <ac:spMkLst>
+            <pc:docMk/>
+            <pc:sldMk cId="1319564735" sldId="276"/>
+            <ac:spMk id="22" creationId="{57F6BDD4-E066-4008-8011-6CC31AEB4556}"/>
+          </ac:spMkLst>
+        </pc:spChg>
+        <pc:spChg chg="add del">
+          <ac:chgData name="Andrew Kemp" userId="06d23b41cf651141" providerId="LiveId" clId="{64F8F7E6-B0A7-4A67-BE43-D2AC88E1A641}" dt="2024-12-03T17:11:25.532" v="920" actId="26606"/>
+          <ac:spMkLst>
+            <pc:docMk/>
+            <pc:sldMk cId="1319564735" sldId="276"/>
+            <ac:spMk id="23" creationId="{2711A8FB-68FC-45FC-B01E-38F809E2D439}"/>
+          </ac:spMkLst>
+        </pc:spChg>
+        <pc:spChg chg="add del">
+          <ac:chgData name="Andrew Kemp" userId="06d23b41cf651141" providerId="LiveId" clId="{64F8F7E6-B0A7-4A67-BE43-D2AC88E1A641}" dt="2024-12-03T17:11:25.532" v="920" actId="26606"/>
+          <ac:spMkLst>
+            <pc:docMk/>
+            <pc:sldMk cId="1319564735" sldId="276"/>
+            <ac:spMk id="24" creationId="{2A865FE3-5FC9-4049-87CF-30019C46C0F5}"/>
+          </ac:spMkLst>
+        </pc:spChg>
+        <pc:spChg chg="add">
+          <ac:chgData name="Andrew Kemp" userId="06d23b41cf651141" providerId="LiveId" clId="{64F8F7E6-B0A7-4A67-BE43-D2AC88E1A641}" dt="2024-12-03T17:11:25.537" v="921" actId="26606"/>
+          <ac:spMkLst>
+            <pc:docMk/>
+            <pc:sldMk cId="1319564735" sldId="276"/>
+            <ac:spMk id="27" creationId="{F7117410-A2A4-4085-9ADC-46744551DBDE}"/>
+          </ac:spMkLst>
+        </pc:spChg>
+        <pc:spChg chg="add">
+          <ac:chgData name="Andrew Kemp" userId="06d23b41cf651141" providerId="LiveId" clId="{64F8F7E6-B0A7-4A67-BE43-D2AC88E1A641}" dt="2024-12-03T17:11:25.537" v="921" actId="26606"/>
+          <ac:spMkLst>
+            <pc:docMk/>
+            <pc:sldMk cId="1319564735" sldId="276"/>
+            <ac:spMk id="28" creationId="{99F74EB5-E547-4FB4-95F5-BCC788F3C4A0}"/>
+          </ac:spMkLst>
+        </pc:spChg>
+        <pc:picChg chg="add del">
+          <ac:chgData name="Andrew Kemp" userId="06d23b41cf651141" providerId="LiveId" clId="{64F8F7E6-B0A7-4A67-BE43-D2AC88E1A641}" dt="2024-12-03T17:11:01.054" v="914" actId="26606"/>
+          <ac:picMkLst>
+            <pc:docMk/>
+            <pc:sldMk cId="1319564735" sldId="276"/>
+            <ac:picMk id="5" creationId="{E3B1F6DC-6A44-8FE1-707E-404780597B56}"/>
+          </ac:picMkLst>
+        </pc:picChg>
+        <pc:picChg chg="add del">
+          <ac:chgData name="Andrew Kemp" userId="06d23b41cf651141" providerId="LiveId" clId="{64F8F7E6-B0A7-4A67-BE43-D2AC88E1A641}" dt="2024-12-03T17:11:11.181" v="916" actId="26606"/>
+          <ac:picMkLst>
+            <pc:docMk/>
+            <pc:sldMk cId="1319564735" sldId="276"/>
+            <ac:picMk id="7" creationId="{136DCD8C-8974-250B-7F3F-BDAA3BC7D497}"/>
+          </ac:picMkLst>
+        </pc:picChg>
+        <pc:picChg chg="add del">
+          <ac:chgData name="Andrew Kemp" userId="06d23b41cf651141" providerId="LiveId" clId="{64F8F7E6-B0A7-4A67-BE43-D2AC88E1A641}" dt="2024-12-03T17:11:17.271" v="918" actId="26606"/>
+          <ac:picMkLst>
+            <pc:docMk/>
+            <pc:sldMk cId="1319564735" sldId="276"/>
+            <ac:picMk id="17" creationId="{74A887DF-F156-69FA-026D-95D4DCDA7452}"/>
+          </ac:picMkLst>
+        </pc:picChg>
+        <pc:picChg chg="add del">
+          <ac:chgData name="Andrew Kemp" userId="06d23b41cf651141" providerId="LiveId" clId="{64F8F7E6-B0A7-4A67-BE43-D2AC88E1A641}" dt="2024-12-03T17:11:25.532" v="920" actId="26606"/>
+          <ac:picMkLst>
+            <pc:docMk/>
+            <pc:sldMk cId="1319564735" sldId="276"/>
+            <ac:picMk id="25" creationId="{543C4753-16E7-0B7A-D39B-4871BD97EAAF}"/>
+          </ac:picMkLst>
+        </pc:picChg>
       </pc:sldChg>
     </pc:docChg>
   </pc:docChgLst>
@@ -1179,7 +1355,7 @@
           <a:p>
             <a:fld id="{8679E891-2C41-48EE-80B7-AB9A3E9AE90B}" type="datetimeFigureOut">
               <a:rPr lang="en-US" smtClean="0"/>
-              <a:t>12/2/2024</a:t>
+              <a:t>12/3/2024</a:t>
             </a:fld>
             <a:endParaRPr lang="en-US"/>
           </a:p>
@@ -1782,6 +1958,90 @@
 </p:notes>
 </file>
 
+<file path=ppt/notesSlides/notesSlide5.xml><?xml version="1.0" encoding="utf-8"?>
+<p:notes xmlns:a="http://schemas.openxmlformats.org/drawingml/2006/main" xmlns:r="http://schemas.openxmlformats.org/officeDocument/2006/relationships" xmlns:p="http://schemas.openxmlformats.org/presentationml/2006/main">
+  <p:cSld>
+    <p:spTree>
+      <p:nvGrpSpPr>
+        <p:cNvPr id="1" name=""/>
+        <p:cNvGrpSpPr/>
+        <p:nvPr/>
+      </p:nvGrpSpPr>
+      <p:grpSpPr>
+        <a:xfrm>
+          <a:off x="0" y="0"/>
+          <a:ext cx="0" cy="0"/>
+          <a:chOff x="0" y="0"/>
+          <a:chExt cx="0" cy="0"/>
+        </a:xfrm>
+      </p:grpSpPr>
+      <p:sp>
+        <p:nvSpPr>
+          <p:cNvPr id="2" name="Slide Image Placeholder 1"/>
+          <p:cNvSpPr>
+            <a:spLocks noGrp="1" noRot="1" noChangeAspect="1"/>
+          </p:cNvSpPr>
+          <p:nvPr>
+            <p:ph type="sldImg"/>
+          </p:nvPr>
+        </p:nvSpPr>
+        <p:spPr/>
+      </p:sp>
+      <p:sp>
+        <p:nvSpPr>
+          <p:cNvPr id="3" name="Notes Placeholder 2"/>
+          <p:cNvSpPr>
+            <a:spLocks noGrp="1"/>
+          </p:cNvSpPr>
+          <p:nvPr>
+            <p:ph type="body" idx="1"/>
+          </p:nvPr>
+        </p:nvSpPr>
+        <p:spPr/>
+        <p:txBody>
+          <a:bodyPr/>
+          <a:lstStyle/>
+          <a:p>
+            <a:endParaRPr lang="en-US" dirty="0"/>
+          </a:p>
+        </p:txBody>
+      </p:sp>
+      <p:sp>
+        <p:nvSpPr>
+          <p:cNvPr id="4" name="Slide Number Placeholder 3"/>
+          <p:cNvSpPr>
+            <a:spLocks noGrp="1"/>
+          </p:cNvSpPr>
+          <p:nvPr>
+            <p:ph type="sldNum" sz="quarter" idx="5"/>
+          </p:nvPr>
+        </p:nvSpPr>
+        <p:spPr/>
+        <p:txBody>
+          <a:bodyPr/>
+          <a:lstStyle/>
+          <a:p>
+            <a:fld id="{3AB11C39-B6E5-45EC-BACA-3432A9334DA1}" type="slidenum">
+              <a:rPr lang="en-US" smtClean="0"/>
+              <a:t>17</a:t>
+            </a:fld>
+            <a:endParaRPr lang="en-US"/>
+          </a:p>
+        </p:txBody>
+      </p:sp>
+    </p:spTree>
+    <p:extLst>
+      <p:ext uri="{BB962C8B-B14F-4D97-AF65-F5344CB8AC3E}">
+        <p14:creationId xmlns:p14="http://schemas.microsoft.com/office/powerpoint/2010/main" val="2584293208"/>
+      </p:ext>
+    </p:extLst>
+  </p:cSld>
+  <p:clrMapOvr>
+    <a:masterClrMapping/>
+  </p:clrMapOvr>
+</p:notes>
+</file>
+
 <file path=ppt/slideLayouts/slideLayout1.xml><?xml version="1.0" encoding="utf-8"?>
 <p:sldLayout xmlns:a="http://schemas.openxmlformats.org/drawingml/2006/main" xmlns:r="http://schemas.openxmlformats.org/officeDocument/2006/relationships" xmlns:p="http://schemas.openxmlformats.org/presentationml/2006/main" type="title" preserve="1">
   <p:cSld name="Title Slide">
@@ -1938,7 +2198,7 @@
           <a:p>
             <a:fld id="{02AC24A9-CCB6-4F8D-B8DB-C2F3692CFA5A}" type="datetimeFigureOut">
               <a:rPr lang="en-US" smtClean="0"/>
-              <a:t>12/2/2024</a:t>
+              <a:t>12/3/2024</a:t>
             </a:fld>
             <a:endParaRPr lang="en-US" dirty="0"/>
           </a:p>
@@ -2308,7 +2568,7 @@
           <a:p>
             <a:fld id="{02AC24A9-CCB6-4F8D-B8DB-C2F3692CFA5A}" type="datetimeFigureOut">
               <a:rPr lang="en-US" smtClean="0"/>
-              <a:t>12/2/2024</a:t>
+              <a:t>12/3/2024</a:t>
             </a:fld>
             <a:endParaRPr lang="en-US"/>
           </a:p>
@@ -2517,7 +2777,7 @@
           <a:p>
             <a:fld id="{02AC24A9-CCB6-4F8D-B8DB-C2F3692CFA5A}" type="datetimeFigureOut">
               <a:rPr lang="en-US" smtClean="0"/>
-              <a:t>12/2/2024</a:t>
+              <a:t>12/3/2024</a:t>
             </a:fld>
             <a:endParaRPr lang="en-US"/>
           </a:p>
@@ -2987,7 +3247,7 @@
           <a:p>
             <a:fld id="{02AC24A9-CCB6-4F8D-B8DB-C2F3692CFA5A}" type="datetimeFigureOut">
               <a:rPr lang="en-US" smtClean="0"/>
-              <a:t>12/2/2024</a:t>
+              <a:t>12/3/2024</a:t>
             </a:fld>
             <a:endParaRPr lang="en-US"/>
           </a:p>
@@ -3441,7 +3701,7 @@
           <a:p>
             <a:fld id="{02AC24A9-CCB6-4F8D-B8DB-C2F3692CFA5A}" type="datetimeFigureOut">
               <a:rPr lang="en-US" smtClean="0"/>
-              <a:t>12/2/2024</a:t>
+              <a:t>12/3/2024</a:t>
             </a:fld>
             <a:endParaRPr lang="en-US"/>
           </a:p>
@@ -3973,7 +4233,7 @@
           <a:p>
             <a:fld id="{02AC24A9-CCB6-4F8D-B8DB-C2F3692CFA5A}" type="datetimeFigureOut">
               <a:rPr lang="en-US" smtClean="0"/>
-              <a:t>12/2/2024</a:t>
+              <a:t>12/3/2024</a:t>
             </a:fld>
             <a:endParaRPr lang="en-US"/>
           </a:p>
@@ -4672,7 +4932,7 @@
           <a:p>
             <a:fld id="{02AC24A9-CCB6-4F8D-B8DB-C2F3692CFA5A}" type="datetimeFigureOut">
               <a:rPr lang="en-US" smtClean="0"/>
-              <a:t>12/2/2024</a:t>
+              <a:t>12/3/2024</a:t>
             </a:fld>
             <a:endParaRPr lang="en-US"/>
           </a:p>
@@ -5001,7 +5261,7 @@
           <a:p>
             <a:fld id="{02AC24A9-CCB6-4F8D-B8DB-C2F3692CFA5A}" type="datetimeFigureOut">
               <a:rPr lang="en-US" smtClean="0"/>
-              <a:t>12/2/2024</a:t>
+              <a:t>12/3/2024</a:t>
             </a:fld>
             <a:endParaRPr lang="en-US"/>
           </a:p>
@@ -5114,7 +5374,7 @@
           <a:p>
             <a:fld id="{02AC24A9-CCB6-4F8D-B8DB-C2F3692CFA5A}" type="datetimeFigureOut">
               <a:rPr lang="en-US" smtClean="0"/>
-              <a:t>12/2/2024</a:t>
+              <a:t>12/3/2024</a:t>
             </a:fld>
             <a:endParaRPr lang="en-US"/>
           </a:p>
@@ -5609,7 +5869,7 @@
           <a:p>
             <a:fld id="{02AC24A9-CCB6-4F8D-B8DB-C2F3692CFA5A}" type="datetimeFigureOut">
               <a:rPr lang="en-US" smtClean="0"/>
-              <a:t>12/2/2024</a:t>
+              <a:t>12/3/2024</a:t>
             </a:fld>
             <a:endParaRPr lang="en-US" dirty="0"/>
           </a:p>
@@ -6086,7 +6346,7 @@
           <a:p>
             <a:fld id="{02AC24A9-CCB6-4F8D-B8DB-C2F3692CFA5A}" type="datetimeFigureOut">
               <a:rPr lang="en-US" smtClean="0"/>
-              <a:t>12/2/2024</a:t>
+              <a:t>12/3/2024</a:t>
             </a:fld>
             <a:endParaRPr lang="en-US"/>
           </a:p>
@@ -6329,7 +6589,7 @@
           <a:p>
             <a:fld id="{02AC24A9-CCB6-4F8D-B8DB-C2F3692CFA5A}" type="datetimeFigureOut">
               <a:rPr lang="en-US" smtClean="0"/>
-              <a:t>12/2/2024</a:t>
+              <a:t>12/3/2024</a:t>
             </a:fld>
             <a:endParaRPr lang="en-US"/>
           </a:p>
@@ -7185,7 +7445,7 @@
         </p:spPr>
         <p:txBody>
           <a:bodyPr>
-            <a:normAutofit/>
+            <a:normAutofit lnSpcReduction="10000"/>
           </a:bodyPr>
           <a:lstStyle/>
           <a:p>
@@ -7195,7 +7455,7 @@
             </a:r>
             <a:r>
               <a:rPr lang="en-US" sz="2000" dirty="0"/>
-              <a:t>: Median income rose from $119,540 (2010) to $174,148 (2023).</a:t>
+              <a:t>: Median household income rose from $119,540 (2010) to $174,148 (2023).</a:t>
             </a:r>
           </a:p>
           <a:p>
@@ -8654,7 +8914,7 @@
           <a:p>
             <a:r>
               <a:rPr lang="en-US" b="1" dirty="0"/>
-              <a:t>Loudoun County Income Trends and Predictions</a:t>
+              <a:t>Loudoun County Household Income Trends and Predictions</a:t>
             </a:r>
           </a:p>
         </p:txBody>
@@ -8689,7 +8949,7 @@
           <a:p>
             <a:r>
               <a:rPr lang="en-US" sz="2000" b="1" dirty="0"/>
-              <a:t>Median income in Loudoun County </a:t>
+              <a:t>Median household income in Loudoun County </a:t>
             </a:r>
             <a:r>
               <a:rPr lang="en-US" sz="2000" dirty="0"/>
@@ -8709,7 +8969,7 @@
           <a:p>
             <a:r>
               <a:rPr lang="en-US" sz="2000" b="1" dirty="0"/>
-              <a:t>Predicted median income may exceed $350,000 by 2030</a:t>
+              <a:t>Predicted median household income expected to exceed $300,000 by 2030</a:t>
             </a:r>
             <a:r>
               <a:rPr lang="en-US" sz="2000" dirty="0"/>
@@ -8720,10 +8980,10 @@
       </p:sp>
       <p:pic>
         <p:nvPicPr>
-          <p:cNvPr id="6" name="Picture 5" descr="A graph with a line and a dotted line&#10;&#10;Description automatically generated">
-            <a:extLst>
-              <a:ext uri="{FF2B5EF4-FFF2-40B4-BE49-F238E27FC236}">
-                <a16:creationId xmlns:a16="http://schemas.microsoft.com/office/drawing/2014/main" id="{878A7999-5F7F-264D-242F-90054D6AB14F}"/>
+          <p:cNvPr id="5" name="Picture 4">
+            <a:extLst>
+              <a:ext uri="{FF2B5EF4-FFF2-40B4-BE49-F238E27FC236}">
+                <a16:creationId xmlns:a16="http://schemas.microsoft.com/office/drawing/2014/main" id="{41D28ECC-03FF-7BBA-7567-1F114A032208}"/>
               </a:ext>
             </a:extLst>
           </p:cNvPr>
@@ -8733,21 +8993,15 @@
           <p:nvPr/>
         </p:nvPicPr>
         <p:blipFill>
-          <a:blip r:embed="rId2">
-            <a:extLst>
-              <a:ext uri="{28A0092B-C50C-407E-A947-70E740481C1C}">
-                <a14:useLocalDpi xmlns:a14="http://schemas.microsoft.com/office/drawing/2010/main" val="0"/>
-              </a:ext>
-            </a:extLst>
-          </a:blip>
+          <a:blip r:embed="rId3"/>
           <a:stretch>
             <a:fillRect/>
           </a:stretch>
         </p:blipFill>
         <p:spPr>
           <a:xfrm>
-            <a:off x="518454" y="2081867"/>
-            <a:ext cx="7539696" cy="4580118"/>
+            <a:off x="342242" y="2090117"/>
+            <a:ext cx="7715908" cy="4676308"/>
           </a:xfrm>
           <a:prstGeom prst="rect">
             <a:avLst/>
@@ -9278,6 +9532,14 @@
 <file path=ppt/slides/slide21.xml><?xml version="1.0" encoding="utf-8"?>
 <p:sld xmlns:a="http://schemas.openxmlformats.org/drawingml/2006/main" xmlns:r="http://schemas.openxmlformats.org/officeDocument/2006/relationships" xmlns:p="http://schemas.openxmlformats.org/presentationml/2006/main">
   <p:cSld>
+    <p:bg>
+      <p:bgPr>
+        <a:solidFill>
+          <a:schemeClr val="bg1"/>
+        </a:solidFill>
+        <a:effectLst/>
+      </p:bgPr>
+    </p:bg>
     <p:spTree>
       <p:nvGrpSpPr>
         <p:cNvPr id="1" name=""/>
@@ -9292,54 +9554,309 @@
           <a:chExt cx="0" cy="0"/>
         </a:xfrm>
       </p:grpSpPr>
-      <p:sp>
-        <p:nvSpPr>
-          <p:cNvPr id="2" name="Title 1">
-            <a:extLst>
-              <a:ext uri="{FF2B5EF4-FFF2-40B4-BE49-F238E27FC236}">
-                <a16:creationId xmlns:a16="http://schemas.microsoft.com/office/drawing/2014/main" id="{68343746-3B28-7232-5B6E-D880C8F860C7}"/>
-              </a:ext>
-            </a:extLst>
-          </p:cNvPr>
-          <p:cNvSpPr>
-            <a:spLocks noGrp="1"/>
-          </p:cNvSpPr>
-          <p:nvPr>
-            <p:ph type="title"/>
-          </p:nvPr>
-        </p:nvSpPr>
-        <p:spPr/>
-        <p:txBody>
-          <a:bodyPr/>
-          <a:lstStyle/>
-          <a:p>
-            <a:r>
-              <a:rPr lang="en-US" b="1" dirty="0"/>
-              <a:t>Questions</a:t>
-            </a:r>
-          </a:p>
-        </p:txBody>
-      </p:sp>
-      <p:sp>
-        <p:nvSpPr>
-          <p:cNvPr id="3" name="Content Placeholder 2">
-            <a:extLst>
-              <a:ext uri="{FF2B5EF4-FFF2-40B4-BE49-F238E27FC236}">
-                <a16:creationId xmlns:a16="http://schemas.microsoft.com/office/drawing/2014/main" id="{1E7EA290-481B-5C71-947A-D1DF6008CECA}"/>
-              </a:ext>
-            </a:extLst>
-          </p:cNvPr>
-          <p:cNvSpPr>
-            <a:spLocks noGrp="1"/>
-          </p:cNvSpPr>
-          <p:nvPr>
-            <p:ph idx="1"/>
+      <p:sp useBgFill="1">
+        <p:nvSpPr>
+          <p:cNvPr id="8" name="Rectangle 7">
+            <a:extLst>
+              <a:ext uri="{FF2B5EF4-FFF2-40B4-BE49-F238E27FC236}">
+                <a16:creationId xmlns:a16="http://schemas.microsoft.com/office/drawing/2014/main" id="{E777E57D-6A88-4B5B-A068-2BA7FF4E8CCA}"/>
+              </a:ext>
+              <a:ext uri="{C183D7F6-B498-43B3-948B-1728B52AA6E4}">
+                <adec:decorative xmlns:adec="http://schemas.microsoft.com/office/drawing/2017/decorative" val="1"/>
+              </a:ext>
+            </a:extLst>
+          </p:cNvPr>
+          <p:cNvSpPr>
+            <a:spLocks noGrp="1" noRot="1" noChangeAspect="1" noMove="1" noResize="1" noEditPoints="1" noAdjustHandles="1" noChangeArrowheads="1" noChangeShapeType="1" noTextEdit="1"/>
+          </p:cNvSpPr>
+          <p:nvPr>
+            <p:extLst>
+              <p:ext uri="{386F3935-93C4-4BCD-93E2-E3B085C9AB24}">
+                <p16:designElem xmlns:p16="http://schemas.microsoft.com/office/powerpoint/2015/main" val="1"/>
+              </p:ext>
+            </p:extLst>
           </p:nvPr>
         </p:nvSpPr>
         <p:spPr>
           <a:xfrm>
-            <a:off x="859536" y="2478024"/>
-            <a:ext cx="10424160" cy="3694176"/>
+            <a:off x="0" y="0"/>
+            <a:ext cx="12192000" cy="6858000"/>
+          </a:xfrm>
+          <a:prstGeom prst="rect">
+            <a:avLst/>
+          </a:prstGeom>
+          <a:ln>
+            <a:noFill/>
+          </a:ln>
+        </p:spPr>
+        <p:style>
+          <a:lnRef idx="2">
+            <a:schemeClr val="accent1">
+              <a:shade val="50000"/>
+            </a:schemeClr>
+          </a:lnRef>
+          <a:fillRef idx="1">
+            <a:schemeClr val="accent1"/>
+          </a:fillRef>
+          <a:effectRef idx="0">
+            <a:schemeClr val="accent1"/>
+          </a:effectRef>
+          <a:fontRef idx="minor">
+            <a:schemeClr val="lt1"/>
+          </a:fontRef>
+        </p:style>
+        <p:txBody>
+          <a:bodyPr rtlCol="0" anchor="ctr"/>
+          <a:lstStyle/>
+          <a:p>
+            <a:pPr algn="ctr"/>
+            <a:endParaRPr lang="en-US"/>
+          </a:p>
+        </p:txBody>
+      </p:sp>
+      <p:sp>
+        <p:nvSpPr>
+          <p:cNvPr id="2" name="Title 1">
+            <a:extLst>
+              <a:ext uri="{FF2B5EF4-FFF2-40B4-BE49-F238E27FC236}">
+                <a16:creationId xmlns:a16="http://schemas.microsoft.com/office/drawing/2014/main" id="{68343746-3B28-7232-5B6E-D880C8F860C7}"/>
+              </a:ext>
+            </a:extLst>
+          </p:cNvPr>
+          <p:cNvSpPr>
+            <a:spLocks noGrp="1"/>
+          </p:cNvSpPr>
+          <p:nvPr>
+            <p:ph type="title"/>
+          </p:nvPr>
+        </p:nvSpPr>
+        <p:spPr>
+          <a:xfrm>
+            <a:off x="841248" y="503132"/>
+            <a:ext cx="10509504" cy="1974892"/>
+          </a:xfrm>
+        </p:spPr>
+        <p:txBody>
+          <a:bodyPr anchor="b">
+            <a:normAutofit/>
+          </a:bodyPr>
+          <a:lstStyle/>
+          <a:p>
+            <a:r>
+              <a:rPr lang="en-US" sz="5400" b="1"/>
+              <a:t>Questions</a:t>
+            </a:r>
+          </a:p>
+        </p:txBody>
+      </p:sp>
+      <p:sp>
+        <p:nvSpPr>
+          <p:cNvPr id="27" name="Rectangle 26">
+            <a:extLst>
+              <a:ext uri="{FF2B5EF4-FFF2-40B4-BE49-F238E27FC236}">
+                <a16:creationId xmlns:a16="http://schemas.microsoft.com/office/drawing/2014/main" id="{F7117410-A2A4-4085-9ADC-46744551DBDE}"/>
+              </a:ext>
+              <a:ext uri="{C183D7F6-B498-43B3-948B-1728B52AA6E4}">
+                <adec:decorative xmlns:adec="http://schemas.microsoft.com/office/drawing/2017/decorative" val="1"/>
+              </a:ext>
+            </a:extLst>
+          </p:cNvPr>
+          <p:cNvSpPr>
+            <a:spLocks noGrp="1" noRot="1" noChangeAspect="1" noMove="1" noResize="1" noEditPoints="1" noAdjustHandles="1" noChangeArrowheads="1" noChangeShapeType="1" noTextEdit="1"/>
+          </p:cNvSpPr>
+          <p:nvPr>
+            <p:extLst>
+              <p:ext uri="{386F3935-93C4-4BCD-93E2-E3B085C9AB24}">
+                <p16:designElem xmlns:p16="http://schemas.microsoft.com/office/powerpoint/2015/main" val="1"/>
+              </p:ext>
+            </p:extLst>
+          </p:nvPr>
+        </p:nvSpPr>
+        <p:spPr>
+          <a:xfrm>
+            <a:off x="842772" y="0"/>
+            <a:ext cx="10506456" cy="191386"/>
+          </a:xfrm>
+          <a:prstGeom prst="rect">
+            <a:avLst/>
+          </a:prstGeom>
+          <a:solidFill>
+            <a:schemeClr val="accent1"/>
+          </a:solidFill>
+          <a:ln>
+            <a:noFill/>
+          </a:ln>
+        </p:spPr>
+        <p:style>
+          <a:lnRef idx="2">
+            <a:schemeClr val="accent1">
+              <a:shade val="50000"/>
+            </a:schemeClr>
+          </a:lnRef>
+          <a:fillRef idx="1">
+            <a:schemeClr val="accent1"/>
+          </a:fillRef>
+          <a:effectRef idx="0">
+            <a:schemeClr val="accent1"/>
+          </a:effectRef>
+          <a:fontRef idx="minor">
+            <a:schemeClr val="lt1"/>
+          </a:fontRef>
+        </p:style>
+        <p:txBody>
+          <a:bodyPr rtlCol="0" anchor="ctr"/>
+          <a:lstStyle/>
+          <a:p>
+            <a:pPr marL="0" marR="0" lvl="0" indent="0" algn="ctr" defTabSz="914400" rtl="0" eaLnBrk="1" fontAlgn="auto" latinLnBrk="0" hangingPunct="1">
+              <a:lnSpc>
+                <a:spcPct val="100000"/>
+              </a:lnSpc>
+              <a:spcBef>
+                <a:spcPts val="0"/>
+              </a:spcBef>
+              <a:spcAft>
+                <a:spcPts val="0"/>
+              </a:spcAft>
+              <a:buClrTx/>
+              <a:buSzTx/>
+              <a:buFontTx/>
+              <a:buNone/>
+              <a:tabLst/>
+              <a:defRPr/>
+            </a:pPr>
+            <a:endParaRPr kumimoji="0" lang="en-US" sz="1800" b="0" i="0" u="none" strike="noStrike" kern="1200" cap="none" spc="0" normalizeH="0" baseline="0" noProof="0">
+              <a:ln>
+                <a:noFill/>
+              </a:ln>
+              <a:solidFill>
+                <a:prstClr val="white"/>
+              </a:solidFill>
+              <a:effectLst/>
+              <a:uLnTx/>
+              <a:uFillTx/>
+              <a:latin typeface="Calibri" panose="020F0502020204030204"/>
+              <a:ea typeface="+mn-ea"/>
+              <a:cs typeface="+mn-cs"/>
+            </a:endParaRPr>
+          </a:p>
+        </p:txBody>
+      </p:sp>
+      <p:sp>
+        <p:nvSpPr>
+          <p:cNvPr id="28" name="Rectangle 27">
+            <a:extLst>
+              <a:ext uri="{FF2B5EF4-FFF2-40B4-BE49-F238E27FC236}">
+                <a16:creationId xmlns:a16="http://schemas.microsoft.com/office/drawing/2014/main" id="{99F74EB5-E547-4FB4-95F5-BCC788F3C4A0}"/>
+              </a:ext>
+              <a:ext uri="{C183D7F6-B498-43B3-948B-1728B52AA6E4}">
+                <adec:decorative xmlns:adec="http://schemas.microsoft.com/office/drawing/2017/decorative" val="1"/>
+              </a:ext>
+            </a:extLst>
+          </p:cNvPr>
+          <p:cNvSpPr>
+            <a:spLocks noGrp="1" noRot="1" noChangeAspect="1" noMove="1" noResize="1" noEditPoints="1" noAdjustHandles="1" noChangeArrowheads="1" noChangeShapeType="1" noTextEdit="1"/>
+          </p:cNvSpPr>
+          <p:nvPr>
+            <p:extLst>
+              <p:ext uri="{386F3935-93C4-4BCD-93E2-E3B085C9AB24}">
+                <p16:designElem xmlns:p16="http://schemas.microsoft.com/office/powerpoint/2015/main" val="1"/>
+              </p:ext>
+            </p:extLst>
+          </p:nvPr>
+        </p:nvSpPr>
+        <p:spPr>
+          <a:xfrm>
+            <a:off x="841248" y="2894076"/>
+            <a:ext cx="10506456" cy="18288"/>
+          </a:xfrm>
+          <a:prstGeom prst="rect">
+            <a:avLst/>
+          </a:prstGeom>
+          <a:solidFill>
+            <a:schemeClr val="tx2">
+              <a:lumMod val="25000"/>
+              <a:lumOff val="75000"/>
+            </a:schemeClr>
+          </a:solidFill>
+          <a:ln w="3175">
+            <a:noFill/>
+          </a:ln>
+          <a:effectLst/>
+        </p:spPr>
+        <p:style>
+          <a:lnRef idx="2">
+            <a:schemeClr val="accent1">
+              <a:shade val="50000"/>
+            </a:schemeClr>
+          </a:lnRef>
+          <a:fillRef idx="1">
+            <a:schemeClr val="accent1"/>
+          </a:fillRef>
+          <a:effectRef idx="0">
+            <a:schemeClr val="accent1"/>
+          </a:effectRef>
+          <a:fontRef idx="minor">
+            <a:schemeClr val="lt1"/>
+          </a:fontRef>
+        </p:style>
+        <p:txBody>
+          <a:bodyPr rtlCol="0" anchor="ctr"/>
+          <a:lstStyle/>
+          <a:p>
+            <a:pPr marL="0" marR="0" lvl="0" indent="0" algn="ctr" defTabSz="914400" rtl="0" eaLnBrk="1" fontAlgn="auto" latinLnBrk="0" hangingPunct="1">
+              <a:lnSpc>
+                <a:spcPct val="100000"/>
+              </a:lnSpc>
+              <a:spcBef>
+                <a:spcPts val="0"/>
+              </a:spcBef>
+              <a:spcAft>
+                <a:spcPts val="0"/>
+              </a:spcAft>
+              <a:buClrTx/>
+              <a:buSzTx/>
+              <a:buFontTx/>
+              <a:buNone/>
+              <a:tabLst/>
+              <a:defRPr/>
+            </a:pPr>
+            <a:endParaRPr kumimoji="0" lang="en-US" sz="1800" b="0" i="0" u="none" strike="noStrike" kern="1200" cap="none" spc="0" normalizeH="0" baseline="0" noProof="0">
+              <a:ln>
+                <a:noFill/>
+              </a:ln>
+              <a:solidFill>
+                <a:prstClr val="white"/>
+              </a:solidFill>
+              <a:effectLst/>
+              <a:uLnTx/>
+              <a:uFillTx/>
+              <a:latin typeface="Calibri" panose="020F0502020204030204"/>
+              <a:ea typeface="+mn-ea"/>
+              <a:cs typeface="+mn-cs"/>
+            </a:endParaRPr>
+          </a:p>
+        </p:txBody>
+      </p:sp>
+      <p:sp>
+        <p:nvSpPr>
+          <p:cNvPr id="3" name="Content Placeholder 2">
+            <a:extLst>
+              <a:ext uri="{FF2B5EF4-FFF2-40B4-BE49-F238E27FC236}">
+                <a16:creationId xmlns:a16="http://schemas.microsoft.com/office/drawing/2014/main" id="{1E7EA290-481B-5C71-947A-D1DF6008CECA}"/>
+              </a:ext>
+            </a:extLst>
+          </p:cNvPr>
+          <p:cNvSpPr>
+            <a:spLocks noGrp="1"/>
+          </p:cNvSpPr>
+          <p:nvPr>
+            <p:ph idx="1"/>
+          </p:nvPr>
+        </p:nvSpPr>
+        <p:spPr>
+          <a:xfrm>
+            <a:off x="841248" y="3328416"/>
+            <a:ext cx="10509504" cy="2715768"/>
           </a:xfrm>
         </p:spPr>
         <p:txBody>
@@ -9349,21 +9866,21 @@
           <a:lstStyle/>
           <a:p>
             <a:r>
-              <a:rPr lang="en-US" dirty="0"/>
+              <a:rPr lang="en-US" sz="2000"/>
               <a:t>Any questions?</a:t>
             </a:r>
           </a:p>
           <a:p>
             <a:pPr lvl="1"/>
             <a:r>
-              <a:rPr lang="en-US" dirty="0"/>
+              <a:rPr lang="en-US" sz="2000"/>
               <a:t>Feel free to ask for clarifications or further insights on the analysis.</a:t>
             </a:r>
           </a:p>
           <a:p>
             <a:pPr lvl="1"/>
             <a:r>
-              <a:rPr lang="en-US" dirty="0"/>
+              <a:rPr lang="en-US" sz="2000"/>
               <a:t>Thank you for your attention! I appreciate your time and interest in this study.</a:t>
             </a:r>
           </a:p>
